--- a/Doc/Story/캐릭터 설정_v1.02.pptx
+++ b/Doc/Story/캐릭터 설정_v1.02.pptx
@@ -5347,7 +5347,7 @@
         <p:spPr>
           <a:xfrm>
             <a:off x="696579" y="2806211"/>
-            <a:ext cx="3442085" cy="1552031"/>
+            <a:ext cx="3442085" cy="1182859"/>
           </a:xfrm>
           <a:prstGeom prst="rect">
             <a:avLst/>
@@ -5395,18 +5395,6 @@
             <a:pPr lvl="0">
               <a:defRPr/>
             </a:pPr>
-            <a:r>
-              <a:rPr lang="en-US" altLang="ko-KR" sz="1200"/>
-              <a:t>-</a:t>
-            </a:r>
-            <a:r>
-              <a:rPr lang="ko-KR" altLang="en-US" sz="1200"/>
-              <a:t> 침대옆의 책꽃이에 오르골이 놓여있다</a:t>
-            </a:r>
-            <a:r>
-              <a:rPr lang="en-US" altLang="ko-KR" sz="1200"/>
-              <a:t>.</a:t>
-            </a:r>
             <a:endParaRPr lang="en-US" altLang="ko-KR" sz="1200"/>
           </a:p>
           <a:p>
@@ -5427,23 +5415,7 @@
             </a:r>
             <a:r>
               <a:rPr lang="ko-KR" altLang="en-US" sz="1200"/>
-              <a:t>의 방에는 아기자기한 인형들과 벽에 걸린 </a:t>
-            </a:r>
-            <a:r>
-              <a:rPr lang="en-US" altLang="ko-KR" sz="1200"/>
-              <a:t>(</a:t>
-            </a:r>
-            <a:r>
-              <a:rPr lang="ko-KR" altLang="en-US" sz="1200"/>
-              <a:t>직접 그린 것으로 추정되는</a:t>
-            </a:r>
-            <a:r>
-              <a:rPr lang="en-US" altLang="ko-KR" sz="1200"/>
-              <a:t>)</a:t>
-            </a:r>
-            <a:r>
-              <a:rPr lang="ko-KR" altLang="en-US" sz="1200"/>
-              <a:t>지도가 있다</a:t>
+              <a:t>의 방 서랍장 위에는 놀이공원에서 산 인형이 놓여있다</a:t>
             </a:r>
             <a:r>
               <a:rPr lang="en-US" altLang="ko-KR" sz="1200"/>
@@ -5461,7 +5433,7 @@
             </a:r>
             <a:r>
               <a:rPr lang="ko-KR" altLang="en-US" sz="1200"/>
-              <a:t> 침대 위에는 놀이공원에서 산 인형이 놓여있다</a:t>
+              <a:t> 따듯한 러그가 깔려있다</a:t>
             </a:r>
             <a:r>
               <a:rPr lang="en-US" altLang="ko-KR" sz="1200"/>
@@ -5469,88 +5441,101 @@
             </a:r>
             <a:endParaRPr lang="en-US" altLang="ko-KR" sz="1200"/>
           </a:p>
-          <a:p>
-            <a:pPr lvl="0">
-              <a:defRPr/>
-            </a:pPr>
-            <a:endParaRPr lang="en-US" altLang="ko-KR" sz="1200"/>
-          </a:p>
         </p:txBody>
       </p:sp>
+      <p:pic>
+        <p:nvPicPr>
+          <p:cNvPr id="4111" name="그림 4110"/>
+          <p:cNvPicPr>
+            <a:picLocks noChangeAspect="1"/>
+          </p:cNvPicPr>
+          <p:nvPr/>
+        </p:nvPicPr>
+        <p:blipFill rotWithShape="1">
+          <a:blip r:embed="rId3"/>
+          <a:stretch>
+            <a:fillRect/>
+          </a:stretch>
+        </p:blipFill>
+        <p:spPr>
+          <a:xfrm>
+            <a:off x="6263473" y="1812316"/>
+            <a:ext cx="3534533" cy="3534533"/>
+          </a:xfrm>
+          <a:prstGeom prst="rect">
+            <a:avLst/>
+          </a:prstGeom>
+        </p:spPr>
+      </p:pic>
       <p:sp>
         <p:nvSpPr>
-          <p:cNvPr id="4108" name="TextBox 7"/>
-          <p:cNvSpPr txBox="1"/>
+          <p:cNvPr id="4112" name="직사각형 4111"/>
+          <p:cNvSpPr/>
           <p:nvPr/>
         </p:nvSpPr>
         <p:spPr>
           <a:xfrm>
-            <a:off x="5784378" y="2161226"/>
-            <a:ext cx="1928090" cy="261610"/>
+            <a:off x="10036726" y="3429000"/>
+            <a:ext cx="1797741" cy="755257"/>
           </a:xfrm>
           <a:prstGeom prst="rect">
             <a:avLst/>
           </a:prstGeom>
           <a:noFill/>
         </p:spPr>
+        <p:style>
+          <a:lnRef idx="2">
+            <a:schemeClr val="accent1">
+              <a:shade val="20000"/>
+            </a:schemeClr>
+          </a:lnRef>
+          <a:fillRef idx="1">
+            <a:schemeClr val="accent1"/>
+          </a:fillRef>
+          <a:effectRef idx="0">
+            <a:schemeClr val="accent1"/>
+          </a:effectRef>
+          <a:fontRef idx="minor">
+            <a:schemeClr val="lt1"/>
+          </a:fontRef>
+        </p:style>
         <p:txBody>
-          <a:bodyPr wrap="square" anchor="ctr" anchorCtr="0">
-            <a:spAutoFit/>
-          </a:bodyPr>
-          <a:lstStyle/>
-          <a:p>
-            <a:pPr lvl="0">
+          <a:bodyPr anchor="ctr"/>
+          <a:p>
+            <a:pPr lvl="0" algn="ctr">
               <a:defRPr/>
             </a:pPr>
             <a:r>
-              <a:rPr lang="en-US" altLang="ko-KR" sz="1100" b="1"/>
-              <a:t>3-4</a:t>
-            </a:r>
-            <a:r>
-              <a:rPr lang="ko-KR" altLang="en-US" sz="1100" b="1"/>
-              <a:t> </a:t>
-            </a:r>
-            <a:r>
-              <a:rPr lang="en-US" altLang="ko-KR" sz="1100" b="1"/>
-              <a:t> </a:t>
-            </a:r>
-            <a:r>
-              <a:rPr lang="ko-KR" altLang="en-US" sz="1100" b="1"/>
-              <a:t>아버지의 방 </a:t>
-            </a:r>
-            <a:r>
-              <a:rPr lang="en-US" altLang="ko-KR" sz="1100" b="1"/>
-              <a:t>(</a:t>
-            </a:r>
-            <a:r>
-              <a:rPr lang="ko-KR" altLang="en-US" sz="1100" b="1"/>
-              <a:t>이사 후</a:t>
-            </a:r>
-            <a:r>
-              <a:rPr lang="en-US" altLang="ko-KR" sz="1100" b="1"/>
-              <a:t>)</a:t>
-            </a:r>
-            <a:endParaRPr lang="ko-KR" altLang="en-US" sz="1100" b="1"/>
+              <a:rPr lang="ko-KR" altLang="en-US" sz="1100">
+                <a:solidFill>
+                  <a:schemeClr val="dk1"/>
+                </a:solidFill>
+              </a:rPr>
+              <a:t>러그같은게 깔려있으면 어떨까욥</a:t>
+            </a:r>
+            <a:endParaRPr lang="ko-KR" altLang="en-US" sz="1100">
+              <a:solidFill>
+                <a:schemeClr val="dk1"/>
+              </a:solidFill>
+            </a:endParaRPr>
           </a:p>
         </p:txBody>
       </p:sp>
       <p:sp>
         <p:nvSpPr>
-          <p:cNvPr id="4109" name="직사각형 4108"/>
+          <p:cNvPr id="4113" name="직사각형 4112"/>
           <p:cNvSpPr/>
           <p:nvPr/>
         </p:nvSpPr>
         <p:spPr>
           <a:xfrm>
-            <a:off x="5763475" y="2676231"/>
-            <a:ext cx="5328170" cy="1871011"/>
+            <a:off x="4298259" y="1247251"/>
+            <a:ext cx="1797741" cy="755257"/>
           </a:xfrm>
           <a:prstGeom prst="rect">
             <a:avLst/>
           </a:prstGeom>
-          <a:solidFill>
-            <a:srgbClr val="eef2f6"/>
-          </a:solidFill>
+          <a:noFill/>
         </p:spPr>
         <p:style>
           <a:lnRef idx="2">
@@ -5575,7 +5560,15 @@
             <a:pPr lvl="0" algn="ctr">
               <a:defRPr/>
             </a:pPr>
-            <a:endParaRPr lang="en-US" altLang="ko-KR">
+            <a:r>
+              <a:rPr lang="ko-KR" altLang="en-US" sz="1100">
+                <a:solidFill>
+                  <a:schemeClr val="dk1"/>
+                </a:solidFill>
+              </a:rPr>
+              <a:t>놀이공원에서 산 인형</a:t>
+            </a:r>
+            <a:endParaRPr lang="ko-KR" altLang="en-US" sz="1100">
               <a:solidFill>
                 <a:schemeClr val="dk1"/>
               </a:solidFill>
@@ -5585,82 +5578,322 @@
       </p:sp>
       <p:sp>
         <p:nvSpPr>
-          <p:cNvPr id="4110" name="가로 글상자 4109"/>
-          <p:cNvSpPr txBox="1"/>
+          <p:cNvPr id="4114" name="직사각형 4113"/>
+          <p:cNvSpPr/>
           <p:nvPr/>
         </p:nvSpPr>
         <p:spPr>
           <a:xfrm>
-            <a:off x="5919629" y="2896039"/>
-            <a:ext cx="4562057" cy="816806"/>
+            <a:off x="4130786" y="5377125"/>
+            <a:ext cx="1965213" cy="755257"/>
           </a:xfrm>
           <a:prstGeom prst="rect">
             <a:avLst/>
           </a:prstGeom>
+          <a:noFill/>
         </p:spPr>
+        <p:style>
+          <a:lnRef idx="2">
+            <a:schemeClr val="accent1">
+              <a:shade val="20000"/>
+            </a:schemeClr>
+          </a:lnRef>
+          <a:fillRef idx="1">
+            <a:schemeClr val="accent1"/>
+          </a:fillRef>
+          <a:effectRef idx="0">
+            <a:schemeClr val="accent1"/>
+          </a:effectRef>
+          <a:fontRef idx="minor">
+            <a:schemeClr val="lt1"/>
+          </a:fontRef>
+        </p:style>
         <p:txBody>
-          <a:bodyPr wrap="square">
-            <a:spAutoFit/>
-          </a:bodyPr>
+          <a:bodyPr anchor="ctr"/>
           <a:lstStyle/>
           <a:p>
-            <a:pPr lvl="0">
+            <a:pPr lvl="0" algn="ctr">
               <a:defRPr/>
             </a:pPr>
             <a:r>
-              <a:rPr lang="en-US" altLang="ko-KR" sz="1200"/>
-              <a:t>-</a:t>
-            </a:r>
-            <a:r>
-              <a:rPr lang="ko-KR" altLang="en-US" sz="1200"/>
-              <a:t> 누나의 존재를 알게되는 장소</a:t>
-            </a:r>
-            <a:endParaRPr lang="ko-KR" altLang="en-US" sz="1200"/>
-          </a:p>
-          <a:p>
-            <a:pPr lvl="0">
+              <a:rPr lang="ko-KR" altLang="en-US" sz="1100">
+                <a:solidFill>
+                  <a:schemeClr val="dk1"/>
+                </a:solidFill>
+              </a:rPr>
+              <a:t>미니게임 할 때 쓰일 수 있는 장난감상자</a:t>
+            </a:r>
+            <a:r>
+              <a:rPr lang="en-US" altLang="ko-KR" sz="1100">
+                <a:solidFill>
+                  <a:schemeClr val="dk1"/>
+                </a:solidFill>
+              </a:rPr>
+              <a:t>?(</a:t>
+            </a:r>
+            <a:r>
+              <a:rPr lang="ko-KR" altLang="en-US" sz="1100">
+                <a:solidFill>
+                  <a:schemeClr val="dk1"/>
+                </a:solidFill>
+              </a:rPr>
+              <a:t>회의</a:t>
+            </a:r>
+            <a:r>
+              <a:rPr lang="en-US" altLang="ko-KR" sz="1100">
+                <a:solidFill>
+                  <a:schemeClr val="dk1"/>
+                </a:solidFill>
+              </a:rPr>
+              <a:t>)</a:t>
+            </a:r>
+            <a:endParaRPr lang="en-US" altLang="ko-KR" sz="1100">
+              <a:solidFill>
+                <a:schemeClr val="dk1"/>
+              </a:solidFill>
+            </a:endParaRPr>
+          </a:p>
+          <a:p>
+            <a:pPr lvl="0" algn="ctr">
               <a:defRPr/>
             </a:pPr>
             <a:r>
-              <a:rPr lang="en-US" altLang="ko-KR" sz="1200"/>
-              <a:t>-</a:t>
-            </a:r>
-            <a:r>
-              <a:rPr lang="ko-KR" altLang="en-US" sz="1200"/>
-              <a:t> 무난하게 생긴 침대와 책장이 있다</a:t>
-            </a:r>
-            <a:r>
-              <a:rPr lang="en-US" altLang="ko-KR" sz="1200"/>
-              <a:t>.</a:t>
-            </a:r>
-            <a:endParaRPr lang="en-US" altLang="ko-KR" sz="1200"/>
-          </a:p>
-          <a:p>
-            <a:pPr lvl="0">
+              <a:rPr lang="ko-KR" altLang="en-US" sz="1100">
+                <a:solidFill>
+                  <a:schemeClr val="dk1"/>
+                </a:solidFill>
+              </a:rPr>
+              <a:t>아니면 널브러진 스케치북</a:t>
+            </a:r>
+            <a:r>
+              <a:rPr lang="en-US" altLang="ko-KR" sz="1100">
+                <a:solidFill>
+                  <a:schemeClr val="dk1"/>
+                </a:solidFill>
+              </a:rPr>
+              <a:t>?</a:t>
+            </a:r>
+            <a:endParaRPr lang="en-US" altLang="ko-KR" sz="1100">
+              <a:solidFill>
+                <a:schemeClr val="dk1"/>
+              </a:solidFill>
+            </a:endParaRPr>
+          </a:p>
+        </p:txBody>
+      </p:sp>
+      <p:sp>
+        <p:nvSpPr>
+          <p:cNvPr id="4115" name="직사각형 4114"/>
+          <p:cNvSpPr/>
+          <p:nvPr/>
+        </p:nvSpPr>
+        <p:spPr>
+          <a:xfrm>
+            <a:off x="9969318" y="1079778"/>
+            <a:ext cx="1797741" cy="755257"/>
+          </a:xfrm>
+          <a:prstGeom prst="rect">
+            <a:avLst/>
+          </a:prstGeom>
+          <a:noFill/>
+        </p:spPr>
+        <p:style>
+          <a:lnRef idx="2">
+            <a:schemeClr val="accent1">
+              <a:shade val="20000"/>
+            </a:schemeClr>
+          </a:lnRef>
+          <a:fillRef idx="1">
+            <a:schemeClr val="accent1"/>
+          </a:fillRef>
+          <a:effectRef idx="0">
+            <a:schemeClr val="accent1"/>
+          </a:effectRef>
+          <a:fontRef idx="minor">
+            <a:schemeClr val="lt1"/>
+          </a:fontRef>
+        </p:style>
+        <p:txBody>
+          <a:bodyPr anchor="ctr"/>
+          <a:lstStyle/>
+          <a:p>
+            <a:pPr lvl="0" algn="ctr">
               <a:defRPr/>
             </a:pPr>
             <a:r>
-              <a:rPr lang="en-US" altLang="ko-KR" sz="1200"/>
-              <a:t>-</a:t>
-            </a:r>
-            <a:r>
-              <a:rPr lang="ko-KR" altLang="en-US" sz="1200"/>
-              <a:t> 서랍이 달린 책상이 놓여있다</a:t>
-            </a:r>
-            <a:r>
-              <a:rPr lang="en-US" altLang="ko-KR" sz="1200"/>
-              <a:t>.</a:t>
-            </a:r>
-            <a:endParaRPr lang="en-US" altLang="ko-KR" sz="1200"/>
-          </a:p>
-          <a:p>
-            <a:pPr lvl="0">
-              <a:defRPr/>
-            </a:pPr>
-            <a:endParaRPr lang="en-US" altLang="ko-KR" sz="1200"/>
+              <a:rPr lang="ko-KR" altLang="en-US" sz="1100">
+                <a:solidFill>
+                  <a:schemeClr val="dk1"/>
+                </a:solidFill>
+              </a:rPr>
+              <a:t>체스판 같은거</a:t>
+            </a:r>
+            <a:r>
+              <a:rPr lang="en-US" altLang="ko-KR" sz="1100">
+                <a:solidFill>
+                  <a:schemeClr val="dk1"/>
+                </a:solidFill>
+              </a:rPr>
+              <a:t>?</a:t>
+            </a:r>
+            <a:r>
+              <a:rPr lang="ko-KR" altLang="en-US" sz="1100">
+                <a:solidFill>
+                  <a:schemeClr val="dk1"/>
+                </a:solidFill>
+              </a:rPr>
+              <a:t> 올려져 있어도 좋을 것 같습니다</a:t>
+            </a:r>
+            <a:endParaRPr lang="ko-KR" altLang="en-US" sz="1100">
+              <a:solidFill>
+                <a:schemeClr val="dk1"/>
+              </a:solidFill>
+            </a:endParaRPr>
           </a:p>
         </p:txBody>
       </p:sp>
+      <p:cxnSp>
+        <p:nvCxnSpPr>
+          <p:cNvPr id="4116" name="선 4115"/>
+          <p:cNvCxnSpPr/>
+          <p:nvPr/>
+        </p:nvCxnSpPr>
+        <p:spPr>
+          <a:xfrm>
+            <a:off x="6096000" y="1885113"/>
+            <a:ext cx="1287444" cy="743158"/>
+          </a:xfrm>
+          <a:prstGeom prst="line">
+            <a:avLst/>
+          </a:prstGeom>
+          <a:ln>
+            <a:solidFill>
+              <a:schemeClr val="dk1"/>
+            </a:solidFill>
+          </a:ln>
+        </p:spPr>
+        <p:style>
+          <a:lnRef idx="1">
+            <a:schemeClr val="accent1"/>
+          </a:lnRef>
+          <a:fillRef idx="0">
+            <a:schemeClr val="accent1"/>
+          </a:fillRef>
+          <a:effectRef idx="0">
+            <a:schemeClr val="accent1"/>
+          </a:effectRef>
+          <a:fontRef idx="minor">
+            <a:schemeClr val="tx1"/>
+          </a:fontRef>
+        </p:style>
+      </p:cxnSp>
+      <p:cxnSp>
+        <p:nvCxnSpPr>
+          <p:cNvPr id="4117" name="선 4116"/>
+          <p:cNvCxnSpPr>
+            <a:stCxn id="4115" idx="1"/>
+          </p:cNvCxnSpPr>
+          <p:nvPr/>
+        </p:nvCxnSpPr>
+        <p:spPr>
+          <a:xfrm rot="5400000">
+            <a:off x="8949250" y="1482599"/>
+            <a:ext cx="1045259" cy="994876"/>
+          </a:xfrm>
+          <a:prstGeom prst="line">
+            <a:avLst/>
+          </a:prstGeom>
+          <a:ln>
+            <a:solidFill>
+              <a:schemeClr val="dk1"/>
+            </a:solidFill>
+          </a:ln>
+        </p:spPr>
+        <p:style>
+          <a:lnRef idx="1">
+            <a:schemeClr val="accent1"/>
+          </a:lnRef>
+          <a:fillRef idx="0">
+            <a:schemeClr val="accent1"/>
+          </a:fillRef>
+          <a:effectRef idx="0">
+            <a:schemeClr val="accent1"/>
+          </a:effectRef>
+          <a:fontRef idx="minor">
+            <a:schemeClr val="tx1"/>
+          </a:fontRef>
+        </p:style>
+      </p:cxnSp>
+      <p:cxnSp>
+        <p:nvCxnSpPr>
+          <p:cNvPr id="4118" name="선 4117"/>
+          <p:cNvCxnSpPr/>
+          <p:nvPr/>
+        </p:nvCxnSpPr>
+        <p:spPr>
+          <a:xfrm rot="5400000" flipH="1" flipV="1">
+            <a:off x="6027963" y="4768779"/>
+            <a:ext cx="774560" cy="638490"/>
+          </a:xfrm>
+          <a:prstGeom prst="line">
+            <a:avLst/>
+          </a:prstGeom>
+          <a:ln>
+            <a:solidFill>
+              <a:schemeClr val="dk1"/>
+            </a:solidFill>
+          </a:ln>
+        </p:spPr>
+        <p:style>
+          <a:lnRef idx="1">
+            <a:schemeClr val="accent1"/>
+          </a:lnRef>
+          <a:fillRef idx="0">
+            <a:schemeClr val="accent1"/>
+          </a:fillRef>
+          <a:effectRef idx="0">
+            <a:schemeClr val="accent1"/>
+          </a:effectRef>
+          <a:fontRef idx="minor">
+            <a:schemeClr val="tx1"/>
+          </a:fontRef>
+        </p:style>
+      </p:cxnSp>
+      <p:cxnSp>
+        <p:nvCxnSpPr>
+          <p:cNvPr id="4119" name="선 4118"/>
+          <p:cNvCxnSpPr/>
+          <p:nvPr/>
+        </p:nvCxnSpPr>
+        <p:spPr>
+          <a:xfrm rot="10800000" flipV="1">
+            <a:off x="8911632" y="3926185"/>
+            <a:ext cx="1140913" cy="188405"/>
+          </a:xfrm>
+          <a:prstGeom prst="line">
+            <a:avLst/>
+          </a:prstGeom>
+          <a:ln>
+            <a:solidFill>
+              <a:schemeClr val="dk1"/>
+            </a:solidFill>
+          </a:ln>
+        </p:spPr>
+        <p:style>
+          <a:lnRef idx="1">
+            <a:schemeClr val="accent1"/>
+          </a:lnRef>
+          <a:fillRef idx="0">
+            <a:schemeClr val="accent1"/>
+          </a:fillRef>
+          <a:effectRef idx="0">
+            <a:schemeClr val="accent1"/>
+          </a:effectRef>
+          <a:fontRef idx="minor">
+            <a:schemeClr val="tx1"/>
+          </a:fontRef>
+        </p:style>
+      </p:cxnSp>
     </p:spTree>
     <p:extLst>
       <p:ext uri="{BB962C8B-B14F-4D97-AF65-F5344CB8AC3E}">
@@ -7990,6 +8223,10 @@
                       <a:pPr lvl="0" latinLnBrk="1">
                         <a:defRPr/>
                       </a:pPr>
+                      <a:r>
+                        <a:rPr lang="ko-KR" altLang="en-US" sz="1200"/>
+                        <a:t>송나름</a:t>
+                      </a:r>
                       <a:endParaRPr lang="ko-KR" altLang="en-US" sz="1200"/>
                     </a:p>
                   </a:txBody>
@@ -8003,6 +8240,27 @@
                       <a:pPr lvl="0" latinLnBrk="1">
                         <a:defRPr/>
                       </a:pPr>
+                      <a:r>
+                        <a:rPr lang="en-US" altLang="ko-KR" sz="1200"/>
+                        <a:t>2024-01-20</a:t>
+                      </a:r>
+                      <a:endParaRPr lang="en-US" altLang="ko-KR" sz="1200"/>
+                    </a:p>
+                  </a:txBody>
+                  <a:tcPr marL="91440" marR="91440" anchor="ctr"/>
+                </a:tc>
+                <a:tc>
+                  <a:txBody>
+                    <a:bodyPr vert="horz" lIns="91440" tIns="45720" rIns="91440" bIns="45720" anchor="ctr" anchorCtr="0"/>
+                    <a:lstStyle/>
+                    <a:p>
+                      <a:pPr lvl="0" latinLnBrk="1">
+                        <a:defRPr/>
+                      </a:pPr>
+                      <a:r>
+                        <a:rPr lang="ko-KR" altLang="en-US" sz="1200"/>
+                        <a:t>아이들 방 설정 추가</a:t>
+                      </a:r>
                       <a:endParaRPr lang="ko-KR" altLang="en-US" sz="1200"/>
                     </a:p>
                   </a:txBody>
@@ -8016,20 +8274,11 @@
                       <a:pPr lvl="0" latinLnBrk="1">
                         <a:defRPr/>
                       </a:pPr>
-                      <a:endParaRPr lang="ko-KR" altLang="en-US" sz="1200"/>
-                    </a:p>
-                  </a:txBody>
-                  <a:tcPr marL="91440" marR="91440" anchor="ctr"/>
-                </a:tc>
-                <a:tc>
-                  <a:txBody>
-                    <a:bodyPr vert="horz" lIns="91440" tIns="45720" rIns="91440" bIns="45720" anchor="ctr" anchorCtr="0"/>
-                    <a:lstStyle/>
-                    <a:p>
-                      <a:pPr lvl="0" latinLnBrk="1">
-                        <a:defRPr/>
-                      </a:pPr>
-                      <a:endParaRPr lang="ko-KR" altLang="en-US" sz="1200"/>
+                      <a:r>
+                        <a:rPr lang="en-US" altLang="ko-KR" sz="1200"/>
+                        <a:t>0.6</a:t>
+                      </a:r>
+                      <a:endParaRPr lang="en-US" altLang="ko-KR" sz="1200"/>
                     </a:p>
                   </a:txBody>
                   <a:tcPr marL="91440" marR="91440" anchor="ctr"/>

--- a/Doc/Story/캐릭터 설정_v1.02.pptx
+++ b/Doc/Story/캐릭터 설정_v1.02.pptx
@@ -4250,7 +4250,7 @@
             </a:r>
             <a:r>
               <a:rPr lang="ko-KR" altLang="en-US" sz="1200"/>
-              <a:t> 놀이공원의 추억이 담긴 물건</a:t>
+              <a:t> 쌍둥이의 추억이 담긴 물건</a:t>
             </a:r>
             <a:r>
               <a:rPr lang="en-US" altLang="ko-KR" sz="1200"/>
@@ -4647,13 +4647,17 @@
             </a:r>
             <a:r>
               <a:rPr lang="ko-KR" altLang="en-US" sz="1200"/>
-              <a:t> 꿈속에서는 트라우마의 공간이자 행복만이 가득하길 원하는 공간</a:t>
+              <a:t> </a:t>
             </a:r>
             <a:r>
               <a:rPr lang="en-US" altLang="ko-KR" sz="1200"/>
-              <a:t>.</a:t>
-            </a:r>
-            <a:endParaRPr lang="en-US" altLang="ko-KR" sz="1200"/>
+              <a:t>a</a:t>
+            </a:r>
+            <a:r>
+              <a:rPr lang="ko-KR" altLang="en-US" sz="1200"/>
+              <a:t>의 트라우마 그 자체</a:t>
+            </a:r>
+            <a:endParaRPr lang="ko-KR" altLang="en-US" sz="1200"/>
           </a:p>
           <a:p>
             <a:pPr lvl="0">
@@ -5012,7 +5016,7 @@
             </a:r>
             <a:r>
               <a:rPr lang="ko-KR" altLang="en-US" sz="1200"/>
-              <a:t> 놀이공원에서 찍은 행복한 가족사진</a:t>
+              <a:t> 정원에서 찍은 행복한 가족사진</a:t>
             </a:r>
             <a:r>
               <a:rPr lang="en-US" altLang="ko-KR" sz="1200"/>
@@ -5566,7 +5570,7 @@
                   <a:schemeClr val="dk1"/>
                 </a:solidFill>
               </a:rPr>
-              <a:t>놀이공원에서 산 인형</a:t>
+              <a:t>부모님이 사주신 인형</a:t>
             </a:r>
             <a:endParaRPr lang="ko-KR" altLang="en-US" sz="1100">
               <a:solidFill>
@@ -5621,31 +5625,7 @@
                   <a:schemeClr val="dk1"/>
                 </a:solidFill>
               </a:rPr>
-              <a:t>미니게임 할 때 쓰일 수 있는 장난감상자</a:t>
-            </a:r>
-            <a:r>
-              <a:rPr lang="en-US" altLang="ko-KR" sz="1100">
-                <a:solidFill>
-                  <a:schemeClr val="dk1"/>
-                </a:solidFill>
-              </a:rPr>
-              <a:t>?(</a:t>
-            </a:r>
-            <a:r>
-              <a:rPr lang="ko-KR" altLang="en-US" sz="1100">
-                <a:solidFill>
-                  <a:schemeClr val="dk1"/>
-                </a:solidFill>
-              </a:rPr>
-              <a:t>회의</a:t>
-            </a:r>
-            <a:r>
-              <a:rPr lang="en-US" altLang="ko-KR" sz="1100">
-                <a:solidFill>
-                  <a:schemeClr val="dk1"/>
-                </a:solidFill>
-              </a:rPr>
-              <a:t>)</a:t>
+              <a:t>장난감상자</a:t>
             </a:r>
             <a:endParaRPr lang="en-US" altLang="ko-KR" sz="1100">
               <a:solidFill>
@@ -8310,6 +8290,10 @@
                       <a:pPr lvl="0" latinLnBrk="1">
                         <a:defRPr/>
                       </a:pPr>
+                      <a:r>
+                        <a:rPr lang="ko-KR" altLang="en-US" sz="1200"/>
+                        <a:t>송나름</a:t>
+                      </a:r>
                       <a:endParaRPr lang="ko-KR" altLang="en-US" sz="1200"/>
                     </a:p>
                   </a:txBody>
@@ -8323,6 +8307,83 @@
                       <a:pPr lvl="0" latinLnBrk="1">
                         <a:defRPr/>
                       </a:pPr>
+                      <a:r>
+                        <a:rPr lang="en-US" altLang="ko-KR" sz="1200"/>
+                        <a:t>2024-01-24</a:t>
+                      </a:r>
+                      <a:endParaRPr lang="en-US" altLang="ko-KR" sz="1200"/>
+                    </a:p>
+                  </a:txBody>
+                  <a:tcPr marL="91440" marR="91440" anchor="ctr"/>
+                </a:tc>
+                <a:tc>
+                  <a:txBody>
+                    <a:bodyPr vert="horz" lIns="91440" tIns="45720" rIns="91440" bIns="45720" anchor="ctr" anchorCtr="0"/>
+                    <a:lstStyle/>
+                    <a:p>
+                      <a:pPr lvl="0" latinLnBrk="1">
+                        <a:defRPr/>
+                      </a:pPr>
+                      <a:r>
+                        <a:rPr lang="ko-KR" altLang="en-US" sz="1200"/>
+                        <a:t>스토리 수정</a:t>
+                      </a:r>
+                      <a:r>
+                        <a:rPr lang="en-US" altLang="ko-KR" sz="1200"/>
+                        <a:t>(</a:t>
+                      </a:r>
+                      <a:r>
+                        <a:rPr lang="ko-KR" altLang="en-US" sz="1200"/>
+                        <a:t>최종</a:t>
+                      </a:r>
+                      <a:r>
+                        <a:rPr lang="en-US" altLang="ko-KR" sz="1200"/>
+                        <a:t>_</a:t>
+                      </a:r>
+                      <a:r>
+                        <a:rPr lang="ko-KR" altLang="en-US" sz="1200"/>
+                        <a:t>세부사항만 조금씩 수정</a:t>
+                      </a:r>
+                      <a:r>
+                        <a:rPr lang="en-US" altLang="ko-KR" sz="1200"/>
+                        <a:t>),</a:t>
+                      </a:r>
+                      <a:r>
+                        <a:rPr lang="ko-KR" altLang="en-US" sz="1200"/>
+                        <a:t> 캐릭터 설정 수정</a:t>
+                      </a:r>
+                      <a:r>
+                        <a:rPr lang="en-US" altLang="ko-KR" sz="1200"/>
+                        <a:t>,</a:t>
+                      </a:r>
+                      <a:r>
+                        <a:rPr lang="ko-KR" altLang="en-US" sz="1200"/>
+                        <a:t> 사진 설정</a:t>
+                      </a:r>
+                      <a:r>
+                        <a:rPr lang="en-US" altLang="ko-KR" sz="1200"/>
+                        <a:t>(</a:t>
+                      </a:r>
+                      <a:r>
+                        <a:rPr lang="ko-KR" altLang="en-US" sz="1200"/>
+                        <a:t>놀이공원</a:t>
+                      </a:r>
+                      <a:r>
+                        <a:rPr lang="en-US" altLang="ko-KR" sz="1200"/>
+                        <a:t>-&gt;</a:t>
+                      </a:r>
+                      <a:r>
+                        <a:rPr lang="ko-KR" altLang="en-US" sz="1200"/>
+                        <a:t>정원</a:t>
+                      </a:r>
+                      <a:r>
+                        <a:rPr lang="en-US" altLang="ko-KR" sz="1200"/>
+                        <a:t>)</a:t>
+                      </a:r>
+                      <a:r>
+                        <a:rPr lang="ko-KR" altLang="en-US" sz="1200"/>
+                        <a:t> 수정</a:t>
+                      </a:r>
                       <a:endParaRPr lang="ko-KR" altLang="en-US" sz="1200"/>
                     </a:p>
                   </a:txBody>
@@ -8336,20 +8397,11 @@
                       <a:pPr lvl="0" latinLnBrk="1">
                         <a:defRPr/>
                       </a:pPr>
-                      <a:endParaRPr lang="ko-KR" altLang="en-US" sz="1200"/>
-                    </a:p>
-                  </a:txBody>
-                  <a:tcPr marL="91440" marR="91440" anchor="ctr"/>
-                </a:tc>
-                <a:tc>
-                  <a:txBody>
-                    <a:bodyPr vert="horz" lIns="91440" tIns="45720" rIns="91440" bIns="45720" anchor="ctr" anchorCtr="0"/>
-                    <a:lstStyle/>
-                    <a:p>
-                      <a:pPr lvl="0" latinLnBrk="1">
-                        <a:defRPr/>
-                      </a:pPr>
-                      <a:endParaRPr lang="ko-KR" altLang="en-US" sz="1200"/>
+                      <a:r>
+                        <a:rPr lang="en-US" altLang="ko-KR" sz="1200"/>
+                        <a:t>0.7</a:t>
+                      </a:r>
+                      <a:endParaRPr lang="en-US" altLang="ko-KR" sz="1200"/>
                     </a:p>
                   </a:txBody>
                   <a:tcPr marL="91440" marR="91440" anchor="ctr"/>
@@ -9325,7 +9377,7 @@
         <p:spPr>
           <a:xfrm>
             <a:off x="543238" y="1257089"/>
-            <a:ext cx="5552762" cy="3379681"/>
+            <a:ext cx="5552762" cy="3008206"/>
           </a:xfrm>
           <a:prstGeom prst="rect">
             <a:avLst/>
@@ -9389,7 +9441,7 @@
               <a:rPr lang="ko-KR" altLang="en-US" sz="1200"/>
               <a:t>를 찾는 목소리가 들림</a:t>
             </a:r>
-            <a:endParaRPr lang="en-US" altLang="ko-KR" sz="1200"/>
+            <a:endParaRPr lang="ko-KR" altLang="en-US" sz="1200"/>
           </a:p>
           <a:p>
             <a:pPr lvl="0">
@@ -9471,25 +9523,21 @@
             </a:r>
             <a:r>
               <a:rPr lang="ko-KR" altLang="en-US" sz="1200"/>
-              <a:t> 현관문을 나섰는데 똑같은 </a:t>
+              <a:t> </a:t>
             </a:r>
             <a:r>
               <a:rPr lang="en-US" altLang="ko-KR" sz="1200"/>
-              <a:t>1</a:t>
+              <a:t>b</a:t>
             </a:r>
             <a:r>
               <a:rPr lang="ko-KR" altLang="en-US" sz="1200"/>
-              <a:t>층의 풍경이 보임</a:t>
+              <a:t>가 죽은 날의 기억이 되살아남</a:t>
             </a:r>
             <a:r>
               <a:rPr lang="en-US" altLang="ko-KR" sz="1200"/>
               <a:t>.</a:t>
             </a:r>
-            <a:r>
-              <a:rPr lang="ko-KR" altLang="en-US" sz="1200"/>
-              <a:t> </a:t>
-            </a:r>
-            <a:endParaRPr lang="ko-KR" altLang="en-US" sz="1200"/>
+            <a:endParaRPr lang="en-US" altLang="ko-KR" sz="1200"/>
           </a:p>
           <a:p>
             <a:pPr lvl="0">
@@ -9501,7 +9549,7 @@
             </a:r>
             <a:r>
               <a:rPr lang="ko-KR" altLang="en-US" sz="1200"/>
-              <a:t> </a:t>
+              <a:t> 충격을 받은 </a:t>
             </a:r>
             <a:r>
               <a:rPr lang="en-US" altLang="ko-KR" sz="1200"/>
@@ -9509,15 +9557,7 @@
             </a:r>
             <a:r>
               <a:rPr lang="ko-KR" altLang="en-US" sz="1200"/>
-              <a:t>가 계속 기억에 대한 질문을 하자</a:t>
-            </a:r>
-            <a:r>
-              <a:rPr lang="en-US" altLang="ko-KR" sz="1200"/>
-              <a:t>,</a:t>
-            </a:r>
-            <a:r>
-              <a:rPr lang="ko-KR" altLang="en-US" sz="1200"/>
-              <a:t> </a:t>
+              <a:t>가 </a:t>
             </a:r>
             <a:r>
               <a:rPr lang="en-US" altLang="ko-KR" sz="1200"/>
@@ -9525,11 +9565,11 @@
             </a:r>
             <a:r>
               <a:rPr lang="ko-KR" altLang="en-US" sz="1200"/>
-              <a:t>가 자신이 죽은 것에 대해 말함</a:t>
+              <a:t>에게 정말 죽은것이 맞냐고 물음</a:t>
             </a:r>
             <a:r>
               <a:rPr lang="en-US" altLang="ko-KR" sz="1200"/>
-              <a:t>,</a:t>
+              <a:t>.</a:t>
             </a:r>
             <a:endParaRPr lang="en-US" altLang="ko-KR" sz="1200"/>
           </a:p>
@@ -9551,7 +9591,15 @@
             </a:r>
             <a:r>
               <a:rPr lang="ko-KR" altLang="en-US" sz="1200"/>
-              <a:t>가 괴물로 변함</a:t>
+              <a:t>가 머뭇거리며 대답을 하던중</a:t>
+            </a:r>
+            <a:r>
+              <a:rPr lang="en-US" altLang="ko-KR" sz="1200"/>
+              <a:t>,</a:t>
+            </a:r>
+            <a:r>
+              <a:rPr lang="ko-KR" altLang="en-US" sz="1200"/>
+              <a:t> 문이 닫히며 서로 갈라짐</a:t>
             </a:r>
             <a:r>
               <a:rPr lang="en-US" altLang="ko-KR" sz="1200"/>
@@ -9569,7 +9617,15 @@
             </a:r>
             <a:r>
               <a:rPr lang="ko-KR" altLang="en-US" sz="1200"/>
-              <a:t> 이때 진짜 </a:t>
+              <a:t> </a:t>
+            </a:r>
+            <a:r>
+              <a:rPr lang="en-US" altLang="ko-KR" sz="1200"/>
+              <a:t>a</a:t>
+            </a:r>
+            <a:r>
+              <a:rPr lang="ko-KR" altLang="en-US" sz="1200"/>
+              <a:t>가 저택에서 싸우고 이번엔 자신이 도와줄 차례라며 </a:t>
             </a:r>
             <a:r>
               <a:rPr lang="en-US" altLang="ko-KR" sz="1200"/>
@@ -9577,15 +9633,7 @@
             </a:r>
             <a:r>
               <a:rPr lang="ko-KR" altLang="en-US" sz="1200"/>
-              <a:t>가 나타나며</a:t>
-            </a:r>
-            <a:r>
-              <a:rPr lang="en-US" altLang="ko-KR" sz="1200"/>
-              <a:t>,</a:t>
-            </a:r>
-            <a:r>
-              <a:rPr lang="ko-KR" altLang="en-US" sz="1200"/>
-              <a:t> 둘이 함께 악령을 물리침</a:t>
+              <a:t>에게 감</a:t>
             </a:r>
             <a:r>
               <a:rPr lang="en-US" altLang="ko-KR" sz="1200"/>
@@ -9603,23 +9651,15 @@
             </a:r>
             <a:r>
               <a:rPr lang="ko-KR" altLang="en-US" sz="1200"/>
-              <a:t> 돌아가고 싶어하지 않는 </a:t>
+              <a:t> 둘이서 </a:t>
             </a:r>
             <a:r>
               <a:rPr lang="en-US" altLang="ko-KR" sz="1200"/>
-              <a:t>a</a:t>
+              <a:t>b</a:t>
             </a:r>
             <a:r>
               <a:rPr lang="ko-KR" altLang="en-US" sz="1200"/>
-              <a:t>에게 추억은 간직하지만 앞으로 나아가야 한다며 </a:t>
-            </a:r>
-            <a:r>
-              <a:rPr lang="en-US" altLang="ko-KR" sz="1200"/>
-              <a:t>a</a:t>
-            </a:r>
-            <a:r>
-              <a:rPr lang="ko-KR" altLang="en-US" sz="1200"/>
-              <a:t>를 잘 설득함</a:t>
+              <a:t>의 죄책감이랑 싸움</a:t>
             </a:r>
             <a:r>
               <a:rPr lang="en-US" altLang="ko-KR" sz="1200"/>
@@ -9637,7 +9677,31 @@
             </a:r>
             <a:r>
               <a:rPr lang="ko-KR" altLang="en-US" sz="1200"/>
-              <a:t> 작별인사를 하고 꿈에서 깨어나보니 아버지가 자신을 부르고 있었음</a:t>
+              <a:t> 승리 후 </a:t>
+            </a:r>
+            <a:r>
+              <a:rPr lang="en-US" altLang="ko-KR" sz="1200"/>
+              <a:t>a</a:t>
+            </a:r>
+            <a:r>
+              <a:rPr lang="ko-KR" altLang="en-US" sz="1200"/>
+              <a:t>의 방에서 깨어나고</a:t>
+            </a:r>
+            <a:r>
+              <a:rPr lang="en-US" altLang="ko-KR" sz="1200"/>
+              <a:t>,</a:t>
+            </a:r>
+            <a:r>
+              <a:rPr lang="ko-KR" altLang="en-US" sz="1200"/>
+              <a:t> </a:t>
+            </a:r>
+            <a:r>
+              <a:rPr lang="en-US" altLang="ko-KR" sz="1200"/>
+              <a:t>a</a:t>
+            </a:r>
+            <a:r>
+              <a:rPr lang="ko-KR" altLang="en-US" sz="1200"/>
+              <a:t>가 했던 오해를 품</a:t>
             </a:r>
             <a:r>
               <a:rPr lang="en-US" altLang="ko-KR" sz="1200"/>
@@ -9655,15 +9719,23 @@
             </a:r>
             <a:r>
               <a:rPr lang="ko-KR" altLang="en-US" sz="1200"/>
-              <a:t> 아버지가 깨어난 </a:t>
+              <a:t> 집을 둘러보며 추억을 회상하고</a:t>
             </a:r>
             <a:r>
               <a:rPr lang="en-US" altLang="ko-KR" sz="1200"/>
-              <a:t>a</a:t>
+              <a:t>,</a:t>
             </a:r>
             <a:r>
               <a:rPr lang="ko-KR" altLang="en-US" sz="1200"/>
-              <a:t>를 보며 자신이 너무 감정을 외면하게만 했다며 사과을 함</a:t>
+              <a:t> </a:t>
+            </a:r>
+            <a:r>
+              <a:rPr lang="en-US" altLang="ko-KR" sz="1200"/>
+              <a:t>b</a:t>
+            </a:r>
+            <a:r>
+              <a:rPr lang="ko-KR" altLang="en-US" sz="1200"/>
+              <a:t>의 무덤으로 감</a:t>
             </a:r>
             <a:r>
               <a:rPr lang="en-US" altLang="ko-KR" sz="1200"/>
@@ -9681,7 +9753,7 @@
             </a:r>
             <a:r>
               <a:rPr lang="ko-KR" altLang="en-US" sz="1200"/>
-              <a:t> 서로의 속 이야기를 나누고 집으로 돌아가기 전</a:t>
+              <a:t> 작별인사를 하며</a:t>
             </a:r>
             <a:r>
               <a:rPr lang="en-US" altLang="ko-KR" sz="1200"/>
@@ -9689,7 +9761,15 @@
             </a:r>
             <a:r>
               <a:rPr lang="ko-KR" altLang="en-US" sz="1200"/>
-              <a:t> 아버지와 함께 집 뒷마당의 무덤에 감</a:t>
+              <a:t> </a:t>
+            </a:r>
+            <a:r>
+              <a:rPr lang="en-US" altLang="ko-KR" sz="1200"/>
+              <a:t>a</a:t>
+            </a:r>
+            <a:r>
+              <a:rPr lang="ko-KR" altLang="en-US" sz="1200"/>
+              <a:t>는 오르골을 무덤에 올려둠</a:t>
             </a:r>
             <a:r>
               <a:rPr lang="en-US" altLang="ko-KR" sz="1200"/>
@@ -9707,7 +9787,23 @@
             </a:r>
             <a:r>
               <a:rPr lang="ko-KR" altLang="en-US" sz="1200"/>
-              <a:t> 이때 </a:t>
+              <a:t> </a:t>
+            </a:r>
+            <a:r>
+              <a:rPr lang="en-US" altLang="ko-KR" sz="1200"/>
+              <a:t>b</a:t>
+            </a:r>
+            <a:r>
+              <a:rPr lang="ko-KR" altLang="en-US" sz="1200"/>
+              <a:t>의 모습이 사라지고</a:t>
+            </a:r>
+            <a:r>
+              <a:rPr lang="en-US" altLang="ko-KR" sz="1200"/>
+              <a:t>,</a:t>
+            </a:r>
+            <a:r>
+              <a:rPr lang="ko-KR" altLang="en-US" sz="1200"/>
+              <a:t> 밖에서는 </a:t>
             </a:r>
             <a:r>
               <a:rPr lang="en-US" altLang="ko-KR" sz="1200"/>
@@ -9715,15 +9811,7 @@
             </a:r>
             <a:r>
               <a:rPr lang="ko-KR" altLang="en-US" sz="1200"/>
-              <a:t>가 오르골을 </a:t>
-            </a:r>
-            <a:r>
-              <a:rPr lang="en-US" altLang="ko-KR" sz="1200"/>
-              <a:t>b</a:t>
-            </a:r>
-            <a:r>
-              <a:rPr lang="ko-KR" altLang="en-US" sz="1200"/>
-              <a:t>의 무덤에 올려놓음</a:t>
+              <a:t>를 찾는 목소리가 들림</a:t>
             </a:r>
             <a:r>
               <a:rPr lang="en-US" altLang="ko-KR" sz="1200"/>
@@ -9741,11 +9829,11 @@
             </a:r>
             <a:r>
               <a:rPr lang="ko-KR" altLang="en-US" sz="1200"/>
-              <a:t> 그 뒤로 부자가 서로 손을 잡고 집에 돌아감</a:t>
+              <a:t> 밖으로 뛰어가는 </a:t>
             </a:r>
             <a:r>
               <a:rPr lang="en-US" altLang="ko-KR" sz="1200"/>
-              <a:t>.</a:t>
+              <a:t>a</a:t>
             </a:r>
             <a:endParaRPr lang="en-US" altLang="ko-KR" sz="1200"/>
           </a:p>
@@ -10683,7 +10771,7 @@
                             <a:schemeClr val="tx1"/>
                           </a:solidFill>
                         </a:rPr>
-                        <a:t> 노을</a:t>
+                        <a:t> 싸우는 소리</a:t>
                       </a:r>
                       <a:r>
                         <a:rPr lang="en-US" altLang="ko-KR" sz="1000" b="0">
@@ -10699,7 +10787,7 @@
                             <a:schemeClr val="tx1"/>
                           </a:solidFill>
                         </a:rPr>
-                        <a:t> 싸우는 소리</a:t>
+                        <a:t> 변화</a:t>
                       </a:r>
                       <a:endParaRPr lang="ko-KR" altLang="en-US" sz="1000" b="0">
                         <a:solidFill>
@@ -11626,88 +11714,6 @@
                           </a:solidFill>
                         </a:rPr>
                         <a:t> 자신만의 세계에 더욱 빠지게 된다</a:t>
-                      </a:r>
-                      <a:r>
-                        <a:rPr lang="en-US" altLang="ko-KR" sz="1000" b="0">
-                          <a:solidFill>
-                            <a:schemeClr val="tx1"/>
-                          </a:solidFill>
-                        </a:rPr>
-                        <a:t>.</a:t>
-                      </a:r>
-                      <a:endParaRPr lang="en-US" altLang="ko-KR" sz="1000" b="0">
-                        <a:solidFill>
-                          <a:schemeClr val="tx1"/>
-                        </a:solidFill>
-                      </a:endParaRPr>
-                    </a:p>
-                    <a:p>
-                      <a:pPr lvl="0" latinLnBrk="1">
-                        <a:defRPr/>
-                      </a:pPr>
-                      <a:r>
-                        <a:rPr lang="en-US" altLang="ko-KR" sz="1000" b="0">
-                          <a:solidFill>
-                            <a:schemeClr val="tx1"/>
-                          </a:solidFill>
-                        </a:rPr>
-                        <a:t>-</a:t>
-                      </a:r>
-                      <a:r>
-                        <a:rPr lang="ko-KR" altLang="en-US" sz="1000" b="0">
-                          <a:solidFill>
-                            <a:schemeClr val="tx1"/>
-                          </a:solidFill>
-                        </a:rPr>
-                        <a:t> </a:t>
-                      </a:r>
-                      <a:r>
-                        <a:rPr lang="en-US" altLang="ko-KR" sz="1000" b="0">
-                          <a:solidFill>
-                            <a:schemeClr val="tx1"/>
-                          </a:solidFill>
-                        </a:rPr>
-                        <a:t>b</a:t>
-                      </a:r>
-                      <a:r>
-                        <a:rPr lang="ko-KR" altLang="en-US" sz="1000" b="0">
-                          <a:solidFill>
-                            <a:schemeClr val="tx1"/>
-                          </a:solidFill>
-                        </a:rPr>
-                        <a:t>가 죽은 후로 우울증 증세가 나타나</a:t>
-                      </a:r>
-                      <a:r>
-                        <a:rPr lang="en-US" altLang="ko-KR" sz="1000" b="0">
-                          <a:solidFill>
-                            <a:schemeClr val="tx1"/>
-                          </a:solidFill>
-                        </a:rPr>
-                        <a:t>,</a:t>
-                      </a:r>
-                      <a:r>
-                        <a:rPr lang="ko-KR" altLang="en-US" sz="1000" b="0">
-                          <a:solidFill>
-                            <a:schemeClr val="tx1"/>
-                          </a:solidFill>
-                        </a:rPr>
-                        <a:t> 치료를 위한 약을 먹고 어느새 </a:t>
-                      </a:r>
-                      <a:r>
-                        <a:rPr lang="en-US" altLang="ko-KR" sz="1000" b="0">
-                          <a:solidFill>
-                            <a:schemeClr val="tx1"/>
-                          </a:solidFill>
-                        </a:rPr>
-                        <a:t>b</a:t>
-                      </a:r>
-                      <a:r>
-                        <a:rPr lang="ko-KR" altLang="en-US" sz="1000" b="0">
-                          <a:solidFill>
-                            <a:schemeClr val="tx1"/>
-                          </a:solidFill>
-                        </a:rPr>
-                        <a:t>에 대한 기억을 잊버린다</a:t>
                       </a:r>
                       <a:r>
                         <a:rPr lang="en-US" altLang="ko-KR" sz="1000" b="0">
@@ -12422,38 +12428,6 @@
                             <a:schemeClr val="tx1"/>
                           </a:solidFill>
                         </a:rPr>
-                        <a:t> 치매</a:t>
-                      </a:r>
-                      <a:r>
-                        <a:rPr lang="en-US" altLang="ko-KR" sz="1000" b="0">
-                          <a:solidFill>
-                            <a:schemeClr val="tx1"/>
-                          </a:solidFill>
-                        </a:rPr>
-                        <a:t>,</a:t>
-                      </a:r>
-                      <a:r>
-                        <a:rPr lang="ko-KR" altLang="en-US" sz="1000" b="0">
-                          <a:solidFill>
-                            <a:schemeClr val="tx1"/>
-                          </a:solidFill>
-                        </a:rPr>
-                        <a:t> 강약약강</a:t>
-                      </a:r>
-                      <a:r>
-                        <a:rPr lang="en-US" altLang="ko-KR" sz="1000" b="0">
-                          <a:solidFill>
-                            <a:schemeClr val="tx1"/>
-                          </a:solidFill>
-                        </a:rPr>
-                        <a:t>,</a:t>
-                      </a:r>
-                      <a:r>
-                        <a:rPr lang="ko-KR" altLang="en-US" sz="1000" b="0">
-                          <a:solidFill>
-                            <a:schemeClr val="tx1"/>
-                          </a:solidFill>
-                        </a:rPr>
                         <a:t> 싸움</a:t>
                       </a:r>
                       <a:endParaRPr lang="ko-KR" altLang="en-US" sz="1000" b="0">
@@ -12982,7 +12956,23 @@
                             <a:schemeClr val="tx1"/>
                           </a:solidFill>
                         </a:rPr>
-                        <a:t> 감정적이다</a:t>
+                        <a:t> </a:t>
+                      </a:r>
+                      <a:r>
+                        <a:rPr lang="en-US" altLang="ko-KR" sz="1000" b="0">
+                          <a:solidFill>
+                            <a:schemeClr val="tx1"/>
+                          </a:solidFill>
+                        </a:rPr>
+                        <a:t>a</a:t>
+                      </a:r>
+                      <a:r>
+                        <a:rPr lang="ko-KR" altLang="en-US" sz="1000" b="0">
+                          <a:solidFill>
+                            <a:schemeClr val="tx1"/>
+                          </a:solidFill>
+                        </a:rPr>
+                        <a:t>에 비해 어른스럽다</a:t>
                       </a:r>
                       <a:r>
                         <a:rPr lang="en-US" altLang="ko-KR" sz="1000" b="0">
@@ -13016,7 +13006,7 @@
                             <a:schemeClr val="tx1"/>
                           </a:solidFill>
                         </a:rPr>
-                        <a:t> 약간 엉뚱한 면도 있다</a:t>
+                        <a:t> 감정적이다</a:t>
                       </a:r>
                       <a:r>
                         <a:rPr lang="en-US" altLang="ko-KR" sz="1000" b="0">
@@ -13050,39 +13040,7 @@
                             <a:schemeClr val="tx1"/>
                           </a:solidFill>
                         </a:rPr>
-                        <a:t> </a:t>
-                      </a:r>
-                      <a:r>
-                        <a:rPr lang="en-US" altLang="ko-KR" sz="1000" b="0">
-                          <a:solidFill>
-                            <a:schemeClr val="tx1"/>
-                          </a:solidFill>
-                        </a:rPr>
-                        <a:t>a</a:t>
-                      </a:r>
-                      <a:r>
-                        <a:rPr lang="ko-KR" altLang="en-US" sz="1000" b="0">
-                          <a:solidFill>
-                            <a:schemeClr val="tx1"/>
-                          </a:solidFill>
-                        </a:rPr>
-                        <a:t>가 친구들에게 무시받고 있으면</a:t>
-                      </a:r>
-                      <a:r>
-                        <a:rPr lang="en-US" altLang="ko-KR" sz="1000" b="0">
-                          <a:solidFill>
-                            <a:schemeClr val="tx1"/>
-                          </a:solidFill>
-                        </a:rPr>
-                        <a:t>,</a:t>
-                      </a:r>
-                      <a:r>
-                        <a:rPr lang="ko-KR" altLang="en-US" sz="1000" b="0">
-                          <a:solidFill>
-                            <a:schemeClr val="tx1"/>
-                          </a:solidFill>
-                        </a:rPr>
-                        <a:t> 똑부러지는 말투로 혼내주었다</a:t>
+                        <a:t> 약간 엉뚱한 면도 있다</a:t>
                       </a:r>
                       <a:r>
                         <a:rPr lang="en-US" altLang="ko-KR" sz="1000" b="0">
@@ -13116,7 +13074,7 @@
                             <a:schemeClr val="tx1"/>
                           </a:solidFill>
                         </a:rPr>
-                        <a:t> 우산으로 날 수 있다고 생각해 실험을 하다가</a:t>
+                        <a:t> </a:t>
                       </a:r>
                       <a:r>
                         <a:rPr lang="en-US" altLang="ko-KR" sz="1000" b="0">
@@ -13124,6 +13082,22 @@
                             <a:schemeClr val="tx1"/>
                           </a:solidFill>
                         </a:rPr>
+                        <a:t>a</a:t>
+                      </a:r>
+                      <a:r>
+                        <a:rPr lang="ko-KR" altLang="en-US" sz="1000" b="0">
+                          <a:solidFill>
+                            <a:schemeClr val="tx1"/>
+                          </a:solidFill>
+                        </a:rPr>
+                        <a:t>가 친구들에게 무시받고 있으면</a:t>
+                      </a:r>
+                      <a:r>
+                        <a:rPr lang="en-US" altLang="ko-KR" sz="1000" b="0">
+                          <a:solidFill>
+                            <a:schemeClr val="tx1"/>
+                          </a:solidFill>
+                        </a:rPr>
                         <a:t>,</a:t>
                       </a:r>
                       <a:r>
@@ -13132,7 +13106,7 @@
                             <a:schemeClr val="tx1"/>
                           </a:solidFill>
                         </a:rPr>
-                        <a:t> 다친 적이 있다</a:t>
+                        <a:t> 똑부러지는 말투로 혼내주었다</a:t>
                       </a:r>
                       <a:r>
                         <a:rPr lang="en-US" altLang="ko-KR" sz="1000" b="0">
@@ -13166,7 +13140,7 @@
                             <a:schemeClr val="tx1"/>
                           </a:solidFill>
                         </a:rPr>
-                        <a:t> 어머니가 치매에 걸렸을 때</a:t>
+                        <a:t> 우산으로 날 수 있다고 생각해 실험을 하다가</a:t>
                       </a:r>
                       <a:r>
                         <a:rPr lang="en-US" altLang="ko-KR" sz="1000" b="0">
@@ -13182,7 +13156,7 @@
                             <a:schemeClr val="tx1"/>
                           </a:solidFill>
                         </a:rPr>
-                        <a:t> 자신을 몰라보는 어머니를 보며 화를 낸 적이 있다</a:t>
+                        <a:t> 다친 적이 있다</a:t>
                       </a:r>
                       <a:r>
                         <a:rPr lang="en-US" altLang="ko-KR" sz="1000" b="0">
@@ -13216,7 +13190,7 @@
                             <a:schemeClr val="tx1"/>
                           </a:solidFill>
                         </a:rPr>
-                        <a:t> 아버지는 그런 </a:t>
+                        <a:t> </a:t>
                       </a:r>
                       <a:r>
                         <a:rPr lang="en-US" altLang="ko-KR" sz="1000" b="0">
@@ -13224,7 +13198,7 @@
                             <a:schemeClr val="tx1"/>
                           </a:solidFill>
                         </a:rPr>
-                        <a:t>b</a:t>
+                        <a:t>a</a:t>
                       </a:r>
                       <a:r>
                         <a:rPr lang="ko-KR" altLang="en-US" sz="1000" b="0">
@@ -13232,89 +13206,7 @@
                             <a:schemeClr val="tx1"/>
                           </a:solidFill>
                         </a:rPr>
-                        <a:t>를 보며 다그치듯 타이르지만</a:t>
-                      </a:r>
-                      <a:r>
-                        <a:rPr lang="en-US" altLang="ko-KR" sz="1000" b="0">
-                          <a:solidFill>
-                            <a:schemeClr val="tx1"/>
-                          </a:solidFill>
-                        </a:rPr>
-                        <a:t>,</a:t>
-                      </a:r>
-                      <a:r>
-                        <a:rPr lang="ko-KR" altLang="en-US" sz="1000" b="0">
-                          <a:solidFill>
-                            <a:schemeClr val="tx1"/>
-                          </a:solidFill>
-                        </a:rPr>
-                        <a:t> 결국 참지 못한 </a:t>
-                      </a:r>
-                      <a:r>
-                        <a:rPr lang="en-US" altLang="ko-KR" sz="1000" b="0">
-                          <a:solidFill>
-                            <a:schemeClr val="tx1"/>
-                          </a:solidFill>
-                        </a:rPr>
-                        <a:t>b</a:t>
-                      </a:r>
-                      <a:r>
-                        <a:rPr lang="ko-KR" altLang="en-US" sz="1000" b="0">
-                          <a:solidFill>
-                            <a:schemeClr val="tx1"/>
-                          </a:solidFill>
-                        </a:rPr>
-                        <a:t>가 집 밖으로 뛰쳐나가다 사고를 당한다</a:t>
-                      </a:r>
-                      <a:r>
-                        <a:rPr lang="en-US" altLang="ko-KR" sz="1000" b="0">
-                          <a:solidFill>
-                            <a:schemeClr val="tx1"/>
-                          </a:solidFill>
-                        </a:rPr>
-                        <a:t>.</a:t>
-                      </a:r>
-                      <a:endParaRPr lang="en-US" altLang="ko-KR" sz="1000" b="0">
-                        <a:solidFill>
-                          <a:schemeClr val="tx1"/>
-                        </a:solidFill>
-                      </a:endParaRPr>
-                    </a:p>
-                    <a:p>
-                      <a:pPr lvl="0" latinLnBrk="1">
-                        <a:defRPr/>
-                      </a:pPr>
-                      <a:r>
-                        <a:rPr lang="en-US" altLang="ko-KR" sz="1000" b="0">
-                          <a:solidFill>
-                            <a:schemeClr val="tx1"/>
-                          </a:solidFill>
-                        </a:rPr>
-                        <a:t>-</a:t>
-                      </a:r>
-                      <a:r>
-                        <a:rPr lang="ko-KR" altLang="en-US" sz="1000" b="0">
-                          <a:solidFill>
-                            <a:schemeClr val="tx1"/>
-                          </a:solidFill>
-                        </a:rPr>
-                        <a:t> </a:t>
-                      </a:r>
-                      <a:r>
-                        <a:rPr lang="en-US" altLang="ko-KR" sz="1000" b="0">
-                          <a:solidFill>
-                            <a:schemeClr val="tx1"/>
-                          </a:solidFill>
-                        </a:rPr>
-                        <a:t>a</a:t>
-                      </a:r>
-                      <a:r>
-                        <a:rPr lang="ko-KR" altLang="en-US" sz="1000" b="0">
-                          <a:solidFill>
-                            <a:schemeClr val="tx1"/>
-                          </a:solidFill>
-                        </a:rPr>
-                        <a:t>가 힘들어 하는 모습에 승천하지 못하고 있다</a:t>
+                        <a:t>에 대한 죄책감에 승천하지 못하고 있다</a:t>
                       </a:r>
                       <a:r>
                         <a:rPr lang="en-US" altLang="ko-KR" sz="1000" b="0">
@@ -14468,15 +14360,7 @@
                       </a:r>
                       <a:r>
                         <a:rPr lang="ko-KR" altLang="en-US" sz="1000"/>
-                        <a:t> 아내가 치매에 걸리고</a:t>
-                      </a:r>
-                      <a:r>
-                        <a:rPr lang="en-US" altLang="ko-KR" sz="1000"/>
-                        <a:t>,</a:t>
-                      </a:r>
-                      <a:r>
-                        <a:rPr lang="ko-KR" altLang="en-US" sz="1000"/>
-                        <a:t> 직장에서도 잘리는 등 힘든 일들을 겪다보니 점점 어두워짐</a:t>
+                        <a:t> 직장에서 잘리는 등 힘든 일들을 겪다보니 점점 어두워짐</a:t>
                       </a:r>
                       <a:r>
                         <a:rPr lang="en-US" altLang="ko-KR" sz="1000"/>
@@ -14502,15 +14386,7 @@
                       </a:pPr>
                       <a:r>
                         <a:rPr lang="ko-KR" altLang="en-US" sz="1000"/>
-                        <a:t>자신도 모르게 </a:t>
-                      </a:r>
-                      <a:r>
-                        <a:rPr lang="en-US" altLang="ko-KR" sz="1000"/>
-                        <a:t>b</a:t>
-                      </a:r>
-                      <a:r>
-                        <a:rPr lang="ko-KR" altLang="en-US" sz="1000"/>
-                        <a:t>에게 화를 낸 것을 후회하며 자책하고있다</a:t>
+                        <a:t>아이들에게 화내는 모습을 보인 것을 후회하며 자책하고있다</a:t>
                       </a:r>
                       <a:r>
                         <a:rPr lang="en-US" altLang="ko-KR" sz="1000"/>
@@ -14655,11 +14531,11 @@
             </a:pPr>
             <a:r>
               <a:rPr lang="en-US" altLang="ko-KR" sz="1100" b="1"/>
-              <a:t>2-4. </a:t>
+              <a:t>2-4. b</a:t>
             </a:r>
             <a:r>
               <a:rPr lang="ko-KR" altLang="en-US" sz="1100" b="1"/>
-              <a:t>악령</a:t>
+              <a:t>의 죄책감</a:t>
             </a:r>
             <a:endParaRPr lang="ko-KR" altLang="en-US" sz="1100" b="1"/>
           </a:p>
@@ -14787,54 +14663,22 @@
                         <a:defRPr/>
                       </a:pPr>
                       <a:r>
+                        <a:rPr lang="en-US" altLang="ko-KR" sz="1000" b="0">
+                          <a:solidFill>
+                            <a:schemeClr val="tx1"/>
+                          </a:solidFill>
+                        </a:rPr>
+                        <a:t>b</a:t>
+                      </a:r>
+                      <a:r>
                         <a:rPr lang="ko-KR" altLang="en-US" sz="1000" b="0">
                           <a:solidFill>
                             <a:schemeClr val="tx1"/>
                           </a:solidFill>
                         </a:rPr>
-                        <a:t>악어와 비슷한 형상을 하고있을 것 같다</a:t>
-                      </a:r>
-                      <a:r>
-                        <a:rPr lang="en-US" altLang="ko-KR" sz="1000" b="0">
-                          <a:solidFill>
-                            <a:schemeClr val="tx1"/>
-                          </a:solidFill>
-                        </a:rPr>
-                        <a:t>.</a:t>
-                      </a:r>
-                      <a:r>
-                        <a:rPr lang="ko-KR" altLang="en-US" sz="1000" b="0">
-                          <a:solidFill>
-                            <a:schemeClr val="tx1"/>
-                          </a:solidFill>
-                        </a:rPr>
-                        <a:t> </a:t>
-                      </a:r>
-                      <a:r>
-                        <a:rPr lang="en-US" altLang="ko-KR" sz="1000" b="0">
-                          <a:solidFill>
-                            <a:schemeClr val="tx1"/>
-                          </a:solidFill>
-                        </a:rPr>
-                        <a:t>(</a:t>
-                      </a:r>
-                      <a:r>
-                        <a:rPr lang="ko-KR" altLang="en-US" sz="1000" b="0">
-                          <a:solidFill>
-                            <a:schemeClr val="tx1"/>
-                          </a:solidFill>
-                        </a:rPr>
-                        <a:t>피터팬 악어</a:t>
-                      </a:r>
-                      <a:r>
-                        <a:rPr lang="en-US" altLang="ko-KR" sz="1000" b="0">
-                          <a:solidFill>
-                            <a:schemeClr val="tx1"/>
-                          </a:solidFill>
-                        </a:rPr>
-                        <a:t>)</a:t>
-                      </a:r>
-                      <a:endParaRPr lang="en-US" altLang="ko-KR" sz="1000" b="0">
+                        <a:t>의 모습</a:t>
+                      </a:r>
+                      <a:endParaRPr lang="ko-KR" altLang="en-US" sz="1000" b="0">
                         <a:solidFill>
                           <a:schemeClr val="tx1"/>
                         </a:solidFill>
@@ -15000,262 +14844,14 @@
                         <a:defRPr/>
                       </a:pPr>
                       <a:r>
-                        <a:rPr lang="ko-KR" altLang="en-US" sz="1000"/>
-                        <a:t>초반에 </a:t>
-                      </a:r>
-                      <a:r>
                         <a:rPr lang="en-US" altLang="ko-KR" sz="1000"/>
                         <a:t>b</a:t>
                       </a:r>
                       <a:r>
                         <a:rPr lang="ko-KR" altLang="en-US" sz="1000"/>
-                        <a:t>의 모습을 하고있다</a:t>
-                      </a:r>
-                      <a:r>
-                        <a:rPr lang="en-US" altLang="ko-KR" sz="1000"/>
-                        <a:t>.</a:t>
-                      </a:r>
-                      <a:endParaRPr lang="en-US" altLang="ko-KR" sz="1000"/>
-                    </a:p>
-                    <a:p>
-                      <a:pPr marL="171450" marR="0" lvl="0" indent="-171450" algn="l" defTabSz="914400" rtl="0" eaLnBrk="1" latinLnBrk="1" hangingPunct="1">
-                        <a:lnSpc>
-                          <a:spcPct val="100000"/>
-                        </a:lnSpc>
-                        <a:spcBef>
-                          <a:spcPts val="0"/>
-                        </a:spcBef>
-                        <a:spcAft>
-                          <a:spcPts val="0"/>
-                        </a:spcAft>
-                        <a:buClrTx/>
-                        <a:buFontTx/>
-                        <a:buChar char="-"/>
-                        <a:defRPr/>
-                      </a:pPr>
-                      <a:r>
-                        <a:rPr lang="en-US" altLang="ko-KR" sz="1000"/>
-                        <a:t>a</a:t>
-                      </a:r>
-                      <a:r>
-                        <a:rPr lang="ko-KR" altLang="en-US" sz="1000"/>
-                        <a:t>의 방어적인 마음과 트라우마가 </a:t>
-                      </a:r>
-                      <a:r>
-                        <a:rPr lang="en-US" altLang="ko-KR" sz="1000"/>
-                        <a:t>b</a:t>
-                      </a:r>
-                      <a:r>
-                        <a:rPr lang="ko-KR" altLang="en-US" sz="1000"/>
-                        <a:t>의 모습으로 나타남</a:t>
-                      </a:r>
-                      <a:r>
-                        <a:rPr lang="en-US" altLang="ko-KR" sz="1000"/>
-                        <a:t>.</a:t>
-                      </a:r>
-                      <a:endParaRPr lang="en-US" altLang="ko-KR" sz="1000"/>
-                    </a:p>
-                    <a:p>
-                      <a:pPr marL="171450" marR="0" lvl="0" indent="-171450" algn="l" defTabSz="914400" rtl="0" eaLnBrk="1" latinLnBrk="1" hangingPunct="1">
-                        <a:lnSpc>
-                          <a:spcPct val="100000"/>
-                        </a:lnSpc>
-                        <a:spcBef>
-                          <a:spcPts val="0"/>
-                        </a:spcBef>
-                        <a:spcAft>
-                          <a:spcPts val="0"/>
-                        </a:spcAft>
-                        <a:buClrTx/>
-                        <a:buFontTx/>
-                        <a:buChar char="-"/>
-                        <a:defRPr/>
-                      </a:pPr>
-                      <a:r>
-                        <a:rPr lang="en-US" altLang="ko-KR" sz="1000"/>
-                        <a:t>a</a:t>
-                      </a:r>
-                      <a:r>
-                        <a:rPr lang="ko-KR" altLang="en-US" sz="1000"/>
-                        <a:t>가 행복한 기억속에서만 살게 하고싶어</a:t>
-                      </a:r>
-                      <a:r>
-                        <a:rPr lang="en-US" altLang="ko-KR" sz="1000"/>
-                        <a:t>,</a:t>
-                      </a:r>
-                      <a:r>
-                        <a:rPr lang="ko-KR" altLang="en-US" sz="1000"/>
-                        <a:t> 꿈에서 나가지 못하게 하려 한다</a:t>
-                      </a:r>
-                      <a:r>
-                        <a:rPr lang="en-US" altLang="ko-KR" sz="1000"/>
-                        <a:t>.</a:t>
-                      </a:r>
-                      <a:endParaRPr lang="en-US" altLang="ko-KR" sz="1000"/>
-                    </a:p>
-                    <a:p>
-                      <a:pPr marL="171450" marR="0" lvl="0" indent="-171450" algn="l" defTabSz="914400" rtl="0" eaLnBrk="1" latinLnBrk="1" hangingPunct="1">
-                        <a:lnSpc>
-                          <a:spcPct val="100000"/>
-                        </a:lnSpc>
-                        <a:spcBef>
-                          <a:spcPts val="0"/>
-                        </a:spcBef>
-                        <a:spcAft>
-                          <a:spcPts val="0"/>
-                        </a:spcAft>
-                        <a:buClrTx/>
-                        <a:buFontTx/>
-                        <a:buChar char="-"/>
-                        <a:defRPr/>
-                      </a:pPr>
-                      <a:r>
-                        <a:rPr lang="ko-KR" altLang="en-US" sz="1000"/>
-                        <a:t>추억의 선율이 담긴 오르골이 그중 하나</a:t>
-                      </a:r>
-                      <a:r>
-                        <a:rPr lang="en-US" altLang="ko-KR" sz="1000"/>
-                        <a:t>.</a:t>
-                      </a:r>
-                      <a:endParaRPr lang="en-US" altLang="ko-KR" sz="1000"/>
-                    </a:p>
-                    <a:p>
-                      <a:pPr marL="171450" marR="0" lvl="0" indent="-171450" algn="l" defTabSz="914400" rtl="0" eaLnBrk="1" latinLnBrk="1" hangingPunct="1">
-                        <a:lnSpc>
-                          <a:spcPct val="100000"/>
-                        </a:lnSpc>
-                        <a:spcBef>
-                          <a:spcPts val="0"/>
-                        </a:spcBef>
-                        <a:spcAft>
-                          <a:spcPts val="0"/>
-                        </a:spcAft>
-                        <a:buClrTx/>
-                        <a:buFontTx/>
-                        <a:buChar char="-"/>
-                        <a:defRPr/>
-                      </a:pPr>
-                      <a:r>
-                        <a:rPr lang="ko-KR" altLang="en-US" sz="1000"/>
-                        <a:t>현실에서 아버지가 계속 부르자</a:t>
-                      </a:r>
-                      <a:r>
-                        <a:rPr lang="en-US" altLang="ko-KR" sz="1000"/>
-                        <a:t>(</a:t>
-                      </a:r>
-                      <a:r>
-                        <a:rPr lang="ko-KR" altLang="en-US" sz="1000"/>
-                        <a:t>괴물이 소리를 내며 쫒아옴</a:t>
-                      </a:r>
-                      <a:r>
-                        <a:rPr lang="en-US" altLang="ko-KR" sz="1000"/>
-                        <a:t>)</a:t>
-                      </a:r>
-                      <a:endParaRPr lang="en-US" altLang="ko-KR" sz="1000"/>
-                    </a:p>
-                    <a:p>
-                      <a:pPr marL="0" marR="0" lvl="0" indent="0" algn="l" defTabSz="914400" rtl="0" eaLnBrk="1" latinLnBrk="1" hangingPunct="1">
-                        <a:lnSpc>
-                          <a:spcPct val="100000"/>
-                        </a:lnSpc>
-                        <a:spcBef>
-                          <a:spcPts val="0"/>
-                        </a:spcBef>
-                        <a:spcAft>
-                          <a:spcPts val="0"/>
-                        </a:spcAft>
-                        <a:buClrTx/>
-                        <a:buFontTx/>
-                        <a:buNone/>
-                        <a:defRPr/>
-                      </a:pPr>
-                      <a:r>
-                        <a:rPr lang="ko-KR" altLang="en-US" sz="1000"/>
-                        <a:t> 꿈에서 깨지 못하게 괴물을 물리침</a:t>
-                      </a:r>
-                      <a:r>
-                        <a:rPr lang="en-US" altLang="ko-KR" sz="1000"/>
-                        <a:t>.</a:t>
-                      </a:r>
-                      <a:endParaRPr lang="en-US" altLang="ko-KR" sz="1000"/>
-                    </a:p>
-                    <a:p>
-                      <a:pPr marL="0" marR="0" lvl="0" indent="0" algn="l" defTabSz="914400" rtl="0" eaLnBrk="1" latinLnBrk="1" hangingPunct="1">
-                        <a:lnSpc>
-                          <a:spcPct val="100000"/>
-                        </a:lnSpc>
-                        <a:spcBef>
-                          <a:spcPts val="0"/>
-                        </a:spcBef>
-                        <a:spcAft>
-                          <a:spcPts val="0"/>
-                        </a:spcAft>
-                        <a:buClrTx/>
-                        <a:buFontTx/>
-                        <a:buNone/>
-                        <a:defRPr/>
-                      </a:pPr>
-                      <a:r>
-                        <a:rPr lang="en-US" altLang="ko-KR" sz="1000"/>
-                        <a:t>-</a:t>
-                      </a:r>
-                      <a:r>
-                        <a:rPr lang="ko-KR" altLang="en-US" sz="1000"/>
-                        <a:t> </a:t>
-                      </a:r>
-                      <a:r>
-                        <a:rPr lang="en-US" altLang="ko-KR" sz="1000"/>
-                        <a:t>a</a:t>
-                      </a:r>
-                      <a:r>
-                        <a:rPr lang="ko-KR" altLang="en-US" sz="1000"/>
-                        <a:t>가 현실로 가려고 하자</a:t>
-                      </a:r>
-                      <a:r>
-                        <a:rPr lang="en-US" altLang="ko-KR" sz="1000"/>
-                        <a:t>,</a:t>
-                      </a:r>
-                      <a:r>
-                        <a:rPr lang="ko-KR" altLang="en-US" sz="1000"/>
-                        <a:t> 현실에 대해 부정적으로 말을 하며 </a:t>
-                      </a:r>
-                      <a:r>
-                        <a:rPr lang="en-US" altLang="ko-KR" sz="1000"/>
-                        <a:t>a</a:t>
-                      </a:r>
-                      <a:r>
-                        <a:rPr lang="ko-KR" altLang="en-US" sz="1000"/>
-                        <a:t>의</a:t>
-                      </a:r>
-                      <a:r>
-                        <a:rPr lang="en-US" altLang="ko-KR" sz="1000"/>
-                        <a:t> </a:t>
-                      </a:r>
-                      <a:r>
-                        <a:rPr lang="ko-KR" altLang="en-US" sz="1000"/>
-                        <a:t>시간의 흐름에 대한 두려움을 건드린다</a:t>
-                      </a:r>
-                      <a:r>
-                        <a:rPr lang="en-US" altLang="ko-KR" sz="1000"/>
-                        <a:t>.</a:t>
-                      </a:r>
-                      <a:r>
-                        <a:rPr lang="ko-KR" altLang="en-US" sz="1000"/>
-                        <a:t> </a:t>
-                      </a:r>
-                      <a:r>
-                        <a:rPr lang="en-US" altLang="ko-KR" sz="1000"/>
-                        <a:t>(</a:t>
-                      </a:r>
-                      <a:r>
-                        <a:rPr lang="ko-KR" altLang="en-US" sz="1000"/>
-                        <a:t>외형도 마찬가지</a:t>
-                      </a:r>
-                      <a:r>
-                        <a:rPr lang="en-US" altLang="ko-KR" sz="1000"/>
-                        <a:t>)</a:t>
-                      </a:r>
-                      <a:endParaRPr lang="en-US" altLang="ko-KR" sz="1000"/>
+                        <a:t>의 죄책감이 형상화 된 모습</a:t>
+                      </a:r>
+                      <a:endParaRPr lang="ko-KR" altLang="en-US" sz="1000"/>
                     </a:p>
                   </a:txBody>
                   <a:tcPr marL="91440" marR="91440" anchor="ctr">

--- a/Doc/Story/캐릭터 설정_v1.02.pptx
+++ b/Doc/Story/캐릭터 설정_v1.02.pptx
@@ -19,8 +19,14 @@
     <p:sldId id="276" r:id="rId13"/>
     <p:sldId id="277" r:id="rId14"/>
     <p:sldId id="278" r:id="rId15"/>
-    <p:sldId id="280" r:id="rId16"/>
-    <p:sldId id="271" r:id="rId17"/>
+    <p:sldId id="286" r:id="rId16"/>
+    <p:sldId id="280" r:id="rId17"/>
+    <p:sldId id="287" r:id="rId18"/>
+    <p:sldId id="281" r:id="rId19"/>
+    <p:sldId id="284" r:id="rId20"/>
+    <p:sldId id="285" r:id="rId21"/>
+    <p:sldId id="283" r:id="rId22"/>
+    <p:sldId id="271" r:id="rId23"/>
   </p:sldIdLst>
   <p:sldSz cx="12192000" cy="6858000"/>
   <p:notesSz cx="6858000" cy="9144000"/>
@@ -5351,7 +5357,7 @@
         <p:spPr>
           <a:xfrm>
             <a:off x="696579" y="2806211"/>
-            <a:ext cx="3442085" cy="1182859"/>
+            <a:ext cx="3442085" cy="1363834"/>
           </a:xfrm>
           <a:prstGeom prst="rect">
             <a:avLst/>
@@ -5388,6 +5394,28 @@
             <a:r>
               <a:rPr lang="ko-KR" altLang="en-US" sz="1200"/>
               <a:t> 아늑한 침대가 놓여있다</a:t>
+            </a:r>
+            <a:r>
+              <a:rPr lang="en-US" altLang="ko-KR" sz="1200"/>
+              <a:t>.</a:t>
+            </a:r>
+            <a:r>
+              <a:rPr lang="ko-KR" altLang="en-US" sz="1200"/>
+              <a:t> </a:t>
+            </a:r>
+            <a:endParaRPr lang="ko-KR" altLang="en-US" sz="1200"/>
+          </a:p>
+          <a:p>
+            <a:pPr lvl="0">
+              <a:defRPr/>
+            </a:pPr>
+            <a:r>
+              <a:rPr lang="en-US" altLang="ko-KR" sz="1200"/>
+              <a:t>-</a:t>
+            </a:r>
+            <a:r>
+              <a:rPr lang="ko-KR" altLang="en-US" sz="1200"/>
+              <a:t> 따듯한 러그가 깔려있다</a:t>
             </a:r>
             <a:r>
               <a:rPr lang="en-US" altLang="ko-KR" sz="1200"/>
@@ -6020,13 +6048,13 @@
       </p:sp>
       <p:sp>
         <p:nvSpPr>
-          <p:cNvPr id="4108" name="TextBox 7"/>
+          <p:cNvPr id="8" name="TextBox 7"/>
           <p:cNvSpPr txBox="1"/>
           <p:nvPr/>
         </p:nvSpPr>
         <p:spPr>
           <a:xfrm>
-            <a:off x="458571" y="2161226"/>
+            <a:off x="508052" y="2114207"/>
             <a:ext cx="1928090" cy="261610"/>
           </a:xfrm>
           <a:prstGeom prst="rect">
@@ -6045,26 +6073,26 @@
             </a:pPr>
             <a:r>
               <a:rPr lang="en-US" altLang="ko-KR" sz="1100" b="1"/>
-              <a:t>3-5</a:t>
+              <a:t>3-4.</a:t>
             </a:r>
             <a:r>
               <a:rPr lang="ko-KR" altLang="en-US" sz="1100" b="1"/>
-              <a:t> 안방</a:t>
-            </a:r>
-            <a:endParaRPr lang="en-US" altLang="ko-KR" sz="1100" b="1"/>
+              <a:t> 화장실</a:t>
+            </a:r>
+            <a:endParaRPr lang="ko-KR" altLang="en-US" sz="1100" b="1"/>
           </a:p>
         </p:txBody>
       </p:sp>
       <p:sp>
         <p:nvSpPr>
-          <p:cNvPr id="4109" name="직사각형 4108"/>
+          <p:cNvPr id="4106" name="직사각형 4105"/>
           <p:cNvSpPr/>
           <p:nvPr/>
         </p:nvSpPr>
         <p:spPr>
           <a:xfrm>
-            <a:off x="427201" y="2676231"/>
-            <a:ext cx="3611576" cy="1850076"/>
+            <a:off x="509024" y="2659672"/>
+            <a:ext cx="4365203" cy="1871011"/>
           </a:xfrm>
           <a:prstGeom prst="rect">
             <a:avLst/>
@@ -6106,14 +6134,291 @@
       </p:sp>
       <p:sp>
         <p:nvSpPr>
+          <p:cNvPr id="4107" name="가로 글상자 4106"/>
+          <p:cNvSpPr txBox="1"/>
+          <p:nvPr/>
+        </p:nvSpPr>
+        <p:spPr>
+          <a:xfrm>
+            <a:off x="696579" y="2806211"/>
+            <a:ext cx="3442085" cy="639934"/>
+          </a:xfrm>
+          <a:prstGeom prst="rect">
+            <a:avLst/>
+          </a:prstGeom>
+        </p:spPr>
+        <p:txBody>
+          <a:bodyPr wrap="square">
+            <a:spAutoFit/>
+          </a:bodyPr>
+          <a:p>
+            <a:pPr lvl="0">
+              <a:defRPr/>
+            </a:pPr>
+            <a:r>
+              <a:rPr lang="en-US" altLang="ko-KR" sz="1200"/>
+              <a:t>-</a:t>
+            </a:r>
+            <a:r>
+              <a:rPr lang="ko-KR" altLang="en-US" sz="1200"/>
+              <a:t> 추억 회상시 화장실에서 </a:t>
+            </a:r>
+            <a:endParaRPr lang="ko-KR" altLang="en-US" sz="1200"/>
+          </a:p>
+          <a:p>
+            <a:pPr lvl="0">
+              <a:defRPr/>
+            </a:pPr>
+            <a:endParaRPr lang="en-US" altLang="ko-KR" sz="1200"/>
+          </a:p>
+          <a:p>
+            <a:pPr lvl="0">
+              <a:defRPr/>
+            </a:pPr>
+            <a:endParaRPr lang="en-US" altLang="ko-KR" sz="1200"/>
+          </a:p>
+        </p:txBody>
+      </p:sp>
+    </p:spTree>
+    <p:extLst>
+      <p:ext uri="{BB962C8B-B14F-4D97-AF65-F5344CB8AC3E}">
+        <p14:creationId xmlns:p14="http://schemas.microsoft.com/office/powerpoint/2010/main" val="2382138360"/>
+      </p:ext>
+    </p:extLst>
+  </p:cSld>
+  <p:clrMapOvr>
+    <a:masterClrMapping/>
+  </p:clrMapOvr>
+</p:sld>
+</file>
+
+<file path=ppt/slides/slide16.xml><?xml version="1.0" encoding="utf-8"?>
+<p:sld xmlns:r="http://schemas.openxmlformats.org/officeDocument/2006/relationships" xmlns:c="http://schemas.openxmlformats.org/drawingml/2006/chart" xmlns:a="http://schemas.openxmlformats.org/drawingml/2006/main" xmlns:dgm="http://schemas.openxmlformats.org/drawingml/2006/diagram" xmlns:dsp="http://schemas.microsoft.com/office/drawing/2008/diagram" xmlns:p="http://schemas.openxmlformats.org/presentationml/2006/main">
+  <p:cSld>
+    <p:spTree>
+      <p:nvGrpSpPr>
+        <p:cNvPr id="1" name=""/>
+        <p:cNvGrpSpPr/>
+        <p:nvPr/>
+      </p:nvGrpSpPr>
+      <p:grpSpPr>
+        <a:xfrm>
+          <a:off x="0" y="0"/>
+          <a:ext cx="0" cy="0"/>
+          <a:chOff x="0" y="0"/>
+          <a:chExt cx="0" cy="0"/>
+        </a:xfrm>
+      </p:grpSpPr>
+      <p:sp>
+        <p:nvSpPr>
+          <p:cNvPr id="5" name="직사각형 4"/>
+          <p:cNvSpPr/>
+          <p:nvPr/>
+        </p:nvSpPr>
+        <p:spPr>
+          <a:xfrm flipV="1">
+            <a:off x="0" y="-2"/>
+            <a:ext cx="12192000" cy="542069"/>
+          </a:xfrm>
+          <a:prstGeom prst="rect">
+            <a:avLst/>
+          </a:prstGeom>
+          <a:solidFill>
+            <a:schemeClr val="accent5">
+              <a:lumMod val="20000"/>
+              <a:lumOff val="80000"/>
+            </a:schemeClr>
+          </a:solidFill>
+          <a:ln>
+            <a:noFill/>
+          </a:ln>
+        </p:spPr>
+        <p:style>
+          <a:lnRef idx="2">
+            <a:schemeClr val="accent1">
+              <a:shade val="50000"/>
+            </a:schemeClr>
+          </a:lnRef>
+          <a:fillRef idx="1">
+            <a:schemeClr val="accent1"/>
+          </a:fillRef>
+          <a:effectRef idx="0">
+            <a:schemeClr val="accent1"/>
+          </a:effectRef>
+          <a:fontRef idx="minor">
+            <a:schemeClr val="lt1"/>
+          </a:fontRef>
+        </p:style>
+        <p:txBody>
+          <a:bodyPr anchor="ctr"/>
+          <a:lstStyle/>
+          <a:p>
+            <a:pPr lvl="0" algn="ctr">
+              <a:defRPr/>
+            </a:pPr>
+            <a:endParaRPr lang="ko-KR" altLang="en-US"/>
+          </a:p>
+        </p:txBody>
+      </p:sp>
+      <p:pic>
+        <p:nvPicPr>
+          <p:cNvPr id="4" name="그림 3"/>
+          <p:cNvPicPr>
+            <a:picLocks noChangeAspect="1"/>
+          </p:cNvPicPr>
+          <p:nvPr/>
+        </p:nvPicPr>
+        <p:blipFill rotWithShape="1">
+          <a:blip r:embed="rId2">
+            <a:alphaModFix amt="60000"/>
+          </a:blip>
+          <a:stretch>
+            <a:fillRect/>
+          </a:stretch>
+        </p:blipFill>
+        <p:spPr>
+          <a:xfrm>
+            <a:off x="10900409" y="151874"/>
+            <a:ext cx="1059181" cy="238316"/>
+          </a:xfrm>
+          <a:prstGeom prst="rect">
+            <a:avLst/>
+          </a:prstGeom>
+        </p:spPr>
+      </p:pic>
+      <p:sp>
+        <p:nvSpPr>
+          <p:cNvPr id="6" name="TextBox 5"/>
+          <p:cNvSpPr txBox="1"/>
+          <p:nvPr/>
+        </p:nvSpPr>
+        <p:spPr>
+          <a:xfrm>
+            <a:off x="320588" y="101755"/>
+            <a:ext cx="1928090" cy="338554"/>
+          </a:xfrm>
+          <a:prstGeom prst="rect">
+            <a:avLst/>
+          </a:prstGeom>
+          <a:noFill/>
+        </p:spPr>
+        <p:txBody>
+          <a:bodyPr wrap="square" anchor="ctr" anchorCtr="0">
+            <a:spAutoFit/>
+          </a:bodyPr>
+          <a:lstStyle/>
+          <a:p>
+            <a:pPr lvl="0">
+              <a:defRPr/>
+            </a:pPr>
+            <a:r>
+              <a:rPr lang="en-US" altLang="ko-KR" sz="1600" b="1"/>
+              <a:t>3. </a:t>
+            </a:r>
+            <a:r>
+              <a:rPr lang="ko-KR" altLang="en-US" sz="1600" b="1"/>
+              <a:t>배경요소 설정</a:t>
+            </a:r>
+            <a:endParaRPr lang="ko-KR" altLang="en-US" sz="1600" b="1"/>
+          </a:p>
+        </p:txBody>
+      </p:sp>
+      <p:sp>
+        <p:nvSpPr>
+          <p:cNvPr id="4108" name="TextBox 7"/>
+          <p:cNvSpPr txBox="1"/>
+          <p:nvPr/>
+        </p:nvSpPr>
+        <p:spPr>
+          <a:xfrm>
+            <a:off x="458571" y="2161226"/>
+            <a:ext cx="1928090" cy="261610"/>
+          </a:xfrm>
+          <a:prstGeom prst="rect">
+            <a:avLst/>
+          </a:prstGeom>
+          <a:noFill/>
+        </p:spPr>
+        <p:txBody>
+          <a:bodyPr wrap="square" anchor="ctr" anchorCtr="0">
+            <a:spAutoFit/>
+          </a:bodyPr>
+          <a:lstStyle/>
+          <a:p>
+            <a:pPr lvl="0">
+              <a:defRPr/>
+            </a:pPr>
+            <a:r>
+              <a:rPr lang="en-US" altLang="ko-KR" sz="1100" b="1"/>
+              <a:t>3-5</a:t>
+            </a:r>
+            <a:r>
+              <a:rPr lang="ko-KR" altLang="en-US" sz="1100" b="1"/>
+              <a:t> 안방</a:t>
+            </a:r>
+            <a:endParaRPr lang="en-US" altLang="ko-KR" sz="1100" b="1"/>
+          </a:p>
+        </p:txBody>
+      </p:sp>
+      <p:sp>
+        <p:nvSpPr>
+          <p:cNvPr id="4109" name="직사각형 4108"/>
+          <p:cNvSpPr/>
+          <p:nvPr/>
+        </p:nvSpPr>
+        <p:spPr>
+          <a:xfrm>
+            <a:off x="427201" y="2676231"/>
+            <a:ext cx="3611576" cy="2059417"/>
+          </a:xfrm>
+          <a:prstGeom prst="rect">
+            <a:avLst/>
+          </a:prstGeom>
+          <a:solidFill>
+            <a:srgbClr val="eef2f6"/>
+          </a:solidFill>
+        </p:spPr>
+        <p:style>
+          <a:lnRef idx="2">
+            <a:schemeClr val="accent1">
+              <a:shade val="20000"/>
+            </a:schemeClr>
+          </a:lnRef>
+          <a:fillRef idx="1">
+            <a:schemeClr val="accent1"/>
+          </a:fillRef>
+          <a:effectRef idx="0">
+            <a:schemeClr val="accent1"/>
+          </a:effectRef>
+          <a:fontRef idx="minor">
+            <a:schemeClr val="lt1"/>
+          </a:fontRef>
+        </p:style>
+        <p:txBody>
+          <a:bodyPr anchor="ctr"/>
+          <a:lstStyle/>
+          <a:p>
+            <a:pPr lvl="0" algn="ctr">
+              <a:defRPr/>
+            </a:pPr>
+            <a:endParaRPr lang="en-US" altLang="ko-KR">
+              <a:solidFill>
+                <a:schemeClr val="dk1"/>
+              </a:solidFill>
+            </a:endParaRPr>
+          </a:p>
+        </p:txBody>
+      </p:sp>
+      <p:sp>
+        <p:nvSpPr>
           <p:cNvPr id="4110" name="가로 글상자 4109"/>
           <p:cNvSpPr txBox="1"/>
           <p:nvPr/>
         </p:nvSpPr>
         <p:spPr>
           <a:xfrm>
-            <a:off x="531018" y="2990242"/>
-            <a:ext cx="3326948" cy="1360778"/>
+            <a:off x="531018" y="2843703"/>
+            <a:ext cx="3326948" cy="1735917"/>
           </a:xfrm>
           <a:prstGeom prst="rect">
             <a:avLst/>
@@ -6179,6 +6484,32 @@
             <a:r>
               <a:rPr lang="ko-KR" altLang="en-US" sz="1200"/>
               <a:t> 이젠 잘 입지 않는 고급진 코트다</a:t>
+            </a:r>
+            <a:r>
+              <a:rPr lang="en-US" altLang="ko-KR" sz="1200"/>
+              <a:t>.</a:t>
+            </a:r>
+            <a:endParaRPr lang="en-US" altLang="ko-KR" sz="1200"/>
+          </a:p>
+          <a:p>
+            <a:pPr lvl="0">
+              <a:defRPr/>
+            </a:pPr>
+            <a:r>
+              <a:rPr lang="en-US" altLang="ko-KR" sz="1200"/>
+              <a:t>-</a:t>
+            </a:r>
+            <a:r>
+              <a:rPr lang="ko-KR" altLang="en-US" sz="1200"/>
+              <a:t> 추억 회상시</a:t>
+            </a:r>
+            <a:r>
+              <a:rPr lang="en-US" altLang="ko-KR" sz="1200"/>
+              <a:t>,</a:t>
+            </a:r>
+            <a:r>
+              <a:rPr lang="ko-KR" altLang="en-US" sz="1200"/>
+              <a:t> 아버지가 코트를 입고 자랑하는 모습이 나옴</a:t>
             </a:r>
             <a:r>
               <a:rPr lang="en-US" altLang="ko-KR" sz="1200"/>
@@ -6696,7 +7027,4723 @@
 </p:sld>
 </file>
 
-<file path=ppt/slides/slide16.xml><?xml version="1.0" encoding="utf-8"?>
+<file path=ppt/slides/slide17.xml><?xml version="1.0" encoding="utf-8"?>
+<p:sld xmlns:r="http://schemas.openxmlformats.org/officeDocument/2006/relationships" xmlns:c="http://schemas.openxmlformats.org/drawingml/2006/chart" xmlns:a="http://schemas.openxmlformats.org/drawingml/2006/main" xmlns:dgm="http://schemas.openxmlformats.org/drawingml/2006/diagram" xmlns:dsp="http://schemas.microsoft.com/office/drawing/2008/diagram" xmlns:p="http://schemas.openxmlformats.org/presentationml/2006/main">
+  <p:cSld>
+    <p:spTree>
+      <p:nvGrpSpPr>
+        <p:cNvPr id="1" name=""/>
+        <p:cNvGrpSpPr/>
+        <p:nvPr/>
+      </p:nvGrpSpPr>
+      <p:grpSpPr>
+        <a:xfrm>
+          <a:off x="0" y="0"/>
+          <a:ext cx="0" cy="0"/>
+          <a:chOff x="0" y="0"/>
+          <a:chExt cx="0" cy="0"/>
+        </a:xfrm>
+      </p:grpSpPr>
+      <p:sp>
+        <p:nvSpPr>
+          <p:cNvPr id="5" name="직사각형 4"/>
+          <p:cNvSpPr/>
+          <p:nvPr/>
+        </p:nvSpPr>
+        <p:spPr>
+          <a:xfrm flipV="1">
+            <a:off x="0" y="-2"/>
+            <a:ext cx="12192000" cy="542069"/>
+          </a:xfrm>
+          <a:prstGeom prst="rect">
+            <a:avLst/>
+          </a:prstGeom>
+          <a:solidFill>
+            <a:schemeClr val="accent5">
+              <a:lumMod val="20000"/>
+              <a:lumOff val="80000"/>
+            </a:schemeClr>
+          </a:solidFill>
+          <a:ln>
+            <a:noFill/>
+          </a:ln>
+        </p:spPr>
+        <p:style>
+          <a:lnRef idx="2">
+            <a:schemeClr val="accent1">
+              <a:shade val="50000"/>
+            </a:schemeClr>
+          </a:lnRef>
+          <a:fillRef idx="1">
+            <a:schemeClr val="accent1"/>
+          </a:fillRef>
+          <a:effectRef idx="0">
+            <a:schemeClr val="accent1"/>
+          </a:effectRef>
+          <a:fontRef idx="minor">
+            <a:schemeClr val="lt1"/>
+          </a:fontRef>
+        </p:style>
+        <p:txBody>
+          <a:bodyPr anchor="ctr"/>
+          <a:lstStyle/>
+          <a:p>
+            <a:pPr lvl="0" algn="ctr">
+              <a:defRPr/>
+            </a:pPr>
+            <a:endParaRPr lang="ko-KR" altLang="en-US"/>
+          </a:p>
+        </p:txBody>
+      </p:sp>
+      <p:pic>
+        <p:nvPicPr>
+          <p:cNvPr id="4" name="그림 3"/>
+          <p:cNvPicPr>
+            <a:picLocks noChangeAspect="1"/>
+          </p:cNvPicPr>
+          <p:nvPr/>
+        </p:nvPicPr>
+        <p:blipFill rotWithShape="1">
+          <a:blip r:embed="rId2">
+            <a:alphaModFix amt="60000"/>
+          </a:blip>
+          <a:stretch>
+            <a:fillRect/>
+          </a:stretch>
+        </p:blipFill>
+        <p:spPr>
+          <a:xfrm>
+            <a:off x="10900409" y="151874"/>
+            <a:ext cx="1059181" cy="238316"/>
+          </a:xfrm>
+          <a:prstGeom prst="rect">
+            <a:avLst/>
+          </a:prstGeom>
+        </p:spPr>
+      </p:pic>
+      <p:sp>
+        <p:nvSpPr>
+          <p:cNvPr id="6" name="TextBox 5"/>
+          <p:cNvSpPr txBox="1"/>
+          <p:nvPr/>
+        </p:nvSpPr>
+        <p:spPr>
+          <a:xfrm>
+            <a:off x="320588" y="101755"/>
+            <a:ext cx="1928090" cy="338554"/>
+          </a:xfrm>
+          <a:prstGeom prst="rect">
+            <a:avLst/>
+          </a:prstGeom>
+          <a:noFill/>
+        </p:spPr>
+        <p:txBody>
+          <a:bodyPr wrap="square" anchor="ctr" anchorCtr="0">
+            <a:spAutoFit/>
+          </a:bodyPr>
+          <a:lstStyle/>
+          <a:p>
+            <a:pPr lvl="0">
+              <a:defRPr/>
+            </a:pPr>
+            <a:r>
+              <a:rPr lang="en-US" altLang="ko-KR" sz="1600" b="1"/>
+              <a:t>3. </a:t>
+            </a:r>
+            <a:r>
+              <a:rPr lang="ko-KR" altLang="en-US" sz="1600" b="1"/>
+              <a:t>배경요소 설정</a:t>
+            </a:r>
+            <a:endParaRPr lang="ko-KR" altLang="en-US" sz="1600" b="1"/>
+          </a:p>
+        </p:txBody>
+      </p:sp>
+      <p:sp>
+        <p:nvSpPr>
+          <p:cNvPr id="4108" name="TextBox 7"/>
+          <p:cNvSpPr txBox="1"/>
+          <p:nvPr/>
+        </p:nvSpPr>
+        <p:spPr>
+          <a:xfrm>
+            <a:off x="458571" y="2161226"/>
+            <a:ext cx="1928090" cy="261610"/>
+          </a:xfrm>
+          <a:prstGeom prst="rect">
+            <a:avLst/>
+          </a:prstGeom>
+          <a:noFill/>
+        </p:spPr>
+        <p:txBody>
+          <a:bodyPr wrap="square" anchor="ctr" anchorCtr="0">
+            <a:spAutoFit/>
+          </a:bodyPr>
+          <a:lstStyle/>
+          <a:p>
+            <a:pPr lvl="0">
+              <a:defRPr/>
+            </a:pPr>
+            <a:r>
+              <a:rPr lang="en-US" altLang="ko-KR" sz="1100" b="1"/>
+              <a:t>3-6</a:t>
+            </a:r>
+            <a:r>
+              <a:rPr lang="ko-KR" altLang="en-US" sz="1100" b="1"/>
+              <a:t> 주방</a:t>
+            </a:r>
+            <a:endParaRPr lang="ko-KR" altLang="en-US" sz="1100" b="1"/>
+          </a:p>
+        </p:txBody>
+      </p:sp>
+      <p:sp>
+        <p:nvSpPr>
+          <p:cNvPr id="4109" name="직사각형 4108"/>
+          <p:cNvSpPr/>
+          <p:nvPr/>
+        </p:nvSpPr>
+        <p:spPr>
+          <a:xfrm>
+            <a:off x="427201" y="2676231"/>
+            <a:ext cx="3611576" cy="1850076"/>
+          </a:xfrm>
+          <a:prstGeom prst="rect">
+            <a:avLst/>
+          </a:prstGeom>
+          <a:solidFill>
+            <a:srgbClr val="eef2f6"/>
+          </a:solidFill>
+        </p:spPr>
+        <p:style>
+          <a:lnRef idx="2">
+            <a:schemeClr val="accent1">
+              <a:shade val="20000"/>
+            </a:schemeClr>
+          </a:lnRef>
+          <a:fillRef idx="1">
+            <a:schemeClr val="accent1"/>
+          </a:fillRef>
+          <a:effectRef idx="0">
+            <a:schemeClr val="accent1"/>
+          </a:effectRef>
+          <a:fontRef idx="minor">
+            <a:schemeClr val="lt1"/>
+          </a:fontRef>
+        </p:style>
+        <p:txBody>
+          <a:bodyPr anchor="ctr"/>
+          <a:lstStyle/>
+          <a:p>
+            <a:pPr lvl="0" algn="ctr">
+              <a:defRPr/>
+            </a:pPr>
+            <a:endParaRPr lang="en-US" altLang="ko-KR">
+              <a:solidFill>
+                <a:schemeClr val="dk1"/>
+              </a:solidFill>
+            </a:endParaRPr>
+          </a:p>
+        </p:txBody>
+      </p:sp>
+      <p:sp>
+        <p:nvSpPr>
+          <p:cNvPr id="4110" name="가로 글상자 4109"/>
+          <p:cNvSpPr txBox="1"/>
+          <p:nvPr/>
+        </p:nvSpPr>
+        <p:spPr>
+          <a:xfrm>
+            <a:off x="531018" y="2990242"/>
+            <a:ext cx="3326948" cy="636878"/>
+          </a:xfrm>
+          <a:prstGeom prst="rect">
+            <a:avLst/>
+          </a:prstGeom>
+        </p:spPr>
+        <p:txBody>
+          <a:bodyPr wrap="square">
+            <a:spAutoFit/>
+          </a:bodyPr>
+          <a:lstStyle/>
+          <a:p>
+            <a:pPr lvl="0">
+              <a:defRPr/>
+            </a:pPr>
+            <a:r>
+              <a:rPr lang="en-US" altLang="ko-KR" sz="1200"/>
+              <a:t>-</a:t>
+            </a:r>
+            <a:r>
+              <a:rPr lang="ko-KR" altLang="en-US" sz="1200"/>
+              <a:t> 아버지가 케이크를 만들던 장소</a:t>
+            </a:r>
+            <a:endParaRPr lang="ko-KR" altLang="en-US" sz="1200"/>
+          </a:p>
+          <a:p>
+            <a:pPr lvl="0">
+              <a:defRPr/>
+            </a:pPr>
+            <a:r>
+              <a:rPr lang="en-US" altLang="ko-KR" sz="1200"/>
+              <a:t>-</a:t>
+            </a:r>
+            <a:r>
+              <a:rPr lang="ko-KR" altLang="en-US" sz="1200"/>
+              <a:t> 추억 회상시 아버지와 아이들이 쿠키를 만드는 장면</a:t>
+            </a:r>
+            <a:r>
+              <a:rPr lang="en-US" altLang="ko-KR" sz="1200"/>
+              <a:t>?</a:t>
+            </a:r>
+            <a:endParaRPr lang="en-US" altLang="ko-KR" sz="1200"/>
+          </a:p>
+        </p:txBody>
+      </p:sp>
+    </p:spTree>
+    <p:extLst>
+      <p:ext uri="{BB962C8B-B14F-4D97-AF65-F5344CB8AC3E}">
+        <p14:creationId xmlns:p14="http://schemas.microsoft.com/office/powerpoint/2010/main" val="683362322"/>
+      </p:ext>
+    </p:extLst>
+  </p:cSld>
+  <p:clrMapOvr>
+    <a:masterClrMapping/>
+  </p:clrMapOvr>
+</p:sld>
+</file>
+
+<file path=ppt/slides/slide18.xml><?xml version="1.0" encoding="utf-8"?>
+<p:sld xmlns:r="http://schemas.openxmlformats.org/officeDocument/2006/relationships" xmlns:c="http://schemas.openxmlformats.org/drawingml/2006/chart" xmlns:a="http://schemas.openxmlformats.org/drawingml/2006/main" xmlns:dgm="http://schemas.openxmlformats.org/drawingml/2006/diagram" xmlns:dsp="http://schemas.microsoft.com/office/drawing/2008/diagram" xmlns:p="http://schemas.openxmlformats.org/presentationml/2006/main">
+  <p:cSld>
+    <p:spTree>
+      <p:nvGrpSpPr>
+        <p:cNvPr id="1" name=""/>
+        <p:cNvGrpSpPr/>
+        <p:nvPr/>
+      </p:nvGrpSpPr>
+      <p:grpSpPr>
+        <a:xfrm>
+          <a:off x="0" y="0"/>
+          <a:ext cx="0" cy="0"/>
+          <a:chOff x="0" y="0"/>
+          <a:chExt cx="0" cy="0"/>
+        </a:xfrm>
+      </p:grpSpPr>
+      <p:sp>
+        <p:nvSpPr>
+          <p:cNvPr id="3" name="순서도: 수동 입력 2"/>
+          <p:cNvSpPr/>
+          <p:nvPr/>
+        </p:nvSpPr>
+        <p:spPr>
+          <a:xfrm rot="5400000">
+            <a:off x="-45719" y="45719"/>
+            <a:ext cx="6858000" cy="6766562"/>
+          </a:xfrm>
+          <a:prstGeom prst="flowChartManualInput">
+            <a:avLst/>
+          </a:prstGeom>
+          <a:solidFill>
+            <a:schemeClr val="accent5">
+              <a:lumMod val="20000"/>
+              <a:lumOff val="80000"/>
+            </a:schemeClr>
+          </a:solidFill>
+          <a:ln>
+            <a:noFill/>
+          </a:ln>
+        </p:spPr>
+        <p:style>
+          <a:lnRef idx="2">
+            <a:schemeClr val="accent1">
+              <a:shade val="50000"/>
+            </a:schemeClr>
+          </a:lnRef>
+          <a:fillRef idx="1">
+            <a:schemeClr val="accent1"/>
+          </a:fillRef>
+          <a:effectRef idx="0">
+            <a:schemeClr val="accent1"/>
+          </a:effectRef>
+          <a:fontRef idx="minor">
+            <a:schemeClr val="lt1"/>
+          </a:fontRef>
+        </p:style>
+        <p:txBody>
+          <a:bodyPr anchor="ctr"/>
+          <a:lstStyle/>
+          <a:p>
+            <a:pPr lvl="0" algn="ctr">
+              <a:defRPr/>
+            </a:pPr>
+            <a:endParaRPr lang="ko-KR" altLang="en-US"/>
+          </a:p>
+        </p:txBody>
+      </p:sp>
+      <p:pic>
+        <p:nvPicPr>
+          <p:cNvPr id="4" name="그림 3"/>
+          <p:cNvPicPr>
+            <a:picLocks noChangeAspect="1"/>
+          </p:cNvPicPr>
+          <p:nvPr/>
+        </p:nvPicPr>
+        <p:blipFill rotWithShape="1">
+          <a:blip r:embed="rId2">
+            <a:alphaModFix amt="60000"/>
+          </a:blip>
+          <a:stretch>
+            <a:fillRect/>
+          </a:stretch>
+        </p:blipFill>
+        <p:spPr>
+          <a:xfrm>
+            <a:off x="11029949" y="6476474"/>
+            <a:ext cx="1059181" cy="238316"/>
+          </a:xfrm>
+          <a:prstGeom prst="rect">
+            <a:avLst/>
+          </a:prstGeom>
+        </p:spPr>
+      </p:pic>
+      <p:sp>
+        <p:nvSpPr>
+          <p:cNvPr id="5" name="TextBox 4"/>
+          <p:cNvSpPr txBox="1"/>
+          <p:nvPr/>
+        </p:nvSpPr>
+        <p:spPr>
+          <a:xfrm>
+            <a:off x="3943082" y="3198167"/>
+            <a:ext cx="4305836" cy="448003"/>
+          </a:xfrm>
+          <a:prstGeom prst="rect">
+            <a:avLst/>
+          </a:prstGeom>
+          <a:noFill/>
+        </p:spPr>
+        <p:txBody>
+          <a:bodyPr wrap="square">
+            <a:spAutoFit/>
+          </a:bodyPr>
+          <a:lstStyle>
+            <a:defPPr>
+              <a:defRPr lang="ko-KR"/>
+            </a:defPPr>
+            <a:lvl1pPr marL="0" algn="l" defTabSz="914400" rtl="0" eaLnBrk="1" latinLnBrk="1" hangingPunct="1">
+              <a:defRPr sz="1800" kern="1200">
+                <a:solidFill>
+                  <a:schemeClr val="tx1"/>
+                </a:solidFill>
+                <a:latin typeface="+mn-lt"/>
+                <a:ea typeface="+mn-ea"/>
+                <a:cs typeface="+mn-cs"/>
+              </a:defRPr>
+            </a:lvl1pPr>
+            <a:lvl2pPr marL="457200" algn="l" defTabSz="914400" rtl="0" eaLnBrk="1" latinLnBrk="1" hangingPunct="1">
+              <a:defRPr sz="1800" kern="1200">
+                <a:solidFill>
+                  <a:schemeClr val="tx1"/>
+                </a:solidFill>
+                <a:latin typeface="+mn-lt"/>
+                <a:ea typeface="+mn-ea"/>
+                <a:cs typeface="+mn-cs"/>
+              </a:defRPr>
+            </a:lvl2pPr>
+            <a:lvl3pPr marL="914400" algn="l" defTabSz="914400" rtl="0" eaLnBrk="1" latinLnBrk="1" hangingPunct="1">
+              <a:defRPr sz="1800" kern="1200">
+                <a:solidFill>
+                  <a:schemeClr val="tx1"/>
+                </a:solidFill>
+                <a:latin typeface="+mn-lt"/>
+                <a:ea typeface="+mn-ea"/>
+                <a:cs typeface="+mn-cs"/>
+              </a:defRPr>
+            </a:lvl3pPr>
+            <a:lvl4pPr marL="1371600" algn="l" defTabSz="914400" rtl="0" eaLnBrk="1" latinLnBrk="1" hangingPunct="1">
+              <a:defRPr sz="1800" kern="1200">
+                <a:solidFill>
+                  <a:schemeClr val="tx1"/>
+                </a:solidFill>
+                <a:latin typeface="+mn-lt"/>
+                <a:ea typeface="+mn-ea"/>
+                <a:cs typeface="+mn-cs"/>
+              </a:defRPr>
+            </a:lvl4pPr>
+            <a:lvl5pPr marL="1828800" algn="l" defTabSz="914400" rtl="0" eaLnBrk="1" latinLnBrk="1" hangingPunct="1">
+              <a:defRPr sz="1800" kern="1200">
+                <a:solidFill>
+                  <a:schemeClr val="tx1"/>
+                </a:solidFill>
+                <a:latin typeface="+mn-lt"/>
+                <a:ea typeface="+mn-ea"/>
+                <a:cs typeface="+mn-cs"/>
+              </a:defRPr>
+            </a:lvl5pPr>
+            <a:lvl6pPr marL="2286000" algn="l" defTabSz="914400" rtl="0" eaLnBrk="1" latinLnBrk="1" hangingPunct="1">
+              <a:defRPr sz="1800" kern="1200">
+                <a:solidFill>
+                  <a:schemeClr val="tx1"/>
+                </a:solidFill>
+                <a:latin typeface="+mn-lt"/>
+                <a:ea typeface="+mn-ea"/>
+                <a:cs typeface="+mn-cs"/>
+              </a:defRPr>
+            </a:lvl6pPr>
+            <a:lvl7pPr marL="2743200" algn="l" defTabSz="914400" rtl="0" eaLnBrk="1" latinLnBrk="1" hangingPunct="1">
+              <a:defRPr sz="1800" kern="1200">
+                <a:solidFill>
+                  <a:schemeClr val="tx1"/>
+                </a:solidFill>
+                <a:latin typeface="+mn-lt"/>
+                <a:ea typeface="+mn-ea"/>
+                <a:cs typeface="+mn-cs"/>
+              </a:defRPr>
+            </a:lvl7pPr>
+            <a:lvl8pPr marL="3200400" algn="l" defTabSz="914400" rtl="0" eaLnBrk="1" latinLnBrk="1" hangingPunct="1">
+              <a:defRPr sz="1800" kern="1200">
+                <a:solidFill>
+                  <a:schemeClr val="tx1"/>
+                </a:solidFill>
+                <a:latin typeface="+mn-lt"/>
+                <a:ea typeface="+mn-ea"/>
+                <a:cs typeface="+mn-cs"/>
+              </a:defRPr>
+            </a:lvl8pPr>
+            <a:lvl9pPr marL="3657600" algn="l" defTabSz="914400" rtl="0" eaLnBrk="1" latinLnBrk="1" hangingPunct="1">
+              <a:defRPr sz="1800" kern="1200">
+                <a:solidFill>
+                  <a:schemeClr val="tx1"/>
+                </a:solidFill>
+                <a:latin typeface="+mn-lt"/>
+                <a:ea typeface="+mn-ea"/>
+                <a:cs typeface="+mn-cs"/>
+              </a:defRPr>
+            </a:lvl9pPr>
+          </a:lstStyle>
+          <a:p>
+            <a:pPr lvl="0" algn="ctr">
+              <a:defRPr/>
+            </a:pPr>
+            <a:r>
+              <a:rPr lang="en-US" altLang="ko-KR" sz="2400" b="1"/>
+              <a:t>4.</a:t>
+            </a:r>
+            <a:r>
+              <a:rPr lang="ko-KR" altLang="en-US" sz="2400" b="1"/>
+              <a:t> 필요한 부분</a:t>
+            </a:r>
+            <a:endParaRPr lang="ko-KR" altLang="en-US" sz="2400" b="1"/>
+          </a:p>
+        </p:txBody>
+      </p:sp>
+    </p:spTree>
+    <p:extLst>
+      <p:ext uri="{BB962C8B-B14F-4D97-AF65-F5344CB8AC3E}">
+        <p14:creationId xmlns:p14="http://schemas.microsoft.com/office/powerpoint/2010/main" val="269681543"/>
+      </p:ext>
+    </p:extLst>
+  </p:cSld>
+  <p:clrMapOvr>
+    <a:masterClrMapping/>
+  </p:clrMapOvr>
+</p:sld>
+</file>
+
+<file path=ppt/slides/slide19.xml><?xml version="1.0" encoding="utf-8"?>
+<p:sld xmlns:r="http://schemas.openxmlformats.org/officeDocument/2006/relationships" xmlns:c="http://schemas.openxmlformats.org/drawingml/2006/chart" xmlns:a="http://schemas.openxmlformats.org/drawingml/2006/main" xmlns:dgm="http://schemas.openxmlformats.org/drawingml/2006/diagram" xmlns:dsp="http://schemas.microsoft.com/office/drawing/2008/diagram" xmlns:p="http://schemas.openxmlformats.org/presentationml/2006/main">
+  <p:cSld>
+    <p:spTree>
+      <p:nvGrpSpPr>
+        <p:cNvPr id="1" name=""/>
+        <p:cNvGrpSpPr/>
+        <p:nvPr/>
+      </p:nvGrpSpPr>
+      <p:grpSpPr>
+        <a:xfrm>
+          <a:off x="0" y="0"/>
+          <a:ext cx="0" cy="0"/>
+          <a:chOff x="0" y="0"/>
+          <a:chExt cx="0" cy="0"/>
+        </a:xfrm>
+      </p:grpSpPr>
+      <p:sp>
+        <p:nvSpPr>
+          <p:cNvPr id="5" name="직사각형 4"/>
+          <p:cNvSpPr/>
+          <p:nvPr/>
+        </p:nvSpPr>
+        <p:spPr>
+          <a:xfrm flipV="1">
+            <a:off x="0" y="-3"/>
+            <a:ext cx="12192000" cy="552452"/>
+          </a:xfrm>
+          <a:prstGeom prst="rect">
+            <a:avLst/>
+          </a:prstGeom>
+          <a:solidFill>
+            <a:schemeClr val="accent5">
+              <a:lumMod val="20000"/>
+              <a:lumOff val="80000"/>
+            </a:schemeClr>
+          </a:solidFill>
+          <a:ln>
+            <a:noFill/>
+          </a:ln>
+        </p:spPr>
+        <p:style>
+          <a:lnRef idx="2">
+            <a:schemeClr val="accent1">
+              <a:shade val="50000"/>
+            </a:schemeClr>
+          </a:lnRef>
+          <a:fillRef idx="1">
+            <a:schemeClr val="accent1"/>
+          </a:fillRef>
+          <a:effectRef idx="0">
+            <a:schemeClr val="accent1"/>
+          </a:effectRef>
+          <a:fontRef idx="minor">
+            <a:schemeClr val="lt1"/>
+          </a:fontRef>
+        </p:style>
+        <p:txBody>
+          <a:bodyPr anchor="ctr"/>
+          <a:lstStyle/>
+          <a:p>
+            <a:pPr lvl="0" algn="ctr">
+              <a:defRPr/>
+            </a:pPr>
+            <a:endParaRPr lang="ko-KR" altLang="en-US"/>
+          </a:p>
+        </p:txBody>
+      </p:sp>
+      <p:pic>
+        <p:nvPicPr>
+          <p:cNvPr id="4" name="그림 3"/>
+          <p:cNvPicPr>
+            <a:picLocks noChangeAspect="1"/>
+          </p:cNvPicPr>
+          <p:nvPr/>
+        </p:nvPicPr>
+        <p:blipFill rotWithShape="1">
+          <a:blip r:embed="rId2">
+            <a:alphaModFix amt="60000"/>
+          </a:blip>
+          <a:stretch>
+            <a:fillRect/>
+          </a:stretch>
+        </p:blipFill>
+        <p:spPr>
+          <a:xfrm>
+            <a:off x="10900409" y="151874"/>
+            <a:ext cx="1059181" cy="238316"/>
+          </a:xfrm>
+          <a:prstGeom prst="rect">
+            <a:avLst/>
+          </a:prstGeom>
+        </p:spPr>
+      </p:pic>
+      <p:sp>
+        <p:nvSpPr>
+          <p:cNvPr id="7" name="TextBox 6"/>
+          <p:cNvSpPr txBox="1"/>
+          <p:nvPr/>
+        </p:nvSpPr>
+        <p:spPr>
+          <a:xfrm>
+            <a:off x="320588" y="101755"/>
+            <a:ext cx="1928090" cy="338554"/>
+          </a:xfrm>
+          <a:prstGeom prst="rect">
+            <a:avLst/>
+          </a:prstGeom>
+          <a:noFill/>
+        </p:spPr>
+        <p:txBody>
+          <a:bodyPr wrap="square" anchor="ctr" anchorCtr="0">
+            <a:spAutoFit/>
+          </a:bodyPr>
+          <a:lstStyle/>
+          <a:p>
+            <a:pPr lvl="0">
+              <a:defRPr/>
+            </a:pPr>
+            <a:r>
+              <a:rPr lang="en-US" altLang="ko-KR" sz="1600" b="1">
+                <a:latin typeface="+mj-lt"/>
+              </a:rPr>
+              <a:t>4.</a:t>
+            </a:r>
+            <a:r>
+              <a:rPr lang="ko-KR" altLang="en-US" sz="1600" b="1">
+                <a:latin typeface="+mj-lt"/>
+              </a:rPr>
+              <a:t> 필요한 부분</a:t>
+            </a:r>
+            <a:endParaRPr lang="ko-KR" altLang="en-US" sz="1600" b="1">
+              <a:latin typeface="+mj-lt"/>
+            </a:endParaRPr>
+          </a:p>
+        </p:txBody>
+      </p:sp>
+      <p:graphicFrame>
+        <p:nvGraphicFramePr>
+          <p:cNvPr id="2" name="표 2"/>
+          <p:cNvGraphicFramePr>
+            <a:graphicFrameLocks noGrp="1"/>
+          </p:cNvGraphicFramePr>
+          <p:nvPr/>
+        </p:nvGraphicFramePr>
+        <p:xfrm>
+          <a:off x="423006" y="1385185"/>
+          <a:ext cx="9257532" cy="5269837"/>
+        </p:xfrm>
+        <a:graphic>
+          <a:graphicData uri="http://schemas.openxmlformats.org/drawingml/2006/table">
+            <a:tbl>
+              <a:tblPr firstRow="1" bandRow="1">
+                <a:tableStyleId>{5C22544A-7EE6-4342-B048-85BDC9FD1C3A}</a:tableStyleId>
+              </a:tblPr>
+              <a:tblGrid>
+                <a:gridCol w="866451"/>
+                <a:gridCol w="2125595"/>
+                <a:gridCol w="6265485"/>
+              </a:tblGrid>
+              <a:tr h="403768">
+                <a:tc>
+                  <a:txBody>
+                    <a:bodyPr vert="horz" lIns="91440" tIns="45720" rIns="91440" bIns="45720" anchor="ctr" anchorCtr="0"/>
+                    <a:lstStyle/>
+                    <a:p>
+                      <a:pPr lvl="0" algn="ctr" latinLnBrk="1">
+                        <a:defRPr/>
+                      </a:pPr>
+                      <a:r>
+                        <a:rPr lang="en-US" altLang="ko-KR" sz="1200">
+                          <a:solidFill>
+                            <a:schemeClr val="tx1"/>
+                          </a:solidFill>
+                        </a:rPr>
+                        <a:t>No</a:t>
+                      </a:r>
+                      <a:endParaRPr lang="ko-KR" altLang="en-US" sz="1200">
+                        <a:solidFill>
+                          <a:schemeClr val="tx1"/>
+                        </a:solidFill>
+                      </a:endParaRPr>
+                    </a:p>
+                  </a:txBody>
+                  <a:tcPr marL="91440" marR="91440" anchor="ctr">
+                    <a:solidFill>
+                      <a:schemeClr val="accent1">
+                        <a:lumMod val="40000"/>
+                        <a:lumOff val="60000"/>
+                      </a:schemeClr>
+                    </a:solidFill>
+                  </a:tcPr>
+                </a:tc>
+                <a:tc>
+                  <a:txBody>
+                    <a:bodyPr vert="horz" lIns="91440" tIns="45720" rIns="91440" bIns="45720" anchor="ctr" anchorCtr="0"/>
+                    <a:lstStyle/>
+                    <a:p>
+                      <a:pPr lvl="0" algn="l" latinLnBrk="1">
+                        <a:defRPr/>
+                      </a:pPr>
+                      <a:r>
+                        <a:rPr lang="ko-KR" altLang="en-US" sz="1200">
+                          <a:solidFill>
+                            <a:schemeClr val="tx1"/>
+                          </a:solidFill>
+                        </a:rPr>
+                        <a:t>효과음</a:t>
+                      </a:r>
+                      <a:endParaRPr lang="ko-KR" altLang="en-US" sz="1200">
+                        <a:solidFill>
+                          <a:schemeClr val="tx1"/>
+                        </a:solidFill>
+                      </a:endParaRPr>
+                    </a:p>
+                  </a:txBody>
+                  <a:tcPr marL="91440" marR="91440" anchor="ctr">
+                    <a:solidFill>
+                      <a:schemeClr val="accent1">
+                        <a:lumMod val="40000"/>
+                        <a:lumOff val="60000"/>
+                      </a:schemeClr>
+                    </a:solidFill>
+                  </a:tcPr>
+                </a:tc>
+                <a:tc>
+                  <a:txBody>
+                    <a:bodyPr vert="horz" lIns="91440" tIns="45720" rIns="91440" bIns="45720" anchor="ctr" anchorCtr="0"/>
+                    <a:lstStyle/>
+                    <a:p>
+                      <a:pPr lvl="0" algn="l" latinLnBrk="1">
+                        <a:defRPr/>
+                      </a:pPr>
+                      <a:r>
+                        <a:rPr lang="ko-KR" altLang="en-US" sz="1200">
+                          <a:solidFill>
+                            <a:schemeClr val="tx1"/>
+                          </a:solidFill>
+                        </a:rPr>
+                        <a:t>장면</a:t>
+                      </a:r>
+                      <a:endParaRPr lang="ko-KR" altLang="en-US" sz="1200">
+                        <a:solidFill>
+                          <a:schemeClr val="tx1"/>
+                        </a:solidFill>
+                      </a:endParaRPr>
+                    </a:p>
+                  </a:txBody>
+                  <a:tcPr marL="91440" marR="91440" anchor="ctr">
+                    <a:solidFill>
+                      <a:schemeClr val="accent1">
+                        <a:lumMod val="40000"/>
+                        <a:lumOff val="60000"/>
+                      </a:schemeClr>
+                    </a:solidFill>
+                  </a:tcPr>
+                </a:tc>
+              </a:tr>
+              <a:tr h="269328">
+                <a:tc>
+                  <a:txBody>
+                    <a:bodyPr vert="horz" lIns="91440" tIns="45720" rIns="91440" bIns="45720" anchor="ctr" anchorCtr="0"/>
+                    <a:lstStyle/>
+                    <a:p>
+                      <a:pPr lvl="0" algn="ctr" latinLnBrk="1">
+                        <a:defRPr/>
+                      </a:pPr>
+                      <a:r>
+                        <a:rPr lang="en-US" altLang="ko-KR" sz="1200"/>
+                        <a:t>1</a:t>
+                      </a:r>
+                      <a:endParaRPr lang="ko-KR" altLang="en-US" sz="1200"/>
+                    </a:p>
+                  </a:txBody>
+                  <a:tcPr marL="91440" marR="91440" anchor="ctr"/>
+                </a:tc>
+                <a:tc>
+                  <a:txBody>
+                    <a:bodyPr vert="horz" lIns="91440" tIns="45720" rIns="91440" bIns="45720" anchor="ctr" anchorCtr="0"/>
+                    <a:lstStyle/>
+                    <a:p>
+                      <a:pPr lvl="0" latinLnBrk="1">
+                        <a:defRPr/>
+                      </a:pPr>
+                      <a:r>
+                        <a:rPr lang="ko-KR" altLang="en-US" sz="1200"/>
+                        <a:t>셔터소리</a:t>
+                      </a:r>
+                      <a:endParaRPr lang="ko-KR" altLang="en-US" sz="1200"/>
+                    </a:p>
+                  </a:txBody>
+                  <a:tcPr marL="91440" marR="91440" anchor="ctr"/>
+                </a:tc>
+                <a:tc>
+                  <a:txBody>
+                    <a:bodyPr vert="horz" lIns="91440" tIns="45720" rIns="91440" bIns="45720" anchor="ctr" anchorCtr="0"/>
+                    <a:lstStyle/>
+                    <a:p>
+                      <a:pPr lvl="0" latinLnBrk="1">
+                        <a:defRPr/>
+                      </a:pPr>
+                      <a:r>
+                        <a:rPr lang="ko-KR" altLang="en-US" sz="1200"/>
+                        <a:t>정원에서 가족사진 찍는 장면</a:t>
+                      </a:r>
+                      <a:endParaRPr lang="ko-KR" altLang="en-US" sz="1200"/>
+                    </a:p>
+                  </a:txBody>
+                  <a:tcPr marL="91440" marR="91440" anchor="ctr"/>
+                </a:tc>
+              </a:tr>
+              <a:tr h="269328">
+                <a:tc>
+                  <a:txBody>
+                    <a:bodyPr vert="horz" lIns="91440" tIns="45720" rIns="91440" bIns="45720" anchor="ctr" anchorCtr="0"/>
+                    <a:lstStyle/>
+                    <a:p>
+                      <a:pPr lvl="0" algn="ctr" latinLnBrk="1">
+                        <a:defRPr/>
+                      </a:pPr>
+                      <a:r>
+                        <a:rPr lang="en-US" altLang="ko-KR" sz="1200"/>
+                        <a:t>2</a:t>
+                      </a:r>
+                      <a:endParaRPr lang="ko-KR" altLang="en-US" sz="1200"/>
+                    </a:p>
+                  </a:txBody>
+                  <a:tcPr marL="91440" marR="91440" anchor="ctr"/>
+                </a:tc>
+                <a:tc>
+                  <a:txBody>
+                    <a:bodyPr vert="horz" lIns="91440" tIns="45720" rIns="91440" bIns="45720" anchor="ctr" anchorCtr="0"/>
+                    <a:lstStyle/>
+                    <a:p>
+                      <a:pPr lvl="0" latinLnBrk="1">
+                        <a:defRPr/>
+                      </a:pPr>
+                      <a:r>
+                        <a:rPr lang="ko-KR" altLang="en-US" sz="1200"/>
+                        <a:t>아이들이 웃는</a:t>
+                      </a:r>
+                      <a:r>
+                        <a:rPr lang="en-US" altLang="ko-KR" sz="1200"/>
+                        <a:t>/</a:t>
+                      </a:r>
+                      <a:r>
+                        <a:rPr lang="ko-KR" altLang="en-US" sz="1200"/>
+                        <a:t>떠드는 소리</a:t>
+                      </a:r>
+                      <a:endParaRPr lang="ko-KR" altLang="en-US" sz="1200"/>
+                    </a:p>
+                  </a:txBody>
+                  <a:tcPr marL="91440" marR="91440" anchor="ctr"/>
+                </a:tc>
+                <a:tc>
+                  <a:txBody>
+                    <a:bodyPr vert="horz" lIns="91440" tIns="45720" rIns="91440" bIns="45720" anchor="ctr" anchorCtr="0"/>
+                    <a:lstStyle/>
+                    <a:p>
+                      <a:pPr lvl="0" latinLnBrk="1">
+                        <a:defRPr/>
+                      </a:pPr>
+                      <a:r>
+                        <a:rPr lang="ko-KR" altLang="en-US" sz="1200"/>
+                        <a:t>생일날 기억</a:t>
+                      </a:r>
+                      <a:r>
+                        <a:rPr lang="en-US" altLang="ko-KR" sz="1200"/>
+                        <a:t>,</a:t>
+                      </a:r>
+                      <a:r>
+                        <a:rPr lang="ko-KR" altLang="en-US" sz="1200"/>
+                        <a:t> 가족사진</a:t>
+                      </a:r>
+                      <a:endParaRPr lang="ko-KR" altLang="en-US" sz="1200"/>
+                    </a:p>
+                  </a:txBody>
+                  <a:tcPr marL="91440" marR="91440" anchor="ctr"/>
+                </a:tc>
+              </a:tr>
+              <a:tr h="272415">
+                <a:tc>
+                  <a:txBody>
+                    <a:bodyPr vert="horz" lIns="91440" tIns="45720" rIns="91440" bIns="45720" anchor="ctr" anchorCtr="0"/>
+                    <a:lstStyle/>
+                    <a:p>
+                      <a:pPr lvl="0" algn="ctr" latinLnBrk="1">
+                        <a:defRPr/>
+                      </a:pPr>
+                      <a:r>
+                        <a:rPr lang="en-US" altLang="ko-KR" sz="1200"/>
+                        <a:t>3</a:t>
+                      </a:r>
+                      <a:endParaRPr lang="ko-KR" altLang="en-US" sz="1200"/>
+                    </a:p>
+                  </a:txBody>
+                  <a:tcPr marL="91440" marR="91440" anchor="ctr"/>
+                </a:tc>
+                <a:tc>
+                  <a:txBody>
+                    <a:bodyPr vert="horz" lIns="91440" tIns="45720" rIns="91440" bIns="45720" anchor="ctr" anchorCtr="0"/>
+                    <a:lstStyle/>
+                    <a:p>
+                      <a:pPr lvl="0" latinLnBrk="1">
+                        <a:defRPr/>
+                      </a:pPr>
+                      <a:r>
+                        <a:rPr lang="ko-KR" altLang="en-US" sz="1200"/>
+                        <a:t>상자 미는 소리</a:t>
+                      </a:r>
+                      <a:endParaRPr lang="ko-KR" altLang="en-US" sz="1200"/>
+                    </a:p>
+                  </a:txBody>
+                  <a:tcPr marL="91440" marR="91440" anchor="ctr"/>
+                </a:tc>
+                <a:tc>
+                  <a:txBody>
+                    <a:bodyPr vert="horz" lIns="91440" tIns="45720" rIns="91440" bIns="45720" anchor="ctr" anchorCtr="0"/>
+                    <a:lstStyle/>
+                    <a:p>
+                      <a:pPr lvl="0" latinLnBrk="1">
+                        <a:defRPr/>
+                      </a:pPr>
+                      <a:r>
+                        <a:rPr lang="ko-KR" altLang="en-US" sz="1200"/>
+                        <a:t>상자 퍼즐</a:t>
+                      </a:r>
+                      <a:endParaRPr lang="ko-KR" altLang="en-US" sz="1200"/>
+                    </a:p>
+                  </a:txBody>
+                  <a:tcPr marL="91440" marR="91440" anchor="ctr"/>
+                </a:tc>
+              </a:tr>
+              <a:tr h="269328">
+                <a:tc>
+                  <a:txBody>
+                    <a:bodyPr vert="horz" lIns="91440" tIns="45720" rIns="91440" bIns="45720" anchor="ctr" anchorCtr="0"/>
+                    <a:lstStyle/>
+                    <a:p>
+                      <a:pPr lvl="0" algn="ctr" latinLnBrk="1">
+                        <a:defRPr/>
+                      </a:pPr>
+                      <a:r>
+                        <a:rPr lang="en-US" altLang="ko-KR" sz="1200"/>
+                        <a:t>4</a:t>
+                      </a:r>
+                      <a:endParaRPr lang="ko-KR" altLang="en-US" sz="1200"/>
+                    </a:p>
+                  </a:txBody>
+                  <a:tcPr marL="91440" marR="91440" anchor="ctr"/>
+                </a:tc>
+                <a:tc>
+                  <a:txBody>
+                    <a:bodyPr vert="horz" lIns="91440" tIns="45720" rIns="91440" bIns="45720" anchor="ctr" anchorCtr="0"/>
+                    <a:lstStyle/>
+                    <a:p>
+                      <a:pPr lvl="0" latinLnBrk="1">
+                        <a:defRPr/>
+                      </a:pPr>
+                      <a:r>
+                        <a:rPr lang="ko-KR" altLang="en-US" sz="1200"/>
+                        <a:t>아이템 획득 소리</a:t>
+                      </a:r>
+                      <a:endParaRPr lang="ko-KR" altLang="en-US" sz="1200"/>
+                    </a:p>
+                  </a:txBody>
+                  <a:tcPr marL="91440" marR="91440" anchor="ctr"/>
+                </a:tc>
+                <a:tc>
+                  <a:txBody>
+                    <a:bodyPr vert="horz" lIns="91440" tIns="45720" rIns="91440" bIns="45720" anchor="ctr" anchorCtr="0"/>
+                    <a:lstStyle/>
+                    <a:p>
+                      <a:pPr lvl="0" latinLnBrk="1">
+                        <a:defRPr/>
+                      </a:pPr>
+                      <a:r>
+                        <a:rPr lang="ko-KR" altLang="en-US" sz="1200"/>
+                        <a:t>악보</a:t>
+                      </a:r>
+                      <a:r>
+                        <a:rPr lang="en-US" altLang="ko-KR" sz="1200"/>
+                        <a:t>,</a:t>
+                      </a:r>
+                      <a:r>
+                        <a:rPr lang="ko-KR" altLang="en-US" sz="1200"/>
+                        <a:t> 손전등 획득</a:t>
+                      </a:r>
+                      <a:endParaRPr lang="ko-KR" altLang="en-US" sz="1200"/>
+                    </a:p>
+                  </a:txBody>
+                  <a:tcPr marL="91440" marR="91440" anchor="ctr"/>
+                </a:tc>
+              </a:tr>
+              <a:tr h="272415">
+                <a:tc>
+                  <a:txBody>
+                    <a:bodyPr vert="horz" lIns="91440" tIns="45720" rIns="91440" bIns="45720" anchor="ctr" anchorCtr="0"/>
+                    <a:lstStyle/>
+                    <a:p>
+                      <a:pPr lvl="0" algn="ctr" latinLnBrk="1">
+                        <a:defRPr/>
+                      </a:pPr>
+                      <a:r>
+                        <a:rPr lang="en-US" altLang="ko-KR" sz="1200"/>
+                        <a:t>5</a:t>
+                      </a:r>
+                      <a:endParaRPr lang="ko-KR" altLang="en-US" sz="1200"/>
+                    </a:p>
+                  </a:txBody>
+                  <a:tcPr marL="91440" marR="91440" anchor="ctr"/>
+                </a:tc>
+                <a:tc>
+                  <a:txBody>
+                    <a:bodyPr vert="horz" lIns="91440" tIns="45720" rIns="91440" bIns="45720" anchor="ctr" anchorCtr="0"/>
+                    <a:lstStyle/>
+                    <a:p>
+                      <a:pPr lvl="0" latinLnBrk="1">
+                        <a:defRPr/>
+                      </a:pPr>
+                      <a:r>
+                        <a:rPr lang="ko-KR" altLang="en-US" sz="1200"/>
+                        <a:t>문 열리는 소리</a:t>
+                      </a:r>
+                      <a:endParaRPr lang="ko-KR" altLang="en-US" sz="1200"/>
+                    </a:p>
+                  </a:txBody>
+                  <a:tcPr marL="91440" marR="91440" anchor="ctr"/>
+                </a:tc>
+                <a:tc>
+                  <a:txBody>
+                    <a:bodyPr vert="horz" lIns="91440" tIns="45720" rIns="91440" bIns="45720" anchor="ctr" anchorCtr="0"/>
+                    <a:lstStyle/>
+                    <a:p>
+                      <a:pPr lvl="0" latinLnBrk="1">
+                        <a:defRPr/>
+                      </a:pPr>
+                      <a:r>
+                        <a:rPr lang="ko-KR" altLang="en-US" sz="1200"/>
+                        <a:t>열쇠를 이용해 문을 열었을 때</a:t>
+                      </a:r>
+                      <a:endParaRPr lang="ko-KR" altLang="en-US" sz="1200"/>
+                    </a:p>
+                  </a:txBody>
+                  <a:tcPr marL="91440" marR="91440" anchor="ctr"/>
+                </a:tc>
+              </a:tr>
+              <a:tr h="269328">
+                <a:tc>
+                  <a:txBody>
+                    <a:bodyPr vert="horz" lIns="91440" tIns="45720" rIns="91440" bIns="45720" anchor="ctr" anchorCtr="0"/>
+                    <a:lstStyle/>
+                    <a:p>
+                      <a:pPr lvl="0" algn="ctr" latinLnBrk="1">
+                        <a:defRPr/>
+                      </a:pPr>
+                      <a:r>
+                        <a:rPr lang="en-US" altLang="ko-KR" sz="1200"/>
+                        <a:t>6</a:t>
+                      </a:r>
+                      <a:endParaRPr lang="ko-KR" altLang="en-US" sz="1200"/>
+                    </a:p>
+                  </a:txBody>
+                  <a:tcPr marL="91440" marR="91440" anchor="ctr"/>
+                </a:tc>
+                <a:tc>
+                  <a:txBody>
+                    <a:bodyPr vert="horz" lIns="91440" tIns="45720" rIns="91440" bIns="45720" anchor="ctr" anchorCtr="0"/>
+                    <a:lstStyle/>
+                    <a:p>
+                      <a:pPr lvl="0" latinLnBrk="1">
+                        <a:defRPr/>
+                      </a:pPr>
+                      <a:r>
+                        <a:rPr lang="ko-KR" altLang="en-US" sz="1200"/>
+                        <a:t>문 닫히는 소리</a:t>
+                      </a:r>
+                      <a:endParaRPr lang="ko-KR" altLang="en-US" sz="1200"/>
+                    </a:p>
+                  </a:txBody>
+                  <a:tcPr marL="91440" marR="91440" anchor="ctr"/>
+                </a:tc>
+                <a:tc>
+                  <a:txBody>
+                    <a:bodyPr vert="horz" lIns="91440" tIns="45720" rIns="91440" bIns="45720" anchor="ctr" anchorCtr="0"/>
+                    <a:lstStyle/>
+                    <a:p>
+                      <a:pPr lvl="0" latinLnBrk="1">
+                        <a:defRPr/>
+                      </a:pPr>
+                      <a:r>
+                        <a:rPr lang="ko-KR" altLang="en-US" sz="1200"/>
+                        <a:t>챕터</a:t>
+                      </a:r>
+                      <a:r>
+                        <a:rPr lang="en-US" altLang="ko-KR" sz="1200"/>
+                        <a:t>3</a:t>
+                      </a:r>
+                      <a:r>
+                        <a:rPr lang="ko-KR" altLang="en-US" sz="1200"/>
+                        <a:t>에서 </a:t>
+                      </a:r>
+                      <a:r>
+                        <a:rPr lang="en-US" altLang="ko-KR" sz="1200"/>
+                        <a:t>a</a:t>
+                      </a:r>
+                      <a:r>
+                        <a:rPr lang="ko-KR" altLang="en-US" sz="1200"/>
+                        <a:t>와 </a:t>
+                      </a:r>
+                      <a:r>
+                        <a:rPr lang="en-US" altLang="ko-KR" sz="1200"/>
+                        <a:t>b</a:t>
+                      </a:r>
+                      <a:r>
+                        <a:rPr lang="ko-KR" altLang="en-US" sz="1200"/>
+                        <a:t>가 또다시 분리될 때</a:t>
+                      </a:r>
+                      <a:endParaRPr lang="ko-KR" altLang="en-US" sz="1200"/>
+                    </a:p>
+                  </a:txBody>
+                  <a:tcPr marL="91440" marR="91440" anchor="ctr"/>
+                </a:tc>
+              </a:tr>
+              <a:tr h="279570">
+                <a:tc>
+                  <a:txBody>
+                    <a:bodyPr vert="horz" lIns="91440" tIns="45720" rIns="91440" bIns="45720" anchor="ctr" anchorCtr="0"/>
+                    <a:lstStyle/>
+                    <a:p>
+                      <a:pPr lvl="0" algn="ctr" latinLnBrk="1">
+                        <a:defRPr/>
+                      </a:pPr>
+                      <a:r>
+                        <a:rPr lang="en-US" altLang="ko-KR" sz="1200"/>
+                        <a:t>7</a:t>
+                      </a:r>
+                      <a:endParaRPr lang="ko-KR" altLang="en-US" sz="1200"/>
+                    </a:p>
+                  </a:txBody>
+                  <a:tcPr marL="91440" marR="91440" anchor="ctr"/>
+                </a:tc>
+                <a:tc>
+                  <a:txBody>
+                    <a:bodyPr vert="horz" lIns="91440" tIns="45720" rIns="91440" bIns="45720" anchor="ctr" anchorCtr="0"/>
+                    <a:lstStyle/>
+                    <a:p>
+                      <a:pPr lvl="0" latinLnBrk="1">
+                        <a:defRPr/>
+                      </a:pPr>
+                      <a:r>
+                        <a:rPr lang="ko-KR" altLang="en-US" sz="1200"/>
+                        <a:t>바닥에 부딪히는 소리</a:t>
+                      </a:r>
+                      <a:endParaRPr lang="ko-KR" altLang="en-US" sz="1200"/>
+                    </a:p>
+                  </a:txBody>
+                  <a:tcPr marL="91440" marR="91440" anchor="ctr"/>
+                </a:tc>
+                <a:tc>
+                  <a:txBody>
+                    <a:bodyPr vert="horz" lIns="91440" tIns="45720" rIns="91440" bIns="45720" anchor="ctr" anchorCtr="0"/>
+                    <a:lstStyle/>
+                    <a:p>
+                      <a:pPr lvl="0" latinLnBrk="1">
+                        <a:defRPr/>
+                      </a:pPr>
+                      <a:r>
+                        <a:rPr lang="en-US" altLang="ko-KR" sz="1200"/>
+                        <a:t>b</a:t>
+                      </a:r>
+                      <a:r>
+                        <a:rPr lang="ko-KR" altLang="en-US" sz="1200"/>
+                        <a:t>의 추락사</a:t>
+                      </a:r>
+                      <a:endParaRPr lang="ko-KR" altLang="en-US" sz="1200"/>
+                    </a:p>
+                  </a:txBody>
+                  <a:tcPr marL="91440" marR="91440" anchor="ctr"/>
+                </a:tc>
+              </a:tr>
+              <a:tr h="116840">
+                <a:tc>
+                  <a:txBody>
+                    <a:bodyPr vert="horz" lIns="91440" tIns="45720" rIns="91440" bIns="45720" anchor="ctr" anchorCtr="0"/>
+                    <a:lstStyle/>
+                    <a:p>
+                      <a:pPr lvl="0" algn="ctr" latinLnBrk="1">
+                        <a:defRPr/>
+                      </a:pPr>
+                      <a:r>
+                        <a:rPr lang="en-US" altLang="ko-KR" sz="1200"/>
+                        <a:t>8</a:t>
+                      </a:r>
+                      <a:endParaRPr lang="ko-KR" altLang="en-US" sz="1200"/>
+                    </a:p>
+                  </a:txBody>
+                  <a:tcPr marL="91440" marR="91440" anchor="ctr"/>
+                </a:tc>
+                <a:tc>
+                  <a:txBody>
+                    <a:bodyPr vert="horz" lIns="91440" tIns="45720" rIns="91440" bIns="45720" anchor="ctr" anchorCtr="0"/>
+                    <a:lstStyle/>
+                    <a:p>
+                      <a:pPr lvl="0" latinLnBrk="1">
+                        <a:defRPr/>
+                      </a:pPr>
+                      <a:r>
+                        <a:rPr lang="ko-KR" altLang="en-US" sz="1200"/>
+                        <a:t>포효하는 소리</a:t>
+                      </a:r>
+                      <a:endParaRPr lang="ko-KR" altLang="en-US" sz="1200"/>
+                    </a:p>
+                  </a:txBody>
+                  <a:tcPr marL="91440" marR="91440" anchor="ctr"/>
+                </a:tc>
+                <a:tc>
+                  <a:txBody>
+                    <a:bodyPr vert="horz" lIns="91440" tIns="45720" rIns="91440" bIns="45720" anchor="ctr" anchorCtr="0"/>
+                    <a:lstStyle/>
+                    <a:p>
+                      <a:pPr lvl="0" latinLnBrk="1">
+                        <a:defRPr/>
+                      </a:pPr>
+                      <a:r>
+                        <a:rPr lang="ko-KR" altLang="en-US" sz="1200"/>
+                        <a:t>괴물이 문을 부수고 들어왔을 때</a:t>
+                      </a:r>
+                      <a:r>
+                        <a:rPr lang="en-US" altLang="ko-KR" sz="1200"/>
+                        <a:t>,</a:t>
+                      </a:r>
+                      <a:r>
+                        <a:rPr lang="ko-KR" altLang="en-US" sz="1200"/>
+                        <a:t> 아버지가 </a:t>
+                      </a:r>
+                      <a:r>
+                        <a:rPr lang="en-US" altLang="ko-KR" sz="1200"/>
+                        <a:t>b</a:t>
+                      </a:r>
+                      <a:r>
+                        <a:rPr lang="ko-KR" altLang="en-US" sz="1200"/>
+                        <a:t>를 목격했을 때</a:t>
+                      </a:r>
+                      <a:endParaRPr lang="ko-KR" altLang="en-US" sz="1200"/>
+                    </a:p>
+                  </a:txBody>
+                  <a:tcPr marL="91440" marR="91440" anchor="ctr"/>
+                </a:tc>
+              </a:tr>
+              <a:tr h="269328">
+                <a:tc>
+                  <a:txBody>
+                    <a:bodyPr vert="horz" lIns="91440" tIns="45720" rIns="91440" bIns="45720" anchor="ctr" anchorCtr="0"/>
+                    <a:lstStyle/>
+                    <a:p>
+                      <a:pPr lvl="0" algn="ctr" latinLnBrk="1">
+                        <a:defRPr/>
+                      </a:pPr>
+                      <a:r>
+                        <a:rPr lang="en-US" altLang="ko-KR" sz="1200"/>
+                        <a:t>9</a:t>
+                      </a:r>
+                      <a:endParaRPr lang="ko-KR" altLang="en-US" sz="1200"/>
+                    </a:p>
+                  </a:txBody>
+                  <a:tcPr marL="91440" marR="91440" anchor="ctr"/>
+                </a:tc>
+                <a:tc>
+                  <a:txBody>
+                    <a:bodyPr vert="horz" lIns="91440" tIns="45720" rIns="91440" bIns="45720" anchor="ctr" anchorCtr="0"/>
+                    <a:lstStyle/>
+                    <a:p>
+                      <a:pPr lvl="0" latinLnBrk="1">
+                        <a:defRPr/>
+                      </a:pPr>
+                      <a:r>
+                        <a:rPr lang="ko-KR" altLang="en-US" sz="1200"/>
+                        <a:t>괘종시계소리</a:t>
+                      </a:r>
+                      <a:endParaRPr lang="ko-KR" altLang="en-US" sz="1200"/>
+                    </a:p>
+                  </a:txBody>
+                  <a:tcPr marL="91440" marR="91440" anchor="ctr"/>
+                </a:tc>
+                <a:tc>
+                  <a:txBody>
+                    <a:bodyPr vert="horz" lIns="91440" tIns="45720" rIns="91440" bIns="45720" anchor="ctr" anchorCtr="0"/>
+                    <a:lstStyle/>
+                    <a:p>
+                      <a:pPr lvl="0" latinLnBrk="1">
+                        <a:defRPr/>
+                      </a:pPr>
+                      <a:r>
+                        <a:rPr lang="en-US" altLang="ko-KR" sz="1200"/>
+                        <a:t>b</a:t>
+                      </a:r>
+                      <a:r>
+                        <a:rPr lang="ko-KR" altLang="en-US" sz="1200"/>
+                        <a:t>의 죽음</a:t>
+                      </a:r>
+                      <a:r>
+                        <a:rPr lang="en-US" altLang="ko-KR" sz="1200"/>
+                        <a:t>,</a:t>
+                      </a:r>
+                      <a:r>
+                        <a:rPr lang="ko-KR" altLang="en-US" sz="1200"/>
+                        <a:t> 챕터</a:t>
+                      </a:r>
+                      <a:r>
+                        <a:rPr lang="en-US" altLang="ko-KR" sz="1200"/>
+                        <a:t>3</a:t>
+                      </a:r>
+                      <a:r>
+                        <a:rPr lang="ko-KR" altLang="en-US" sz="1200"/>
+                        <a:t> 보스전 </a:t>
+                      </a:r>
+                      <a:endParaRPr lang="ko-KR" altLang="en-US" sz="1200"/>
+                    </a:p>
+                  </a:txBody>
+                  <a:tcPr marL="91440" marR="91440" anchor="ctr"/>
+                </a:tc>
+              </a:tr>
+              <a:tr h="403768">
+                <a:tc>
+                  <a:txBody>
+                    <a:bodyPr vert="horz" lIns="91440" tIns="45720" rIns="91440" bIns="45720" anchor="ctr" anchorCtr="0"/>
+                    <a:lstStyle/>
+                    <a:p>
+                      <a:pPr lvl="0" algn="ctr" latinLnBrk="1">
+                        <a:defRPr/>
+                      </a:pPr>
+                      <a:r>
+                        <a:rPr lang="en-US" altLang="ko-KR" sz="1200"/>
+                        <a:t>10</a:t>
+                      </a:r>
+                      <a:endParaRPr lang="ko-KR" altLang="en-US" sz="1200"/>
+                    </a:p>
+                  </a:txBody>
+                  <a:tcPr marL="91440" marR="91440" anchor="ctr"/>
+                </a:tc>
+                <a:tc>
+                  <a:txBody>
+                    <a:bodyPr vert="horz" lIns="91440" tIns="45720" rIns="91440" bIns="45720" anchor="ctr" anchorCtr="0"/>
+                    <a:lstStyle/>
+                    <a:p>
+                      <a:pPr lvl="0" latinLnBrk="1">
+                        <a:defRPr/>
+                      </a:pPr>
+                      <a:r>
+                        <a:rPr lang="ko-KR" altLang="en-US" sz="1200"/>
+                        <a:t>오르골 소리</a:t>
+                      </a:r>
+                      <a:endParaRPr lang="ko-KR" altLang="en-US" sz="1200"/>
+                    </a:p>
+                  </a:txBody>
+                  <a:tcPr marL="91440" marR="91440" anchor="ctr"/>
+                </a:tc>
+                <a:tc>
+                  <a:txBody>
+                    <a:bodyPr vert="horz" lIns="91440" tIns="45720" rIns="91440" bIns="45720" anchor="ctr" anchorCtr="0"/>
+                    <a:lstStyle/>
+                    <a:p>
+                      <a:pPr lvl="0" latinLnBrk="1">
+                        <a:defRPr/>
+                      </a:pPr>
+                      <a:r>
+                        <a:rPr lang="ko-KR" altLang="en-US" sz="1200"/>
+                        <a:t>오르골로 기억을 찾을 때</a:t>
+                      </a:r>
+                      <a:endParaRPr lang="ko-KR" altLang="en-US" sz="1200"/>
+                    </a:p>
+                  </a:txBody>
+                  <a:tcPr marL="91440" marR="91440" anchor="ctr"/>
+                </a:tc>
+              </a:tr>
+              <a:tr h="403768">
+                <a:tc>
+                  <a:txBody>
+                    <a:bodyPr vert="horz" lIns="91440" tIns="45720" rIns="91440" bIns="45720" anchor="ctr" anchorCtr="0"/>
+                    <a:lstStyle/>
+                    <a:p>
+                      <a:pPr lvl="0" algn="ctr" latinLnBrk="1">
+                        <a:defRPr/>
+                      </a:pPr>
+                      <a:r>
+                        <a:rPr lang="en-US" altLang="ko-KR" sz="1200"/>
+                        <a:t>11</a:t>
+                      </a:r>
+                      <a:endParaRPr lang="ko-KR" altLang="en-US" sz="1200"/>
+                    </a:p>
+                  </a:txBody>
+                  <a:tcPr marL="91440" marR="91440" anchor="ctr"/>
+                </a:tc>
+                <a:tc>
+                  <a:txBody>
+                    <a:bodyPr vert="horz" lIns="91440" tIns="45720" rIns="91440" bIns="45720" anchor="ctr" anchorCtr="0"/>
+                    <a:lstStyle/>
+                    <a:p>
+                      <a:pPr lvl="0" latinLnBrk="1">
+                        <a:defRPr/>
+                      </a:pPr>
+                      <a:r>
+                        <a:rPr lang="ko-KR" altLang="en-US" sz="1200"/>
+                        <a:t>손전등 켜는</a:t>
+                      </a:r>
+                      <a:r>
+                        <a:rPr lang="en-US" altLang="ko-KR" sz="1200"/>
+                        <a:t>(</a:t>
+                      </a:r>
+                      <a:r>
+                        <a:rPr lang="ko-KR" altLang="en-US" sz="1200"/>
+                        <a:t>끄는</a:t>
+                      </a:r>
+                      <a:r>
+                        <a:rPr lang="en-US" altLang="ko-KR" sz="1200"/>
+                        <a:t>)</a:t>
+                      </a:r>
+                      <a:r>
+                        <a:rPr lang="ko-KR" altLang="en-US" sz="1200"/>
+                        <a:t> 소리</a:t>
+                      </a:r>
+                      <a:endParaRPr lang="ko-KR" altLang="en-US" sz="1200"/>
+                    </a:p>
+                  </a:txBody>
+                  <a:tcPr marL="91440" marR="91440" anchor="ctr"/>
+                </a:tc>
+                <a:tc>
+                  <a:txBody>
+                    <a:bodyPr vert="horz" lIns="91440" tIns="45720" rIns="91440" bIns="45720" anchor="ctr" anchorCtr="0"/>
+                    <a:lstStyle/>
+                    <a:p>
+                      <a:pPr lvl="0" latinLnBrk="1">
+                        <a:defRPr/>
+                      </a:pPr>
+                      <a:r>
+                        <a:rPr lang="en-US" altLang="ko-KR" sz="1200"/>
+                        <a:t>-</a:t>
+                      </a:r>
+                      <a:endParaRPr lang="en-US" altLang="ko-KR" sz="1200"/>
+                    </a:p>
+                  </a:txBody>
+                  <a:tcPr marL="91440" marR="91440" anchor="ctr"/>
+                </a:tc>
+              </a:tr>
+              <a:tr h="403768">
+                <a:tc>
+                  <a:txBody>
+                    <a:bodyPr vert="horz" lIns="91440" tIns="45720" rIns="91440" bIns="45720" anchor="ctr" anchorCtr="0"/>
+                    <a:lstStyle/>
+                    <a:p>
+                      <a:pPr lvl="0" algn="ctr" latinLnBrk="1">
+                        <a:defRPr/>
+                      </a:pPr>
+                      <a:r>
+                        <a:rPr lang="en-US" altLang="ko-KR" sz="1200"/>
+                        <a:t>12</a:t>
+                      </a:r>
+                      <a:endParaRPr lang="ko-KR" altLang="en-US" sz="1200"/>
+                    </a:p>
+                  </a:txBody>
+                  <a:tcPr marL="91440" marR="91440" anchor="ctr"/>
+                </a:tc>
+                <a:tc>
+                  <a:txBody>
+                    <a:bodyPr vert="horz" lIns="91440" tIns="45720" rIns="91440" bIns="45720" anchor="ctr" anchorCtr="0"/>
+                    <a:lstStyle/>
+                    <a:p>
+                      <a:pPr lvl="0" latinLnBrk="1">
+                        <a:defRPr/>
+                      </a:pPr>
+                      <a:endParaRPr lang="ko-KR" altLang="en-US" sz="1200"/>
+                    </a:p>
+                  </a:txBody>
+                  <a:tcPr marL="91440" marR="91440" anchor="ctr"/>
+                </a:tc>
+                <a:tc>
+                  <a:txBody>
+                    <a:bodyPr vert="horz" lIns="91440" tIns="45720" rIns="91440" bIns="45720" anchor="ctr" anchorCtr="0"/>
+                    <a:lstStyle/>
+                    <a:p>
+                      <a:pPr lvl="0" latinLnBrk="1">
+                        <a:defRPr/>
+                      </a:pPr>
+                      <a:endParaRPr lang="ko-KR" altLang="en-US" sz="1200"/>
+                    </a:p>
+                  </a:txBody>
+                  <a:tcPr marL="91440" marR="91440" anchor="ctr"/>
+                </a:tc>
+              </a:tr>
+              <a:tr h="403768">
+                <a:tc>
+                  <a:txBody>
+                    <a:bodyPr vert="horz" lIns="91440" tIns="45720" rIns="91440" bIns="45720" anchor="ctr" anchorCtr="0"/>
+                    <a:lstStyle/>
+                    <a:p>
+                      <a:pPr lvl="0" algn="ctr" latinLnBrk="1">
+                        <a:defRPr/>
+                      </a:pPr>
+                      <a:r>
+                        <a:rPr lang="en-US" altLang="ko-KR" sz="1200"/>
+                        <a:t>13</a:t>
+                      </a:r>
+                      <a:endParaRPr lang="ko-KR" altLang="en-US" sz="1200"/>
+                    </a:p>
+                  </a:txBody>
+                  <a:tcPr marL="91440" marR="91440" anchor="ctr"/>
+                </a:tc>
+                <a:tc>
+                  <a:txBody>
+                    <a:bodyPr vert="horz" lIns="91440" tIns="45720" rIns="91440" bIns="45720" anchor="ctr" anchorCtr="0"/>
+                    <a:lstStyle/>
+                    <a:p>
+                      <a:pPr lvl="0" latinLnBrk="1">
+                        <a:defRPr/>
+                      </a:pPr>
+                      <a:endParaRPr lang="ko-KR" altLang="en-US" sz="1200"/>
+                    </a:p>
+                  </a:txBody>
+                  <a:tcPr marL="91440" marR="91440" anchor="ctr"/>
+                </a:tc>
+                <a:tc>
+                  <a:txBody>
+                    <a:bodyPr vert="horz" lIns="91440" tIns="45720" rIns="91440" bIns="45720" anchor="ctr" anchorCtr="0"/>
+                    <a:lstStyle/>
+                    <a:p>
+                      <a:pPr lvl="0" latinLnBrk="1">
+                        <a:defRPr/>
+                      </a:pPr>
+                      <a:endParaRPr lang="ko-KR" altLang="en-US" sz="1200"/>
+                    </a:p>
+                  </a:txBody>
+                  <a:tcPr marL="91440" marR="91440" anchor="ctr"/>
+                </a:tc>
+              </a:tr>
+              <a:tr h="403768">
+                <a:tc>
+                  <a:txBody>
+                    <a:bodyPr vert="horz" lIns="91440" tIns="45720" rIns="91440" bIns="45720" anchor="ctr" anchorCtr="0"/>
+                    <a:lstStyle/>
+                    <a:p>
+                      <a:pPr lvl="0" algn="ctr" latinLnBrk="1">
+                        <a:defRPr/>
+                      </a:pPr>
+                      <a:r>
+                        <a:rPr lang="en-US" altLang="ko-KR" sz="1200"/>
+                        <a:t>14</a:t>
+                      </a:r>
+                      <a:endParaRPr lang="ko-KR" altLang="en-US" sz="1200"/>
+                    </a:p>
+                  </a:txBody>
+                  <a:tcPr marL="91440" marR="91440" anchor="ctr"/>
+                </a:tc>
+                <a:tc>
+                  <a:txBody>
+                    <a:bodyPr vert="horz" lIns="91440" tIns="45720" rIns="91440" bIns="45720" anchor="ctr" anchorCtr="0"/>
+                    <a:lstStyle/>
+                    <a:p>
+                      <a:pPr lvl="0" latinLnBrk="1">
+                        <a:defRPr/>
+                      </a:pPr>
+                      <a:endParaRPr lang="ko-KR" altLang="en-US" sz="1200"/>
+                    </a:p>
+                  </a:txBody>
+                  <a:tcPr marL="91440" marR="91440" anchor="ctr"/>
+                </a:tc>
+                <a:tc>
+                  <a:txBody>
+                    <a:bodyPr vert="horz" lIns="91440" tIns="45720" rIns="91440" bIns="45720" anchor="ctr" anchorCtr="0"/>
+                    <a:lstStyle/>
+                    <a:p>
+                      <a:pPr lvl="0" latinLnBrk="1">
+                        <a:defRPr/>
+                      </a:pPr>
+                      <a:endParaRPr lang="ko-KR" altLang="en-US" sz="1200"/>
+                    </a:p>
+                  </a:txBody>
+                  <a:tcPr marL="91440" marR="91440" anchor="ctr"/>
+                </a:tc>
+              </a:tr>
+              <a:tr h="403768">
+                <a:tc>
+                  <a:txBody>
+                    <a:bodyPr vert="horz" lIns="91440" tIns="45720" rIns="91440" bIns="45720" anchor="ctr" anchorCtr="0"/>
+                    <a:lstStyle/>
+                    <a:p>
+                      <a:pPr lvl="0" algn="ctr" latinLnBrk="1">
+                        <a:defRPr/>
+                      </a:pPr>
+                      <a:r>
+                        <a:rPr lang="en-US" altLang="ko-KR" sz="1200"/>
+                        <a:t>15</a:t>
+                      </a:r>
+                      <a:endParaRPr lang="ko-KR" altLang="en-US" sz="1200"/>
+                    </a:p>
+                  </a:txBody>
+                  <a:tcPr marL="91440" marR="91440" anchor="ctr"/>
+                </a:tc>
+                <a:tc>
+                  <a:txBody>
+                    <a:bodyPr vert="horz" lIns="91440" tIns="45720" rIns="91440" bIns="45720" anchor="ctr" anchorCtr="0"/>
+                    <a:lstStyle/>
+                    <a:p>
+                      <a:pPr lvl="0" latinLnBrk="1">
+                        <a:defRPr/>
+                      </a:pPr>
+                      <a:endParaRPr lang="ko-KR" altLang="en-US" sz="1200"/>
+                    </a:p>
+                  </a:txBody>
+                  <a:tcPr marL="91440" marR="91440" anchor="ctr"/>
+                </a:tc>
+                <a:tc>
+                  <a:txBody>
+                    <a:bodyPr vert="horz" lIns="91440" tIns="45720" rIns="91440" bIns="45720" anchor="ctr" anchorCtr="0"/>
+                    <a:lstStyle/>
+                    <a:p>
+                      <a:pPr lvl="0" latinLnBrk="1">
+                        <a:defRPr/>
+                      </a:pPr>
+                      <a:endParaRPr lang="ko-KR" altLang="en-US" sz="1200"/>
+                    </a:p>
+                  </a:txBody>
+                  <a:tcPr marL="91440" marR="91440" anchor="ctr"/>
+                </a:tc>
+              </a:tr>
+            </a:tbl>
+          </a:graphicData>
+        </a:graphic>
+      </p:graphicFrame>
+      <p:sp>
+        <p:nvSpPr>
+          <p:cNvPr id="8" name="TextBox 7"/>
+          <p:cNvSpPr txBox="1"/>
+          <p:nvPr/>
+        </p:nvSpPr>
+        <p:spPr>
+          <a:xfrm>
+            <a:off x="341521" y="825820"/>
+            <a:ext cx="1928090" cy="261610"/>
+          </a:xfrm>
+          <a:prstGeom prst="rect">
+            <a:avLst/>
+          </a:prstGeom>
+          <a:noFill/>
+        </p:spPr>
+        <p:txBody>
+          <a:bodyPr wrap="square" anchor="ctr" anchorCtr="0">
+            <a:spAutoFit/>
+          </a:bodyPr>
+          <a:lstStyle/>
+          <a:p>
+            <a:pPr lvl="0">
+              <a:defRPr/>
+            </a:pPr>
+            <a:r>
+              <a:rPr lang="en-US" altLang="ko-KR" sz="1100" b="1"/>
+              <a:t>4-1. </a:t>
+            </a:r>
+            <a:r>
+              <a:rPr lang="ko-KR" altLang="en-US" sz="1100" b="1"/>
+              <a:t>효과음</a:t>
+            </a:r>
+            <a:endParaRPr lang="ko-KR" altLang="en-US" sz="1100" b="1"/>
+          </a:p>
+        </p:txBody>
+      </p:sp>
+    </p:spTree>
+    <p:extLst>
+      <p:ext uri="{BB962C8B-B14F-4D97-AF65-F5344CB8AC3E}">
+        <p14:creationId xmlns:p14="http://schemas.microsoft.com/office/powerpoint/2010/main" val="3984065498"/>
+      </p:ext>
+    </p:extLst>
+  </p:cSld>
+  <p:clrMapOvr>
+    <a:masterClrMapping/>
+  </p:clrMapOvr>
+</p:sld>
+</file>
+
+<file path=ppt/slides/slide2.xml><?xml version="1.0" encoding="utf-8"?>
+<p:sld xmlns:r="http://schemas.openxmlformats.org/officeDocument/2006/relationships" xmlns:c="http://schemas.openxmlformats.org/drawingml/2006/chart" xmlns:a="http://schemas.openxmlformats.org/drawingml/2006/main" xmlns:dgm="http://schemas.openxmlformats.org/drawingml/2006/diagram" xmlns:dsp="http://schemas.microsoft.com/office/drawing/2008/diagram" xmlns:p="http://schemas.openxmlformats.org/presentationml/2006/main">
+  <p:cSld>
+    <p:spTree>
+      <p:nvGrpSpPr>
+        <p:cNvPr id="1" name=""/>
+        <p:cNvGrpSpPr/>
+        <p:nvPr/>
+      </p:nvGrpSpPr>
+      <p:grpSpPr>
+        <a:xfrm>
+          <a:off x="0" y="0"/>
+          <a:ext cx="0" cy="0"/>
+          <a:chOff x="0" y="0"/>
+          <a:chExt cx="0" cy="0"/>
+        </a:xfrm>
+      </p:grpSpPr>
+      <p:sp>
+        <p:nvSpPr>
+          <p:cNvPr id="6" name="직사각형 5">
+            <a:extLst>
+              <a:ext uri="{FF2B5EF4-FFF2-40B4-BE49-F238E27FC236}">
+                <a16:creationId xmlns:a16="http://schemas.microsoft.com/office/drawing/2014/main" id="{4F8E4DE1-876B-41F1-B152-6C1D61438F86}"/>
+              </a:ext>
+            </a:extLst>
+          </p:cNvPr>
+          <p:cNvSpPr/>
+          <p:nvPr/>
+        </p:nvSpPr>
+        <p:spPr>
+          <a:xfrm rot="16200000" flipV="1">
+            <a:off x="6789421" y="1455420"/>
+            <a:ext cx="6858002" cy="3947163"/>
+          </a:xfrm>
+          <a:prstGeom prst="rect">
+            <a:avLst/>
+          </a:prstGeom>
+          <a:solidFill>
+            <a:schemeClr val="accent5">
+              <a:lumMod val="20000"/>
+              <a:lumOff val="80000"/>
+            </a:schemeClr>
+          </a:solidFill>
+          <a:ln>
+            <a:noFill/>
+          </a:ln>
+        </p:spPr>
+        <p:style>
+          <a:lnRef idx="2">
+            <a:schemeClr val="accent1">
+              <a:shade val="50000"/>
+            </a:schemeClr>
+          </a:lnRef>
+          <a:fillRef idx="1">
+            <a:schemeClr val="accent1"/>
+          </a:fillRef>
+          <a:effectRef idx="0">
+            <a:schemeClr val="accent1"/>
+          </a:effectRef>
+          <a:fontRef idx="minor">
+            <a:schemeClr val="lt1"/>
+          </a:fontRef>
+        </p:style>
+        <p:txBody>
+          <a:bodyPr rtlCol="0" anchor="ctr"/>
+          <a:lstStyle/>
+          <a:p>
+            <a:pPr algn="ctr"/>
+            <a:endParaRPr lang="ko-KR" altLang="en-US"/>
+          </a:p>
+        </p:txBody>
+      </p:sp>
+      <p:sp>
+        <p:nvSpPr>
+          <p:cNvPr id="5" name="직사각형 4">
+            <a:extLst>
+              <a:ext uri="{FF2B5EF4-FFF2-40B4-BE49-F238E27FC236}">
+                <a16:creationId xmlns:a16="http://schemas.microsoft.com/office/drawing/2014/main" id="{7FA934C4-C944-48E9-897A-E273897F1B6C}"/>
+              </a:ext>
+            </a:extLst>
+          </p:cNvPr>
+          <p:cNvSpPr/>
+          <p:nvPr/>
+        </p:nvSpPr>
+        <p:spPr>
+          <a:xfrm rot="16200000" flipV="1">
+            <a:off x="-1455420" y="1455419"/>
+            <a:ext cx="6858002" cy="3947163"/>
+          </a:xfrm>
+          <a:prstGeom prst="rect">
+            <a:avLst/>
+          </a:prstGeom>
+          <a:solidFill>
+            <a:schemeClr val="accent5">
+              <a:lumMod val="20000"/>
+              <a:lumOff val="80000"/>
+            </a:schemeClr>
+          </a:solidFill>
+          <a:ln>
+            <a:noFill/>
+          </a:ln>
+        </p:spPr>
+        <p:style>
+          <a:lnRef idx="2">
+            <a:schemeClr val="accent1">
+              <a:shade val="50000"/>
+            </a:schemeClr>
+          </a:lnRef>
+          <a:fillRef idx="1">
+            <a:schemeClr val="accent1"/>
+          </a:fillRef>
+          <a:effectRef idx="0">
+            <a:schemeClr val="accent1"/>
+          </a:effectRef>
+          <a:fontRef idx="minor">
+            <a:schemeClr val="lt1"/>
+          </a:fontRef>
+        </p:style>
+        <p:txBody>
+          <a:bodyPr rtlCol="0" anchor="ctr"/>
+          <a:lstStyle/>
+          <a:p>
+            <a:pPr algn="ctr"/>
+            <a:endParaRPr lang="ko-KR" altLang="en-US"/>
+          </a:p>
+        </p:txBody>
+      </p:sp>
+      <p:pic>
+        <p:nvPicPr>
+          <p:cNvPr id="4" name="그림 3">
+            <a:extLst>
+              <a:ext uri="{FF2B5EF4-FFF2-40B4-BE49-F238E27FC236}">
+                <a16:creationId xmlns:a16="http://schemas.microsoft.com/office/drawing/2014/main" id="{1E0EBE06-6210-4646-9E67-03926FDDD252}"/>
+              </a:ext>
+            </a:extLst>
+          </p:cNvPr>
+          <p:cNvPicPr>
+            <a:picLocks noChangeAspect="1"/>
+          </p:cNvPicPr>
+          <p:nvPr/>
+        </p:nvPicPr>
+        <p:blipFill>
+          <a:blip r:embed="rId2">
+            <a:alphaModFix amt="60000"/>
+            <a:extLst>
+              <a:ext uri="{28A0092B-C50C-407E-A947-70E740481C1C}">
+                <a14:useLocalDpi xmlns:a14="http://schemas.microsoft.com/office/drawing/2010/main" val="0"/>
+              </a:ext>
+            </a:extLst>
+          </a:blip>
+          <a:stretch>
+            <a:fillRect/>
+          </a:stretch>
+        </p:blipFill>
+        <p:spPr>
+          <a:xfrm>
+            <a:off x="5566409" y="6476474"/>
+            <a:ext cx="1059181" cy="238316"/>
+          </a:xfrm>
+          <a:prstGeom prst="rect">
+            <a:avLst/>
+          </a:prstGeom>
+        </p:spPr>
+      </p:pic>
+      <p:sp>
+        <p:nvSpPr>
+          <p:cNvPr id="7" name="TextBox 6"/>
+          <p:cNvSpPr txBox="1"/>
+          <p:nvPr/>
+        </p:nvSpPr>
+        <p:spPr>
+          <a:xfrm>
+            <a:off x="5105402" y="2751078"/>
+            <a:ext cx="1981198" cy="1733292"/>
+          </a:xfrm>
+          <a:prstGeom prst="rect">
+            <a:avLst/>
+          </a:prstGeom>
+          <a:noFill/>
+        </p:spPr>
+        <p:txBody>
+          <a:bodyPr wrap="square">
+            <a:spAutoFit/>
+          </a:bodyPr>
+          <a:lstStyle/>
+          <a:p>
+            <a:pPr marL="342900" lvl="0" indent="-342900">
+              <a:lnSpc>
+                <a:spcPct val="150000"/>
+              </a:lnSpc>
+              <a:buAutoNum type="arabicPeriod"/>
+              <a:defRPr/>
+            </a:pPr>
+            <a:r>
+              <a:rPr lang="ko-KR" altLang="en-US" b="1"/>
+              <a:t>스토리 </a:t>
+            </a:r>
+            <a:endParaRPr lang="ko-KR" altLang="en-US" b="1"/>
+          </a:p>
+          <a:p>
+            <a:pPr marL="342900" lvl="0" indent="-342900">
+              <a:lnSpc>
+                <a:spcPct val="150000"/>
+              </a:lnSpc>
+              <a:buAutoNum type="arabicPeriod"/>
+              <a:defRPr/>
+            </a:pPr>
+            <a:r>
+              <a:rPr lang="ko-KR" altLang="en-US" b="1"/>
+              <a:t>캐릭터 설정</a:t>
+            </a:r>
+            <a:endParaRPr lang="ko-KR" altLang="en-US" b="1"/>
+          </a:p>
+          <a:p>
+            <a:pPr marL="342900" lvl="0" indent="-342900">
+              <a:lnSpc>
+                <a:spcPct val="150000"/>
+              </a:lnSpc>
+              <a:buAutoNum type="arabicPeriod"/>
+              <a:defRPr/>
+            </a:pPr>
+            <a:r>
+              <a:rPr lang="ko-KR" altLang="en-US" b="1"/>
+              <a:t>배경요소 설정</a:t>
+            </a:r>
+            <a:endParaRPr lang="ko-KR" altLang="en-US" b="1"/>
+          </a:p>
+          <a:p>
+            <a:pPr marL="342900" lvl="0" indent="-342900">
+              <a:lnSpc>
+                <a:spcPct val="150000"/>
+              </a:lnSpc>
+              <a:buAutoNum type="arabicPeriod"/>
+              <a:defRPr/>
+            </a:pPr>
+            <a:r>
+              <a:rPr lang="ko-KR" altLang="en-US" b="1"/>
+              <a:t>필요한 부분</a:t>
+            </a:r>
+            <a:endParaRPr lang="ko-KR" altLang="en-US" b="1"/>
+          </a:p>
+        </p:txBody>
+      </p:sp>
+      <p:sp>
+        <p:nvSpPr>
+          <p:cNvPr id="8" name="TextBox 7">
+            <a:extLst>
+              <a:ext uri="{FF2B5EF4-FFF2-40B4-BE49-F238E27FC236}">
+                <a16:creationId xmlns:a16="http://schemas.microsoft.com/office/drawing/2014/main" id="{15016BD1-1D96-41DE-8FEB-B4896A193A10}"/>
+              </a:ext>
+            </a:extLst>
+          </p:cNvPr>
+          <p:cNvSpPr txBox="1"/>
+          <p:nvPr/>
+        </p:nvSpPr>
+        <p:spPr>
+          <a:xfrm>
+            <a:off x="1438912" y="3198166"/>
+            <a:ext cx="1069338" cy="461665"/>
+          </a:xfrm>
+          <a:prstGeom prst="rect">
+            <a:avLst/>
+          </a:prstGeom>
+          <a:noFill/>
+        </p:spPr>
+        <p:txBody>
+          <a:bodyPr wrap="square" rtlCol="0">
+            <a:spAutoFit/>
+          </a:bodyPr>
+          <a:lstStyle/>
+          <a:p>
+            <a:pPr algn="ctr"/>
+            <a:r>
+              <a:rPr lang="ko-KR" altLang="en-US" sz="2400" b="1" dirty="0"/>
+              <a:t>목차</a:t>
+            </a:r>
+            <a:endParaRPr lang="en-US" altLang="ko-KR" sz="2400" b="1" dirty="0"/>
+          </a:p>
+        </p:txBody>
+      </p:sp>
+    </p:spTree>
+    <p:extLst>
+      <p:ext uri="{BB962C8B-B14F-4D97-AF65-F5344CB8AC3E}">
+        <p14:creationId xmlns:p14="http://schemas.microsoft.com/office/powerpoint/2010/main" val="2589037712"/>
+      </p:ext>
+    </p:extLst>
+  </p:cSld>
+  <p:clrMapOvr>
+    <a:masterClrMapping/>
+  </p:clrMapOvr>
+</p:sld>
+</file>
+
+<file path=ppt/slides/slide20.xml><?xml version="1.0" encoding="utf-8"?>
+<p:sld xmlns:r="http://schemas.openxmlformats.org/officeDocument/2006/relationships" xmlns:c="http://schemas.openxmlformats.org/drawingml/2006/chart" xmlns:a="http://schemas.openxmlformats.org/drawingml/2006/main" xmlns:dgm="http://schemas.openxmlformats.org/drawingml/2006/diagram" xmlns:dsp="http://schemas.microsoft.com/office/drawing/2008/diagram" xmlns:p="http://schemas.openxmlformats.org/presentationml/2006/main">
+  <p:cSld>
+    <p:spTree>
+      <p:nvGrpSpPr>
+        <p:cNvPr id="1" name=""/>
+        <p:cNvGrpSpPr/>
+        <p:nvPr/>
+      </p:nvGrpSpPr>
+      <p:grpSpPr>
+        <a:xfrm>
+          <a:off x="0" y="0"/>
+          <a:ext cx="0" cy="0"/>
+          <a:chOff x="0" y="0"/>
+          <a:chExt cx="0" cy="0"/>
+        </a:xfrm>
+      </p:grpSpPr>
+      <p:sp>
+        <p:nvSpPr>
+          <p:cNvPr id="5" name="직사각형 4"/>
+          <p:cNvSpPr/>
+          <p:nvPr/>
+        </p:nvSpPr>
+        <p:spPr>
+          <a:xfrm flipV="1">
+            <a:off x="0" y="-3"/>
+            <a:ext cx="12192000" cy="552452"/>
+          </a:xfrm>
+          <a:prstGeom prst="rect">
+            <a:avLst/>
+          </a:prstGeom>
+          <a:solidFill>
+            <a:schemeClr val="accent5">
+              <a:lumMod val="20000"/>
+              <a:lumOff val="80000"/>
+            </a:schemeClr>
+          </a:solidFill>
+          <a:ln>
+            <a:noFill/>
+          </a:ln>
+        </p:spPr>
+        <p:style>
+          <a:lnRef idx="2">
+            <a:schemeClr val="accent1">
+              <a:shade val="50000"/>
+            </a:schemeClr>
+          </a:lnRef>
+          <a:fillRef idx="1">
+            <a:schemeClr val="accent1"/>
+          </a:fillRef>
+          <a:effectRef idx="0">
+            <a:schemeClr val="accent1"/>
+          </a:effectRef>
+          <a:fontRef idx="minor">
+            <a:schemeClr val="lt1"/>
+          </a:fontRef>
+        </p:style>
+        <p:txBody>
+          <a:bodyPr anchor="ctr"/>
+          <a:lstStyle/>
+          <a:p>
+            <a:pPr lvl="0" algn="ctr">
+              <a:defRPr/>
+            </a:pPr>
+            <a:endParaRPr lang="ko-KR" altLang="en-US"/>
+          </a:p>
+        </p:txBody>
+      </p:sp>
+      <p:pic>
+        <p:nvPicPr>
+          <p:cNvPr id="4" name="그림 3"/>
+          <p:cNvPicPr>
+            <a:picLocks noChangeAspect="1"/>
+          </p:cNvPicPr>
+          <p:nvPr/>
+        </p:nvPicPr>
+        <p:blipFill rotWithShape="1">
+          <a:blip r:embed="rId2">
+            <a:alphaModFix amt="60000"/>
+          </a:blip>
+          <a:stretch>
+            <a:fillRect/>
+          </a:stretch>
+        </p:blipFill>
+        <p:spPr>
+          <a:xfrm>
+            <a:off x="10900409" y="151874"/>
+            <a:ext cx="1059181" cy="238316"/>
+          </a:xfrm>
+          <a:prstGeom prst="rect">
+            <a:avLst/>
+          </a:prstGeom>
+        </p:spPr>
+      </p:pic>
+      <p:sp>
+        <p:nvSpPr>
+          <p:cNvPr id="7" name="TextBox 6"/>
+          <p:cNvSpPr txBox="1"/>
+          <p:nvPr/>
+        </p:nvSpPr>
+        <p:spPr>
+          <a:xfrm>
+            <a:off x="320588" y="101755"/>
+            <a:ext cx="1928090" cy="338554"/>
+          </a:xfrm>
+          <a:prstGeom prst="rect">
+            <a:avLst/>
+          </a:prstGeom>
+          <a:noFill/>
+        </p:spPr>
+        <p:txBody>
+          <a:bodyPr wrap="square" anchor="ctr" anchorCtr="0">
+            <a:spAutoFit/>
+          </a:bodyPr>
+          <a:lstStyle/>
+          <a:p>
+            <a:pPr lvl="0">
+              <a:defRPr/>
+            </a:pPr>
+            <a:r>
+              <a:rPr lang="en-US" altLang="ko-KR" sz="1600" b="1">
+                <a:latin typeface="+mj-lt"/>
+              </a:rPr>
+              <a:t>4.</a:t>
+            </a:r>
+            <a:r>
+              <a:rPr lang="ko-KR" altLang="en-US" sz="1600" b="1">
+                <a:latin typeface="+mj-lt"/>
+              </a:rPr>
+              <a:t> 필요한 부분</a:t>
+            </a:r>
+            <a:endParaRPr lang="ko-KR" altLang="en-US" sz="1600" b="1">
+              <a:latin typeface="+mj-lt"/>
+            </a:endParaRPr>
+          </a:p>
+        </p:txBody>
+      </p:sp>
+      <p:graphicFrame>
+        <p:nvGraphicFramePr>
+          <p:cNvPr id="2" name="표 2"/>
+          <p:cNvGraphicFramePr>
+            <a:graphicFrameLocks noGrp="1"/>
+          </p:cNvGraphicFramePr>
+          <p:nvPr/>
+        </p:nvGraphicFramePr>
+        <p:xfrm>
+          <a:off x="320588" y="1399366"/>
+          <a:ext cx="11019777" cy="4989801"/>
+        </p:xfrm>
+        <a:graphic>
+          <a:graphicData uri="http://schemas.openxmlformats.org/drawingml/2006/table">
+            <a:tbl>
+              <a:tblPr firstRow="1" bandRow="1">
+                <a:tableStyleId>{5C22544A-7EE6-4342-B048-85BDC9FD1C3A}</a:tableStyleId>
+              </a:tblPr>
+              <a:tblGrid>
+                <a:gridCol w="439353"/>
+                <a:gridCol w="1740688"/>
+                <a:gridCol w="623486"/>
+                <a:gridCol w="8216250"/>
+              </a:tblGrid>
+              <a:tr h="302427">
+                <a:tc>
+                  <a:txBody>
+                    <a:bodyPr vert="horz" lIns="91440" tIns="45720" rIns="91440" bIns="45720" anchor="ctr" anchorCtr="0"/>
+                    <a:lstStyle/>
+                    <a:p>
+                      <a:pPr lvl="0" algn="ctr" latinLnBrk="1">
+                        <a:defRPr/>
+                      </a:pPr>
+                      <a:r>
+                        <a:rPr lang="en-US" altLang="ko-KR" sz="1200">
+                          <a:solidFill>
+                            <a:schemeClr val="tx1"/>
+                          </a:solidFill>
+                        </a:rPr>
+                        <a:t>No</a:t>
+                      </a:r>
+                      <a:endParaRPr lang="ko-KR" altLang="en-US" sz="1200">
+                        <a:solidFill>
+                          <a:schemeClr val="tx1"/>
+                        </a:solidFill>
+                      </a:endParaRPr>
+                    </a:p>
+                  </a:txBody>
+                  <a:tcPr marL="91440" marR="91440" anchor="ctr">
+                    <a:solidFill>
+                      <a:schemeClr val="accent1">
+                        <a:lumMod val="40000"/>
+                        <a:lumOff val="60000"/>
+                      </a:schemeClr>
+                    </a:solidFill>
+                  </a:tcPr>
+                </a:tc>
+                <a:tc>
+                  <a:txBody>
+                    <a:bodyPr vert="horz" lIns="91440" tIns="45720" rIns="91440" bIns="45720" anchor="ctr" anchorCtr="0"/>
+                    <a:lstStyle/>
+                    <a:p>
+                      <a:pPr lvl="0" algn="l" latinLnBrk="1">
+                        <a:defRPr/>
+                      </a:pPr>
+                      <a:r>
+                        <a:rPr lang="ko-KR" altLang="en-US" sz="1200">
+                          <a:solidFill>
+                            <a:schemeClr val="tx1"/>
+                          </a:solidFill>
+                        </a:rPr>
+                        <a:t>요소</a:t>
+                      </a:r>
+                      <a:endParaRPr lang="ko-KR" altLang="en-US" sz="1200">
+                        <a:solidFill>
+                          <a:schemeClr val="tx1"/>
+                        </a:solidFill>
+                      </a:endParaRPr>
+                    </a:p>
+                  </a:txBody>
+                  <a:tcPr marL="91440" marR="91440" anchor="ctr">
+                    <a:solidFill>
+                      <a:schemeClr val="accent1">
+                        <a:lumMod val="40000"/>
+                        <a:lumOff val="60000"/>
+                      </a:schemeClr>
+                    </a:solidFill>
+                  </a:tcPr>
+                </a:tc>
+                <a:tc>
+                  <a:txBody>
+                    <a:bodyPr vert="horz" lIns="91440" tIns="45720" rIns="91440" bIns="45720" anchor="ctr" anchorCtr="0"/>
+                    <a:lstStyle/>
+                    <a:p>
+                      <a:pPr lvl="0" algn="l" latinLnBrk="1">
+                        <a:defRPr/>
+                      </a:pPr>
+                      <a:r>
+                        <a:rPr lang="ko-KR" altLang="en-US" sz="1200">
+                          <a:solidFill>
+                            <a:schemeClr val="tx1"/>
+                          </a:solidFill>
+                        </a:rPr>
+                        <a:t>챕터</a:t>
+                      </a:r>
+                      <a:endParaRPr lang="ko-KR" altLang="en-US" sz="1200">
+                        <a:solidFill>
+                          <a:schemeClr val="tx1"/>
+                        </a:solidFill>
+                      </a:endParaRPr>
+                    </a:p>
+                  </a:txBody>
+                  <a:tcPr marL="91440" marR="91440" anchor="ctr">
+                    <a:solidFill>
+                      <a:schemeClr val="accent1">
+                        <a:lumMod val="40000"/>
+                        <a:lumOff val="60000"/>
+                      </a:schemeClr>
+                    </a:solidFill>
+                  </a:tcPr>
+                </a:tc>
+                <a:tc>
+                  <a:txBody>
+                    <a:bodyPr vert="horz" lIns="91440" tIns="45720" rIns="91440" bIns="45720" anchor="ctr" anchorCtr="0"/>
+                    <a:lstStyle/>
+                    <a:p>
+                      <a:pPr lvl="0" algn="l" latinLnBrk="1">
+                        <a:defRPr/>
+                      </a:pPr>
+                      <a:r>
+                        <a:rPr lang="ko-KR" altLang="en-US" sz="1200">
+                          <a:solidFill>
+                            <a:schemeClr val="tx1"/>
+                          </a:solidFill>
+                        </a:rPr>
+                        <a:t>내용</a:t>
+                      </a:r>
+                      <a:endParaRPr lang="ko-KR" altLang="en-US" sz="1200">
+                        <a:solidFill>
+                          <a:schemeClr val="tx1"/>
+                        </a:solidFill>
+                      </a:endParaRPr>
+                    </a:p>
+                  </a:txBody>
+                  <a:tcPr marL="91440" marR="91440" anchor="ctr">
+                    <a:solidFill>
+                      <a:schemeClr val="accent1">
+                        <a:lumMod val="40000"/>
+                        <a:lumOff val="60000"/>
+                      </a:schemeClr>
+                    </a:solidFill>
+                  </a:tcPr>
+                </a:tc>
+              </a:tr>
+              <a:tr h="302427">
+                <a:tc>
+                  <a:txBody>
+                    <a:bodyPr vert="horz" lIns="91440" tIns="45720" rIns="91440" bIns="45720" anchor="ctr" anchorCtr="0"/>
+                    <a:lstStyle/>
+                    <a:p>
+                      <a:pPr lvl="0" algn="ctr" latinLnBrk="1">
+                        <a:defRPr/>
+                      </a:pPr>
+                      <a:r>
+                        <a:rPr lang="en-US" altLang="ko-KR" sz="1200"/>
+                        <a:t>1</a:t>
+                      </a:r>
+                      <a:endParaRPr lang="ko-KR" altLang="en-US" sz="1200"/>
+                    </a:p>
+                  </a:txBody>
+                  <a:tcPr marL="91440" marR="91440" anchor="ctr"/>
+                </a:tc>
+                <a:tc>
+                  <a:txBody>
+                    <a:bodyPr vert="horz" lIns="91440" tIns="45720" rIns="91440" bIns="45720" anchor="ctr" anchorCtr="0"/>
+                    <a:lstStyle/>
+                    <a:p>
+                      <a:pPr lvl="0" latinLnBrk="1">
+                        <a:defRPr/>
+                      </a:pPr>
+                      <a:r>
+                        <a:rPr lang="ko-KR" altLang="en-US" sz="1200"/>
+                        <a:t>타이틀 화면</a:t>
+                      </a:r>
+                      <a:endParaRPr lang="ko-KR" altLang="en-US" sz="1200"/>
+                    </a:p>
+                  </a:txBody>
+                  <a:tcPr marL="91440" marR="91440" anchor="ctr"/>
+                </a:tc>
+                <a:tc>
+                  <a:txBody>
+                    <a:bodyPr vert="horz" lIns="91440" tIns="45720" rIns="91440" bIns="45720" anchor="ctr" anchorCtr="0"/>
+                    <a:lstStyle/>
+                    <a:p>
+                      <a:pPr lvl="0" latinLnBrk="1">
+                        <a:defRPr/>
+                      </a:pPr>
+                      <a:r>
+                        <a:rPr lang="en-US" altLang="ko-KR" sz="1200"/>
+                        <a:t>-</a:t>
+                      </a:r>
+                      <a:endParaRPr lang="en-US" altLang="ko-KR" sz="1200"/>
+                    </a:p>
+                  </a:txBody>
+                  <a:tcPr marL="91440" marR="91440" anchor="ctr"/>
+                </a:tc>
+                <a:tc>
+                  <a:txBody>
+                    <a:bodyPr vert="horz" lIns="91440" tIns="45720" rIns="91440" bIns="45720" anchor="ctr" anchorCtr="0"/>
+                    <a:lstStyle/>
+                    <a:p>
+                      <a:pPr lvl="0" latinLnBrk="1">
+                        <a:defRPr/>
+                      </a:pPr>
+                      <a:endParaRPr lang="ko-KR" altLang="en-US" sz="1200"/>
+                    </a:p>
+                  </a:txBody>
+                  <a:tcPr marL="91440" marR="91440" anchor="ctr"/>
+                </a:tc>
+              </a:tr>
+              <a:tr h="302427">
+                <a:tc>
+                  <a:txBody>
+                    <a:bodyPr vert="horz" lIns="91440" tIns="45720" rIns="91440" bIns="45720" anchor="ctr" anchorCtr="0"/>
+                    <a:lstStyle/>
+                    <a:p>
+                      <a:pPr lvl="0" algn="ctr" latinLnBrk="1">
+                        <a:defRPr/>
+                      </a:pPr>
+                      <a:r>
+                        <a:rPr lang="en-US" altLang="ko-KR" sz="1200"/>
+                        <a:t>2</a:t>
+                      </a:r>
+                      <a:endParaRPr lang="ko-KR" altLang="en-US" sz="1200"/>
+                    </a:p>
+                  </a:txBody>
+                  <a:tcPr marL="91440" marR="91440" anchor="ctr"/>
+                </a:tc>
+                <a:tc>
+                  <a:txBody>
+                    <a:bodyPr vert="horz" lIns="91440" tIns="45720" rIns="91440" bIns="45720" anchor="ctr" anchorCtr="0"/>
+                    <a:lstStyle/>
+                    <a:p>
+                      <a:pPr lvl="0" latinLnBrk="1">
+                        <a:defRPr/>
+                      </a:pPr>
+                      <a:r>
+                        <a:rPr lang="ko-KR" altLang="en-US" sz="1200"/>
+                        <a:t>마당</a:t>
+                      </a:r>
+                      <a:r>
+                        <a:rPr lang="en-US" altLang="ko-KR" sz="1200"/>
+                        <a:t>(</a:t>
+                      </a:r>
+                      <a:r>
+                        <a:rPr lang="ko-KR" altLang="en-US" sz="1200"/>
+                        <a:t>정원</a:t>
+                      </a:r>
+                      <a:r>
+                        <a:rPr lang="en-US" altLang="ko-KR" sz="1200"/>
+                        <a:t>)</a:t>
+                      </a:r>
+                      <a:r>
+                        <a:rPr lang="ko-KR" altLang="en-US" sz="1200"/>
+                        <a:t>에서 사진찍는 씬 </a:t>
+                      </a:r>
+                      <a:endParaRPr lang="ko-KR" altLang="en-US" sz="1200"/>
+                    </a:p>
+                  </a:txBody>
+                  <a:tcPr marL="91440" marR="91440" anchor="ctr"/>
+                </a:tc>
+                <a:tc>
+                  <a:txBody>
+                    <a:bodyPr vert="horz" lIns="91440" tIns="45720" rIns="91440" bIns="45720" anchor="ctr" anchorCtr="0"/>
+                    <a:lstStyle/>
+                    <a:p>
+                      <a:pPr lvl="0" latinLnBrk="1">
+                        <a:defRPr/>
+                      </a:pPr>
+                      <a:r>
+                        <a:rPr lang="en-US" altLang="ko-KR" sz="1200"/>
+                        <a:t>1</a:t>
+                      </a:r>
+                      <a:endParaRPr lang="en-US" altLang="ko-KR" sz="1200"/>
+                    </a:p>
+                  </a:txBody>
+                  <a:tcPr marL="91440" marR="91440" anchor="ctr"/>
+                </a:tc>
+                <a:tc>
+                  <a:txBody>
+                    <a:bodyPr vert="horz" lIns="91440" tIns="45720" rIns="91440" bIns="45720" anchor="ctr" anchorCtr="0"/>
+                    <a:lstStyle/>
+                    <a:p>
+                      <a:pPr lvl="0" latinLnBrk="1">
+                        <a:defRPr/>
+                      </a:pPr>
+                      <a:r>
+                        <a:rPr lang="en-US" altLang="ko-KR" sz="1200"/>
+                        <a:t>(+</a:t>
+                      </a:r>
+                      <a:r>
+                        <a:rPr lang="ko-KR" altLang="en-US" sz="1200"/>
+                        <a:t>설명 사진 첨부</a:t>
+                      </a:r>
+                      <a:r>
+                        <a:rPr lang="en-US" altLang="ko-KR" sz="1200"/>
+                        <a:t>)</a:t>
+                      </a:r>
+                      <a:endParaRPr lang="ko-KR" altLang="en-US" sz="1200"/>
+                    </a:p>
+                  </a:txBody>
+                  <a:tcPr marL="91440" marR="91440" anchor="ctr"/>
+                </a:tc>
+              </a:tr>
+              <a:tr h="302427">
+                <a:tc>
+                  <a:txBody>
+                    <a:bodyPr vert="horz" lIns="91440" tIns="45720" rIns="91440" bIns="45720" anchor="ctr" anchorCtr="0"/>
+                    <a:lstStyle/>
+                    <a:p>
+                      <a:pPr lvl="0" algn="ctr" latinLnBrk="1">
+                        <a:defRPr/>
+                      </a:pPr>
+                      <a:r>
+                        <a:rPr lang="en-US" altLang="ko-KR" sz="1200"/>
+                        <a:t>3</a:t>
+                      </a:r>
+                      <a:endParaRPr lang="ko-KR" altLang="en-US" sz="1200"/>
+                    </a:p>
+                  </a:txBody>
+                  <a:tcPr marL="91440" marR="91440" anchor="ctr"/>
+                </a:tc>
+                <a:tc>
+                  <a:txBody>
+                    <a:bodyPr vert="horz" lIns="91440" tIns="45720" rIns="91440" bIns="45720" anchor="ctr" anchorCtr="0"/>
+                    <a:lstStyle/>
+                    <a:p>
+                      <a:pPr lvl="0" latinLnBrk="1">
+                        <a:defRPr/>
+                      </a:pPr>
+                      <a:r>
+                        <a:rPr lang="ko-KR" altLang="en-US" sz="1200"/>
+                        <a:t>생일날 기억</a:t>
+                      </a:r>
+                      <a:endParaRPr lang="ko-KR" altLang="en-US" sz="1200"/>
+                    </a:p>
+                  </a:txBody>
+                  <a:tcPr marL="91440" marR="91440" anchor="ctr"/>
+                </a:tc>
+                <a:tc>
+                  <a:txBody>
+                    <a:bodyPr vert="horz" lIns="91440" tIns="45720" rIns="91440" bIns="45720" anchor="ctr" anchorCtr="0"/>
+                    <a:lstStyle/>
+                    <a:p>
+                      <a:pPr lvl="0" latinLnBrk="1">
+                        <a:defRPr/>
+                      </a:pPr>
+                      <a:r>
+                        <a:rPr lang="en-US" altLang="ko-KR" sz="1200"/>
+                        <a:t>1</a:t>
+                      </a:r>
+                      <a:endParaRPr lang="en-US" altLang="ko-KR" sz="1200"/>
+                    </a:p>
+                  </a:txBody>
+                  <a:tcPr marL="91440" marR="91440" anchor="ctr"/>
+                </a:tc>
+                <a:tc>
+                  <a:txBody>
+                    <a:bodyPr vert="horz" lIns="91440" tIns="45720" rIns="91440" bIns="45720" anchor="ctr" anchorCtr="0"/>
+                    <a:lstStyle/>
+                    <a:p>
+                      <a:pPr lvl="0" latinLnBrk="1">
+                        <a:defRPr/>
+                      </a:pPr>
+                      <a:r>
+                        <a:rPr lang="ko-KR" altLang="en-US" sz="1200"/>
+                        <a:t>첫번째로 얻는 기억 </a:t>
+                      </a:r>
+                      <a:r>
+                        <a:rPr lang="en-US" altLang="ko-KR" sz="1200"/>
+                        <a:t>(+</a:t>
+                      </a:r>
+                      <a:r>
+                        <a:rPr lang="ko-KR" altLang="en-US" sz="1200"/>
+                        <a:t>설명 사진 첨부</a:t>
+                      </a:r>
+                      <a:r>
+                        <a:rPr lang="en-US" altLang="ko-KR" sz="1200"/>
+                        <a:t>)</a:t>
+                      </a:r>
+                      <a:endParaRPr lang="en-US" altLang="ko-KR" sz="1200"/>
+                    </a:p>
+                  </a:txBody>
+                  <a:tcPr marL="91440" marR="91440" anchor="ctr"/>
+                </a:tc>
+              </a:tr>
+              <a:tr h="302427">
+                <a:tc>
+                  <a:txBody>
+                    <a:bodyPr vert="horz" lIns="91440" tIns="45720" rIns="91440" bIns="45720" anchor="ctr" anchorCtr="0"/>
+                    <a:lstStyle/>
+                    <a:p>
+                      <a:pPr lvl="0" algn="ctr" latinLnBrk="1">
+                        <a:defRPr/>
+                      </a:pPr>
+                      <a:r>
+                        <a:rPr lang="en-US" altLang="ko-KR" sz="1200"/>
+                        <a:t>4</a:t>
+                      </a:r>
+                      <a:endParaRPr lang="ko-KR" altLang="en-US" sz="1200"/>
+                    </a:p>
+                  </a:txBody>
+                  <a:tcPr marL="91440" marR="91440" anchor="ctr"/>
+                </a:tc>
+                <a:tc>
+                  <a:txBody>
+                    <a:bodyPr vert="horz" lIns="91440" tIns="45720" rIns="91440" bIns="45720" anchor="ctr" anchorCtr="0"/>
+                    <a:lstStyle/>
+                    <a:p>
+                      <a:pPr lvl="0" latinLnBrk="1">
+                        <a:defRPr/>
+                      </a:pPr>
+                      <a:r>
+                        <a:rPr lang="ko-KR" altLang="en-US" sz="1200"/>
+                        <a:t>계단</a:t>
+                      </a:r>
+                      <a:endParaRPr lang="ko-KR" altLang="en-US" sz="1200"/>
+                    </a:p>
+                  </a:txBody>
+                  <a:tcPr marL="91440" marR="91440" anchor="ctr"/>
+                </a:tc>
+                <a:tc>
+                  <a:txBody>
+                    <a:bodyPr vert="horz" lIns="91440" tIns="45720" rIns="91440" bIns="45720" anchor="ctr" anchorCtr="0"/>
+                    <a:lstStyle/>
+                    <a:p>
+                      <a:pPr lvl="0" latinLnBrk="1">
+                        <a:defRPr/>
+                      </a:pPr>
+                      <a:r>
+                        <a:rPr lang="en-US" altLang="ko-KR" sz="1200"/>
+                        <a:t>-</a:t>
+                      </a:r>
+                      <a:endParaRPr lang="en-US" altLang="ko-KR" sz="1200"/>
+                    </a:p>
+                  </a:txBody>
+                  <a:tcPr marL="91440" marR="91440" anchor="ctr"/>
+                </a:tc>
+                <a:tc>
+                  <a:txBody>
+                    <a:bodyPr vert="horz" lIns="91440" tIns="45720" rIns="91440" bIns="45720" anchor="ctr" anchorCtr="0"/>
+                    <a:lstStyle/>
+                    <a:p>
+                      <a:pPr lvl="0" latinLnBrk="1">
+                        <a:defRPr/>
+                      </a:pPr>
+                      <a:r>
+                        <a:rPr lang="en-US" altLang="ko-KR" sz="1200"/>
+                        <a:t>1</a:t>
+                      </a:r>
+                      <a:r>
+                        <a:rPr lang="ko-KR" altLang="en-US" sz="1200"/>
+                        <a:t>층과 </a:t>
+                      </a:r>
+                      <a:r>
+                        <a:rPr lang="en-US" altLang="ko-KR" sz="1200"/>
+                        <a:t>2</a:t>
+                      </a:r>
+                      <a:r>
+                        <a:rPr lang="ko-KR" altLang="en-US" sz="1200"/>
+                        <a:t>층을 오가는 곳</a:t>
+                      </a:r>
+                      <a:r>
+                        <a:rPr lang="en-US" altLang="ko-KR" sz="1200"/>
+                        <a:t>,</a:t>
+                      </a:r>
+                      <a:r>
+                        <a:rPr lang="ko-KR" altLang="en-US" sz="1200"/>
+                        <a:t> 괴물이 던진 상자로 길이 막힘</a:t>
+                      </a:r>
+                      <a:r>
+                        <a:rPr lang="en-US" altLang="ko-KR" sz="1200"/>
+                        <a:t>.</a:t>
+                      </a:r>
+                      <a:endParaRPr lang="en-US" altLang="ko-KR" sz="1200"/>
+                    </a:p>
+                  </a:txBody>
+                  <a:tcPr marL="91440" marR="91440" anchor="ctr"/>
+                </a:tc>
+              </a:tr>
+              <a:tr h="302427">
+                <a:tc>
+                  <a:txBody>
+                    <a:bodyPr vert="horz" lIns="91440" tIns="45720" rIns="91440" bIns="45720" anchor="ctr" anchorCtr="0"/>
+                    <a:lstStyle/>
+                    <a:p>
+                      <a:pPr lvl="0" algn="ctr" latinLnBrk="1">
+                        <a:defRPr/>
+                      </a:pPr>
+                      <a:r>
+                        <a:rPr lang="en-US" altLang="ko-KR" sz="1200"/>
+                        <a:t>5</a:t>
+                      </a:r>
+                      <a:endParaRPr lang="ko-KR" altLang="en-US" sz="1200"/>
+                    </a:p>
+                  </a:txBody>
+                  <a:tcPr marL="91440" marR="91440" anchor="ctr"/>
+                </a:tc>
+                <a:tc>
+                  <a:txBody>
+                    <a:bodyPr vert="horz" lIns="91440" tIns="45720" rIns="91440" bIns="45720" anchor="ctr" anchorCtr="0"/>
+                    <a:lstStyle/>
+                    <a:p>
+                      <a:pPr lvl="0" latinLnBrk="1">
+                        <a:defRPr/>
+                      </a:pPr>
+                      <a:r>
+                        <a:rPr lang="ko-KR" altLang="en-US" sz="1200"/>
+                        <a:t>상자</a:t>
+                      </a:r>
+                      <a:endParaRPr lang="ko-KR" altLang="en-US" sz="1200"/>
+                    </a:p>
+                  </a:txBody>
+                  <a:tcPr marL="91440" marR="91440" anchor="ctr"/>
+                </a:tc>
+                <a:tc>
+                  <a:txBody>
+                    <a:bodyPr vert="horz" lIns="91440" tIns="45720" rIns="91440" bIns="45720" anchor="ctr" anchorCtr="0"/>
+                    <a:lstStyle/>
+                    <a:p>
+                      <a:pPr lvl="0" latinLnBrk="1">
+                        <a:defRPr/>
+                      </a:pPr>
+                      <a:r>
+                        <a:rPr lang="en-US" altLang="ko-KR" sz="1200"/>
+                        <a:t>-</a:t>
+                      </a:r>
+                      <a:endParaRPr lang="en-US" altLang="ko-KR" sz="1200"/>
+                    </a:p>
+                  </a:txBody>
+                  <a:tcPr marL="91440" marR="91440" anchor="ctr"/>
+                </a:tc>
+                <a:tc>
+                  <a:txBody>
+                    <a:bodyPr vert="horz" lIns="91440" tIns="45720" rIns="91440" bIns="45720" anchor="ctr" anchorCtr="0"/>
+                    <a:lstStyle/>
+                    <a:p>
+                      <a:pPr lvl="0" latinLnBrk="1">
+                        <a:defRPr/>
+                      </a:pPr>
+                      <a:r>
+                        <a:rPr lang="ko-KR" altLang="en-US" sz="1200"/>
+                        <a:t>복도 곳곳에 놓여져</a:t>
+                      </a:r>
+                      <a:r>
+                        <a:rPr lang="en-US" altLang="ko-KR" sz="1200"/>
+                        <a:t>,</a:t>
+                      </a:r>
+                      <a:r>
+                        <a:rPr lang="ko-KR" altLang="en-US" sz="1200"/>
+                        <a:t> 길을 가는데 방해</a:t>
+                      </a:r>
+                      <a:r>
+                        <a:rPr lang="en-US" altLang="ko-KR" sz="1200"/>
+                        <a:t>.</a:t>
+                      </a:r>
+                      <a:r>
+                        <a:rPr lang="ko-KR" altLang="en-US" sz="1200"/>
+                        <a:t> </a:t>
+                      </a:r>
+                      <a:endParaRPr lang="ko-KR" altLang="en-US" sz="1200"/>
+                    </a:p>
+                  </a:txBody>
+                  <a:tcPr marL="91440" marR="91440" anchor="ctr"/>
+                </a:tc>
+              </a:tr>
+              <a:tr h="302427">
+                <a:tc>
+                  <a:txBody>
+                    <a:bodyPr vert="horz" lIns="91440" tIns="45720" rIns="91440" bIns="45720" anchor="ctr" anchorCtr="0"/>
+                    <a:lstStyle/>
+                    <a:p>
+                      <a:pPr lvl="0" algn="ctr" latinLnBrk="1">
+                        <a:defRPr/>
+                      </a:pPr>
+                      <a:r>
+                        <a:rPr lang="en-US" altLang="ko-KR" sz="1200"/>
+                        <a:t>6</a:t>
+                      </a:r>
+                      <a:endParaRPr lang="ko-KR" altLang="en-US" sz="1200"/>
+                    </a:p>
+                  </a:txBody>
+                  <a:tcPr marL="91440" marR="91440" anchor="ctr"/>
+                </a:tc>
+                <a:tc>
+                  <a:txBody>
+                    <a:bodyPr vert="horz" lIns="91440" tIns="45720" rIns="91440" bIns="45720" anchor="ctr" anchorCtr="0"/>
+                    <a:lstStyle/>
+                    <a:p>
+                      <a:pPr lvl="0" latinLnBrk="1">
+                        <a:defRPr/>
+                      </a:pPr>
+                      <a:r>
+                        <a:rPr lang="ko-KR" altLang="en-US" sz="1200"/>
+                        <a:t>구멍</a:t>
+                      </a:r>
+                      <a:endParaRPr lang="ko-KR" altLang="en-US" sz="1200"/>
+                    </a:p>
+                  </a:txBody>
+                  <a:tcPr marL="91440" marR="91440" anchor="ctr"/>
+                </a:tc>
+                <a:tc>
+                  <a:txBody>
+                    <a:bodyPr vert="horz" lIns="91440" tIns="45720" rIns="91440" bIns="45720" anchor="ctr" anchorCtr="0"/>
+                    <a:lstStyle/>
+                    <a:p>
+                      <a:pPr lvl="0" latinLnBrk="1">
+                        <a:defRPr/>
+                      </a:pPr>
+                      <a:r>
+                        <a:rPr lang="en-US" altLang="ko-KR" sz="1200"/>
+                        <a:t>-</a:t>
+                      </a:r>
+                      <a:endParaRPr lang="en-US" altLang="ko-KR" sz="1200"/>
+                    </a:p>
+                  </a:txBody>
+                  <a:tcPr marL="91440" marR="91440" anchor="ctr"/>
+                </a:tc>
+                <a:tc>
+                  <a:txBody>
+                    <a:bodyPr vert="horz" lIns="91440" tIns="45720" rIns="91440" bIns="45720" anchor="ctr" anchorCtr="0"/>
+                    <a:lstStyle/>
+                    <a:p>
+                      <a:pPr lvl="0" latinLnBrk="1">
+                        <a:defRPr/>
+                      </a:pPr>
+                      <a:r>
+                        <a:rPr lang="ko-KR" altLang="en-US" sz="1200"/>
+                        <a:t>상자를 이용한 퍼즐에 필요</a:t>
+                      </a:r>
+                      <a:r>
+                        <a:rPr lang="en-US" altLang="ko-KR" sz="1200"/>
+                        <a:t>.</a:t>
+                      </a:r>
+                      <a:endParaRPr lang="en-US" altLang="ko-KR" sz="1200"/>
+                    </a:p>
+                  </a:txBody>
+                  <a:tcPr marL="91440" marR="91440" anchor="ctr"/>
+                </a:tc>
+              </a:tr>
+              <a:tr h="302427">
+                <a:tc>
+                  <a:txBody>
+                    <a:bodyPr vert="horz" lIns="91440" tIns="45720" rIns="91440" bIns="45720" anchor="ctr" anchorCtr="0"/>
+                    <a:lstStyle/>
+                    <a:p>
+                      <a:pPr lvl="0" algn="ctr" latinLnBrk="1">
+                        <a:defRPr/>
+                      </a:pPr>
+                      <a:r>
+                        <a:rPr lang="en-US" altLang="ko-KR" sz="1200"/>
+                        <a:t>7</a:t>
+                      </a:r>
+                      <a:endParaRPr lang="ko-KR" altLang="en-US" sz="1200"/>
+                    </a:p>
+                  </a:txBody>
+                  <a:tcPr marL="91440" marR="91440" anchor="ctr"/>
+                </a:tc>
+                <a:tc>
+                  <a:txBody>
+                    <a:bodyPr vert="horz" lIns="91440" tIns="45720" rIns="91440" bIns="45720" anchor="ctr" anchorCtr="0"/>
+                    <a:lstStyle/>
+                    <a:p>
+                      <a:pPr lvl="0" latinLnBrk="1">
+                        <a:defRPr/>
+                      </a:pPr>
+                      <a:r>
+                        <a:rPr lang="ko-KR" altLang="en-US" sz="1200"/>
+                        <a:t>대사창</a:t>
+                      </a:r>
+                      <a:endParaRPr lang="ko-KR" altLang="en-US" sz="1200"/>
+                    </a:p>
+                  </a:txBody>
+                  <a:tcPr marL="91440" marR="91440" anchor="ctr"/>
+                </a:tc>
+                <a:tc>
+                  <a:txBody>
+                    <a:bodyPr vert="horz" lIns="91440" tIns="45720" rIns="91440" bIns="45720" anchor="ctr" anchorCtr="0"/>
+                    <a:lstStyle/>
+                    <a:p>
+                      <a:pPr lvl="0" latinLnBrk="1">
+                        <a:defRPr/>
+                      </a:pPr>
+                      <a:r>
+                        <a:rPr lang="en-US" altLang="ko-KR" sz="1200"/>
+                        <a:t>-</a:t>
+                      </a:r>
+                      <a:endParaRPr lang="en-US" altLang="ko-KR" sz="1200"/>
+                    </a:p>
+                  </a:txBody>
+                  <a:tcPr marL="91440" marR="91440" anchor="ctr"/>
+                </a:tc>
+                <a:tc>
+                  <a:txBody>
+                    <a:bodyPr vert="horz" lIns="91440" tIns="45720" rIns="91440" bIns="45720" anchor="ctr" anchorCtr="0"/>
+                    <a:lstStyle/>
+                    <a:p>
+                      <a:pPr lvl="0" latinLnBrk="1">
+                        <a:defRPr/>
+                      </a:pPr>
+                      <a:r>
+                        <a:rPr lang="ko-KR" altLang="en-US" sz="1200"/>
+                        <a:t>대사 진행</a:t>
+                      </a:r>
+                      <a:endParaRPr lang="ko-KR" altLang="en-US" sz="1200"/>
+                    </a:p>
+                  </a:txBody>
+                  <a:tcPr marL="91440" marR="91440" anchor="ctr"/>
+                </a:tc>
+              </a:tr>
+              <a:tr h="302427">
+                <a:tc>
+                  <a:txBody>
+                    <a:bodyPr vert="horz" lIns="91440" tIns="45720" rIns="91440" bIns="45720" anchor="ctr" anchorCtr="0"/>
+                    <a:lstStyle/>
+                    <a:p>
+                      <a:pPr lvl="0" algn="ctr" latinLnBrk="1">
+                        <a:defRPr/>
+                      </a:pPr>
+                      <a:r>
+                        <a:rPr lang="en-US" altLang="ko-KR" sz="1200"/>
+                        <a:t>8</a:t>
+                      </a:r>
+                      <a:endParaRPr lang="ko-KR" altLang="en-US" sz="1200"/>
+                    </a:p>
+                  </a:txBody>
+                  <a:tcPr marL="91440" marR="91440" anchor="ctr"/>
+                </a:tc>
+                <a:tc>
+                  <a:txBody>
+                    <a:bodyPr vert="horz" lIns="91440" tIns="45720" rIns="91440" bIns="45720" anchor="ctr" anchorCtr="0"/>
+                    <a:lstStyle/>
+                    <a:p>
+                      <a:pPr lvl="0" latinLnBrk="1">
+                        <a:defRPr/>
+                      </a:pPr>
+                      <a:r>
+                        <a:rPr lang="ko-KR" altLang="en-US" sz="1200"/>
+                        <a:t>캐릭터 사진</a:t>
+                      </a:r>
+                      <a:endParaRPr lang="ko-KR" altLang="en-US" sz="1200"/>
+                    </a:p>
+                  </a:txBody>
+                  <a:tcPr marL="91440" marR="91440" anchor="ctr"/>
+                </a:tc>
+                <a:tc>
+                  <a:txBody>
+                    <a:bodyPr vert="horz" lIns="91440" tIns="45720" rIns="91440" bIns="45720" anchor="ctr" anchorCtr="0"/>
+                    <a:lstStyle/>
+                    <a:p>
+                      <a:pPr lvl="0" latinLnBrk="1">
+                        <a:defRPr/>
+                      </a:pPr>
+                      <a:r>
+                        <a:rPr lang="en-US" altLang="ko-KR" sz="1200"/>
+                        <a:t>-</a:t>
+                      </a:r>
+                      <a:endParaRPr lang="en-US" altLang="ko-KR" sz="1200"/>
+                    </a:p>
+                  </a:txBody>
+                  <a:tcPr marL="91440" marR="91440" anchor="ctr"/>
+                </a:tc>
+                <a:tc>
+                  <a:txBody>
+                    <a:bodyPr vert="horz" lIns="91440" tIns="45720" rIns="91440" bIns="45720" anchor="ctr" anchorCtr="0"/>
+                    <a:lstStyle/>
+                    <a:p>
+                      <a:pPr lvl="0" latinLnBrk="1">
+                        <a:defRPr/>
+                      </a:pPr>
+                      <a:r>
+                        <a:rPr lang="ko-KR" altLang="en-US" sz="1200"/>
+                        <a:t>대사 진행하는 캐릭터 표시</a:t>
+                      </a:r>
+                      <a:endParaRPr lang="ko-KR" altLang="en-US" sz="1200"/>
+                    </a:p>
+                  </a:txBody>
+                  <a:tcPr marL="91440" marR="91440" anchor="ctr"/>
+                </a:tc>
+              </a:tr>
+              <a:tr h="302427">
+                <a:tc>
+                  <a:txBody>
+                    <a:bodyPr vert="horz" lIns="91440" tIns="45720" rIns="91440" bIns="45720" anchor="ctr" anchorCtr="0"/>
+                    <a:lstStyle/>
+                    <a:p>
+                      <a:pPr lvl="0" algn="ctr" latinLnBrk="1">
+                        <a:defRPr/>
+                      </a:pPr>
+                      <a:r>
+                        <a:rPr lang="en-US" altLang="ko-KR" sz="1200"/>
+                        <a:t>9</a:t>
+                      </a:r>
+                      <a:endParaRPr lang="ko-KR" altLang="en-US" sz="1200"/>
+                    </a:p>
+                  </a:txBody>
+                  <a:tcPr marL="91440" marR="91440" anchor="ctr"/>
+                </a:tc>
+                <a:tc>
+                  <a:txBody>
+                    <a:bodyPr vert="horz" lIns="91440" tIns="45720" rIns="91440" bIns="45720" anchor="ctr" anchorCtr="0"/>
+                    <a:lstStyle/>
+                    <a:p>
+                      <a:pPr lvl="0" latinLnBrk="1">
+                        <a:defRPr/>
+                      </a:pPr>
+                      <a:r>
+                        <a:rPr lang="ko-KR" altLang="en-US" sz="1200"/>
+                        <a:t>부모님 싸움 기억</a:t>
+                      </a:r>
+                      <a:endParaRPr lang="ko-KR" altLang="en-US" sz="1200"/>
+                    </a:p>
+                  </a:txBody>
+                  <a:tcPr marL="91440" marR="91440" anchor="ctr"/>
+                </a:tc>
+                <a:tc>
+                  <a:txBody>
+                    <a:bodyPr vert="horz" lIns="91440" tIns="45720" rIns="91440" bIns="45720" anchor="ctr" anchorCtr="0"/>
+                    <a:lstStyle/>
+                    <a:p>
+                      <a:pPr lvl="0" latinLnBrk="1">
+                        <a:defRPr/>
+                      </a:pPr>
+                      <a:r>
+                        <a:rPr lang="en-US" altLang="ko-KR" sz="1200"/>
+                        <a:t>2</a:t>
+                      </a:r>
+                      <a:endParaRPr lang="en-US" altLang="ko-KR" sz="1200"/>
+                    </a:p>
+                  </a:txBody>
+                  <a:tcPr marL="91440" marR="91440" anchor="ctr"/>
+                </a:tc>
+                <a:tc>
+                  <a:txBody>
+                    <a:bodyPr vert="horz" lIns="91440" tIns="45720" rIns="91440" bIns="45720" anchor="ctr" anchorCtr="0"/>
+                    <a:lstStyle/>
+                    <a:p>
+                      <a:pPr lvl="0" latinLnBrk="1">
+                        <a:defRPr/>
+                      </a:pPr>
+                      <a:r>
+                        <a:rPr lang="en-US" altLang="ko-KR" sz="1200"/>
+                        <a:t>(+</a:t>
+                      </a:r>
+                      <a:r>
+                        <a:rPr lang="ko-KR" altLang="en-US" sz="1200"/>
+                        <a:t>설명 사진 첨부</a:t>
+                      </a:r>
+                      <a:r>
+                        <a:rPr lang="en-US" altLang="ko-KR" sz="1200"/>
+                        <a:t>)</a:t>
+                      </a:r>
+                      <a:endParaRPr lang="en-US" altLang="ko-KR" sz="1200"/>
+                    </a:p>
+                  </a:txBody>
+                  <a:tcPr marL="91440" marR="91440" anchor="ctr"/>
+                </a:tc>
+              </a:tr>
+              <a:tr h="302427">
+                <a:tc>
+                  <a:txBody>
+                    <a:bodyPr vert="horz" lIns="91440" tIns="45720" rIns="91440" bIns="45720" anchor="ctr" anchorCtr="0"/>
+                    <a:lstStyle/>
+                    <a:p>
+                      <a:pPr lvl="0" algn="ctr" latinLnBrk="1">
+                        <a:defRPr/>
+                      </a:pPr>
+                      <a:r>
+                        <a:rPr lang="en-US" altLang="ko-KR" sz="1200"/>
+                        <a:t>10</a:t>
+                      </a:r>
+                      <a:endParaRPr lang="ko-KR" altLang="en-US" sz="1200"/>
+                    </a:p>
+                  </a:txBody>
+                  <a:tcPr marL="91440" marR="91440" anchor="ctr"/>
+                </a:tc>
+                <a:tc>
+                  <a:txBody>
+                    <a:bodyPr vert="horz" lIns="91440" tIns="45720" rIns="91440" bIns="45720" anchor="ctr" anchorCtr="0"/>
+                    <a:lstStyle/>
+                    <a:p>
+                      <a:pPr lvl="0" latinLnBrk="1">
+                        <a:defRPr/>
+                      </a:pPr>
+                      <a:r>
+                        <a:rPr lang="en-US" altLang="ko-KR" sz="1200"/>
+                        <a:t>b</a:t>
+                      </a:r>
+                      <a:r>
+                        <a:rPr lang="ko-KR" altLang="en-US" sz="1200"/>
+                        <a:t>의 죽음 기억</a:t>
+                      </a:r>
+                      <a:endParaRPr lang="ko-KR" altLang="en-US" sz="1200"/>
+                    </a:p>
+                  </a:txBody>
+                  <a:tcPr marL="91440" marR="91440" anchor="ctr"/>
+                </a:tc>
+                <a:tc>
+                  <a:txBody>
+                    <a:bodyPr vert="horz" lIns="91440" tIns="45720" rIns="91440" bIns="45720" anchor="ctr" anchorCtr="0"/>
+                    <a:lstStyle/>
+                    <a:p>
+                      <a:pPr lvl="0" latinLnBrk="1">
+                        <a:defRPr/>
+                      </a:pPr>
+                      <a:r>
+                        <a:rPr lang="en-US" altLang="ko-KR" sz="1200"/>
+                        <a:t>2</a:t>
+                      </a:r>
+                      <a:endParaRPr lang="en-US" altLang="ko-KR" sz="1200"/>
+                    </a:p>
+                  </a:txBody>
+                  <a:tcPr marL="91440" marR="91440" anchor="ctr"/>
+                </a:tc>
+                <a:tc>
+                  <a:txBody>
+                    <a:bodyPr vert="horz" lIns="91440" tIns="45720" rIns="91440" bIns="45720" anchor="ctr" anchorCtr="0"/>
+                    <a:lstStyle/>
+                    <a:p>
+                      <a:pPr lvl="0" latinLnBrk="1">
+                        <a:defRPr/>
+                      </a:pPr>
+                      <a:r>
+                        <a:rPr lang="en-US" altLang="ko-KR" sz="1200"/>
+                        <a:t>(+</a:t>
+                      </a:r>
+                      <a:r>
+                        <a:rPr lang="ko-KR" altLang="en-US" sz="1200"/>
+                        <a:t>설명 사진 첨부</a:t>
+                      </a:r>
+                      <a:r>
+                        <a:rPr lang="en-US" altLang="ko-KR" sz="1200"/>
+                        <a:t>)</a:t>
+                      </a:r>
+                      <a:endParaRPr lang="en-US" altLang="ko-KR" sz="1200"/>
+                    </a:p>
+                  </a:txBody>
+                  <a:tcPr marL="91440" marR="91440" anchor="ctr"/>
+                </a:tc>
+              </a:tr>
+              <a:tr h="302427">
+                <a:tc>
+                  <a:txBody>
+                    <a:bodyPr vert="horz" lIns="91440" tIns="45720" rIns="91440" bIns="45720" anchor="ctr" anchorCtr="0"/>
+                    <a:lstStyle/>
+                    <a:p>
+                      <a:pPr lvl="0" algn="ctr" latinLnBrk="1">
+                        <a:defRPr/>
+                      </a:pPr>
+                      <a:r>
+                        <a:rPr lang="en-US" altLang="ko-KR" sz="1200"/>
+                        <a:t>11</a:t>
+                      </a:r>
+                      <a:endParaRPr lang="ko-KR" altLang="en-US" sz="1200"/>
+                    </a:p>
+                  </a:txBody>
+                  <a:tcPr marL="91440" marR="91440" anchor="ctr"/>
+                </a:tc>
+                <a:tc>
+                  <a:txBody>
+                    <a:bodyPr vert="horz" lIns="91440" tIns="45720" rIns="91440" bIns="45720" anchor="ctr" anchorCtr="0"/>
+                    <a:lstStyle/>
+                    <a:p>
+                      <a:pPr lvl="0" latinLnBrk="1">
+                        <a:defRPr/>
+                      </a:pPr>
+                      <a:endParaRPr lang="ko-KR" altLang="en-US" sz="1200"/>
+                    </a:p>
+                  </a:txBody>
+                  <a:tcPr marL="91440" marR="91440" anchor="ctr"/>
+                </a:tc>
+                <a:tc>
+                  <a:txBody>
+                    <a:bodyPr vert="horz" lIns="91440" tIns="45720" rIns="91440" bIns="45720" anchor="ctr" anchorCtr="0"/>
+                    <a:lstStyle/>
+                    <a:p>
+                      <a:pPr lvl="0" latinLnBrk="1">
+                        <a:defRPr/>
+                      </a:pPr>
+                      <a:endParaRPr lang="en-US" altLang="ko-KR" sz="1200"/>
+                    </a:p>
+                  </a:txBody>
+                  <a:tcPr marL="91440" marR="91440" anchor="ctr"/>
+                </a:tc>
+                <a:tc>
+                  <a:txBody>
+                    <a:bodyPr vert="horz" lIns="91440" tIns="45720" rIns="91440" bIns="45720" anchor="ctr" anchorCtr="0"/>
+                    <a:lstStyle/>
+                    <a:p>
+                      <a:pPr lvl="0" latinLnBrk="1">
+                        <a:defRPr/>
+                      </a:pPr>
+                      <a:endParaRPr lang="en-US" altLang="ko-KR" sz="1200"/>
+                    </a:p>
+                  </a:txBody>
+                  <a:tcPr marL="91440" marR="91440" anchor="ctr"/>
+                </a:tc>
+              </a:tr>
+              <a:tr h="302427">
+                <a:tc>
+                  <a:txBody>
+                    <a:bodyPr vert="horz" lIns="91440" tIns="45720" rIns="91440" bIns="45720" anchor="ctr" anchorCtr="0"/>
+                    <a:lstStyle/>
+                    <a:p>
+                      <a:pPr lvl="0" algn="ctr" latinLnBrk="1">
+                        <a:defRPr/>
+                      </a:pPr>
+                      <a:r>
+                        <a:rPr lang="en-US" altLang="ko-KR" sz="1200"/>
+                        <a:t>12</a:t>
+                      </a:r>
+                      <a:endParaRPr lang="ko-KR" altLang="en-US" sz="1200"/>
+                    </a:p>
+                  </a:txBody>
+                  <a:tcPr marL="91440" marR="91440" anchor="ctr"/>
+                </a:tc>
+                <a:tc>
+                  <a:txBody>
+                    <a:bodyPr vert="horz" lIns="91440" tIns="45720" rIns="91440" bIns="45720" anchor="ctr" anchorCtr="0"/>
+                    <a:lstStyle/>
+                    <a:p>
+                      <a:pPr lvl="0" latinLnBrk="1">
+                        <a:defRPr/>
+                      </a:pPr>
+                      <a:endParaRPr lang="ko-KR" altLang="en-US" sz="1200"/>
+                    </a:p>
+                  </a:txBody>
+                  <a:tcPr marL="91440" marR="91440" anchor="ctr"/>
+                </a:tc>
+                <a:tc>
+                  <a:txBody>
+                    <a:bodyPr vert="horz" lIns="91440" tIns="45720" rIns="91440" bIns="45720" anchor="ctr" anchorCtr="0"/>
+                    <a:lstStyle/>
+                    <a:p>
+                      <a:pPr lvl="0" latinLnBrk="1">
+                        <a:defRPr/>
+                      </a:pPr>
+                      <a:endParaRPr lang="en-US" altLang="ko-KR" sz="1200"/>
+                    </a:p>
+                  </a:txBody>
+                  <a:tcPr marL="91440" marR="91440" anchor="ctr"/>
+                </a:tc>
+                <a:tc>
+                  <a:txBody>
+                    <a:bodyPr vert="horz" lIns="91440" tIns="45720" rIns="91440" bIns="45720" anchor="ctr" anchorCtr="0"/>
+                    <a:lstStyle/>
+                    <a:p>
+                      <a:pPr lvl="0" latinLnBrk="1">
+                        <a:defRPr/>
+                      </a:pPr>
+                      <a:endParaRPr lang="en-US" altLang="ko-KR" sz="1200"/>
+                    </a:p>
+                  </a:txBody>
+                  <a:tcPr marL="91440" marR="91440" anchor="ctr"/>
+                </a:tc>
+              </a:tr>
+              <a:tr h="302427">
+                <a:tc>
+                  <a:txBody>
+                    <a:bodyPr vert="horz" lIns="91440" tIns="45720" rIns="91440" bIns="45720" anchor="ctr" anchorCtr="0"/>
+                    <a:lstStyle/>
+                    <a:p>
+                      <a:pPr lvl="0" algn="ctr" latinLnBrk="1">
+                        <a:defRPr/>
+                      </a:pPr>
+                      <a:r>
+                        <a:rPr lang="en-US" altLang="ko-KR" sz="1200"/>
+                        <a:t>13</a:t>
+                      </a:r>
+                      <a:endParaRPr lang="ko-KR" altLang="en-US" sz="1200"/>
+                    </a:p>
+                  </a:txBody>
+                  <a:tcPr marL="91440" marR="91440" anchor="ctr"/>
+                </a:tc>
+                <a:tc>
+                  <a:txBody>
+                    <a:bodyPr vert="horz" lIns="91440" tIns="45720" rIns="91440" bIns="45720" anchor="ctr" anchorCtr="0"/>
+                    <a:lstStyle/>
+                    <a:p>
+                      <a:pPr lvl="0" latinLnBrk="1">
+                        <a:defRPr/>
+                      </a:pPr>
+                      <a:endParaRPr lang="en-US" altLang="ko-KR" sz="1200"/>
+                    </a:p>
+                  </a:txBody>
+                  <a:tcPr marL="91440" marR="91440" anchor="ctr"/>
+                </a:tc>
+                <a:tc>
+                  <a:txBody>
+                    <a:bodyPr vert="horz" lIns="91440" tIns="45720" rIns="91440" bIns="45720" anchor="ctr" anchorCtr="0"/>
+                    <a:lstStyle/>
+                    <a:p>
+                      <a:pPr lvl="0" latinLnBrk="1">
+                        <a:defRPr/>
+                      </a:pPr>
+                      <a:endParaRPr lang="en-US" altLang="ko-KR" sz="1200"/>
+                    </a:p>
+                  </a:txBody>
+                  <a:tcPr marL="91440" marR="91440" anchor="ctr"/>
+                </a:tc>
+                <a:tc>
+                  <a:txBody>
+                    <a:bodyPr vert="horz" lIns="91440" tIns="45720" rIns="91440" bIns="45720" anchor="ctr" anchorCtr="0"/>
+                    <a:lstStyle/>
+                    <a:p>
+                      <a:pPr lvl="0" latinLnBrk="1">
+                        <a:defRPr/>
+                      </a:pPr>
+                      <a:endParaRPr lang="ko-KR" altLang="en-US" sz="1200"/>
+                    </a:p>
+                  </a:txBody>
+                  <a:tcPr marL="91440" marR="91440" anchor="ctr"/>
+                </a:tc>
+              </a:tr>
+              <a:tr h="302427">
+                <a:tc>
+                  <a:txBody>
+                    <a:bodyPr vert="horz" lIns="91440" tIns="45720" rIns="91440" bIns="45720" anchor="ctr" anchorCtr="0"/>
+                    <a:lstStyle/>
+                    <a:p>
+                      <a:pPr lvl="0" algn="ctr" latinLnBrk="1">
+                        <a:defRPr/>
+                      </a:pPr>
+                      <a:r>
+                        <a:rPr lang="en-US" altLang="ko-KR" sz="1200"/>
+                        <a:t>14</a:t>
+                      </a:r>
+                      <a:endParaRPr lang="ko-KR" altLang="en-US" sz="1200"/>
+                    </a:p>
+                  </a:txBody>
+                  <a:tcPr marL="91440" marR="91440" anchor="ctr"/>
+                </a:tc>
+                <a:tc>
+                  <a:txBody>
+                    <a:bodyPr vert="horz" lIns="91440" tIns="45720" rIns="91440" bIns="45720" anchor="ctr" anchorCtr="0"/>
+                    <a:lstStyle/>
+                    <a:p>
+                      <a:pPr lvl="0" latinLnBrk="1">
+                        <a:defRPr/>
+                      </a:pPr>
+                      <a:endParaRPr lang="ko-KR" altLang="en-US" sz="1200"/>
+                    </a:p>
+                  </a:txBody>
+                  <a:tcPr marL="91440" marR="91440" anchor="ctr"/>
+                </a:tc>
+                <a:tc>
+                  <a:txBody>
+                    <a:bodyPr vert="horz" lIns="91440" tIns="45720" rIns="91440" bIns="45720" anchor="ctr" anchorCtr="0"/>
+                    <a:lstStyle/>
+                    <a:p>
+                      <a:pPr lvl="0" latinLnBrk="1">
+                        <a:defRPr/>
+                      </a:pPr>
+                      <a:endParaRPr lang="ko-KR" altLang="en-US" sz="1200"/>
+                    </a:p>
+                  </a:txBody>
+                  <a:tcPr marL="91440" marR="91440" anchor="ctr"/>
+                </a:tc>
+                <a:tc>
+                  <a:txBody>
+                    <a:bodyPr vert="horz" lIns="91440" tIns="45720" rIns="91440" bIns="45720" anchor="ctr" anchorCtr="0"/>
+                    <a:lstStyle/>
+                    <a:p>
+                      <a:pPr lvl="0" latinLnBrk="1">
+                        <a:defRPr/>
+                      </a:pPr>
+                      <a:endParaRPr lang="ko-KR" altLang="en-US" sz="1200"/>
+                    </a:p>
+                  </a:txBody>
+                  <a:tcPr marL="91440" marR="91440" anchor="ctr"/>
+                </a:tc>
+              </a:tr>
+              <a:tr h="302427">
+                <a:tc>
+                  <a:txBody>
+                    <a:bodyPr vert="horz" lIns="91440" tIns="45720" rIns="91440" bIns="45720" anchor="ctr" anchorCtr="0"/>
+                    <a:lstStyle/>
+                    <a:p>
+                      <a:pPr lvl="0" algn="ctr" latinLnBrk="1">
+                        <a:defRPr/>
+                      </a:pPr>
+                      <a:r>
+                        <a:rPr lang="en-US" altLang="ko-KR" sz="1200"/>
+                        <a:t>15</a:t>
+                      </a:r>
+                      <a:endParaRPr lang="ko-KR" altLang="en-US" sz="1200"/>
+                    </a:p>
+                  </a:txBody>
+                  <a:tcPr marL="91440" marR="91440" anchor="ctr"/>
+                </a:tc>
+                <a:tc>
+                  <a:txBody>
+                    <a:bodyPr vert="horz" lIns="91440" tIns="45720" rIns="91440" bIns="45720" anchor="ctr" anchorCtr="0"/>
+                    <a:lstStyle/>
+                    <a:p>
+                      <a:pPr lvl="0" latinLnBrk="1">
+                        <a:defRPr/>
+                      </a:pPr>
+                      <a:endParaRPr lang="ko-KR" altLang="en-US" sz="1200"/>
+                    </a:p>
+                  </a:txBody>
+                  <a:tcPr marL="91440" marR="91440" anchor="ctr"/>
+                </a:tc>
+                <a:tc>
+                  <a:txBody>
+                    <a:bodyPr vert="horz" lIns="91440" tIns="45720" rIns="91440" bIns="45720" anchor="ctr" anchorCtr="0"/>
+                    <a:lstStyle/>
+                    <a:p>
+                      <a:pPr lvl="0" latinLnBrk="1">
+                        <a:defRPr/>
+                      </a:pPr>
+                      <a:endParaRPr lang="ko-KR" altLang="en-US" sz="1200"/>
+                    </a:p>
+                  </a:txBody>
+                  <a:tcPr marL="91440" marR="91440" anchor="ctr"/>
+                </a:tc>
+                <a:tc>
+                  <a:txBody>
+                    <a:bodyPr vert="horz" lIns="91440" tIns="45720" rIns="91440" bIns="45720" anchor="ctr" anchorCtr="0"/>
+                    <a:lstStyle/>
+                    <a:p>
+                      <a:pPr lvl="0" latinLnBrk="1">
+                        <a:defRPr/>
+                      </a:pPr>
+                      <a:endParaRPr lang="ko-KR" altLang="en-US" sz="1200"/>
+                    </a:p>
+                  </a:txBody>
+                  <a:tcPr marL="91440" marR="91440" anchor="ctr"/>
+                </a:tc>
+              </a:tr>
+            </a:tbl>
+          </a:graphicData>
+        </a:graphic>
+      </p:graphicFrame>
+      <p:sp>
+        <p:nvSpPr>
+          <p:cNvPr id="8" name="TextBox 7"/>
+          <p:cNvSpPr txBox="1"/>
+          <p:nvPr/>
+        </p:nvSpPr>
+        <p:spPr>
+          <a:xfrm>
+            <a:off x="341521" y="825820"/>
+            <a:ext cx="1928090" cy="261610"/>
+          </a:xfrm>
+          <a:prstGeom prst="rect">
+            <a:avLst/>
+          </a:prstGeom>
+          <a:noFill/>
+        </p:spPr>
+        <p:txBody>
+          <a:bodyPr wrap="square" anchor="ctr" anchorCtr="0">
+            <a:spAutoFit/>
+          </a:bodyPr>
+          <a:lstStyle/>
+          <a:p>
+            <a:pPr lvl="0">
+              <a:defRPr/>
+            </a:pPr>
+            <a:r>
+              <a:rPr lang="en-US" altLang="ko-KR" sz="1100" b="1"/>
+              <a:t>4-2.</a:t>
+            </a:r>
+            <a:r>
+              <a:rPr lang="ko-KR" altLang="en-US" sz="1100" b="1"/>
+              <a:t> 요소들</a:t>
+            </a:r>
+            <a:endParaRPr lang="ko-KR" altLang="en-US" sz="1100" b="1"/>
+          </a:p>
+        </p:txBody>
+      </p:sp>
+    </p:spTree>
+    <p:extLst>
+      <p:ext uri="{BB962C8B-B14F-4D97-AF65-F5344CB8AC3E}">
+        <p14:creationId xmlns:p14="http://schemas.microsoft.com/office/powerpoint/2010/main" val="2812296334"/>
+      </p:ext>
+    </p:extLst>
+  </p:cSld>
+  <p:clrMapOvr>
+    <a:masterClrMapping/>
+  </p:clrMapOvr>
+</p:sld>
+</file>
+
+<file path=ppt/slides/slide21.xml><?xml version="1.0" encoding="utf-8"?>
+<p:sld xmlns:r="http://schemas.openxmlformats.org/officeDocument/2006/relationships" xmlns:c="http://schemas.openxmlformats.org/drawingml/2006/chart" xmlns:a="http://schemas.openxmlformats.org/drawingml/2006/main" xmlns:dgm="http://schemas.openxmlformats.org/drawingml/2006/diagram" xmlns:dsp="http://schemas.microsoft.com/office/drawing/2008/diagram" xmlns:p="http://schemas.openxmlformats.org/presentationml/2006/main">
+  <p:cSld>
+    <p:spTree>
+      <p:nvGrpSpPr>
+        <p:cNvPr id="1" name=""/>
+        <p:cNvGrpSpPr/>
+        <p:nvPr/>
+      </p:nvGrpSpPr>
+      <p:grpSpPr>
+        <a:xfrm>
+          <a:off x="0" y="0"/>
+          <a:ext cx="0" cy="0"/>
+          <a:chOff x="0" y="0"/>
+          <a:chExt cx="0" cy="0"/>
+        </a:xfrm>
+      </p:grpSpPr>
+      <p:sp>
+        <p:nvSpPr>
+          <p:cNvPr id="5" name="직사각형 4"/>
+          <p:cNvSpPr/>
+          <p:nvPr/>
+        </p:nvSpPr>
+        <p:spPr>
+          <a:xfrm flipV="1">
+            <a:off x="0" y="-3"/>
+            <a:ext cx="12192000" cy="552452"/>
+          </a:xfrm>
+          <a:prstGeom prst="rect">
+            <a:avLst/>
+          </a:prstGeom>
+          <a:solidFill>
+            <a:schemeClr val="accent5">
+              <a:lumMod val="20000"/>
+              <a:lumOff val="80000"/>
+            </a:schemeClr>
+          </a:solidFill>
+          <a:ln>
+            <a:noFill/>
+          </a:ln>
+        </p:spPr>
+        <p:style>
+          <a:lnRef idx="2">
+            <a:schemeClr val="accent1">
+              <a:shade val="50000"/>
+            </a:schemeClr>
+          </a:lnRef>
+          <a:fillRef idx="1">
+            <a:schemeClr val="accent1"/>
+          </a:fillRef>
+          <a:effectRef idx="0">
+            <a:schemeClr val="accent1"/>
+          </a:effectRef>
+          <a:fontRef idx="minor">
+            <a:schemeClr val="lt1"/>
+          </a:fontRef>
+        </p:style>
+        <p:txBody>
+          <a:bodyPr anchor="ctr"/>
+          <a:lstStyle/>
+          <a:p>
+            <a:pPr lvl="0" algn="ctr">
+              <a:defRPr/>
+            </a:pPr>
+            <a:endParaRPr lang="ko-KR" altLang="en-US"/>
+          </a:p>
+        </p:txBody>
+      </p:sp>
+      <p:pic>
+        <p:nvPicPr>
+          <p:cNvPr id="4" name="그림 3"/>
+          <p:cNvPicPr>
+            <a:picLocks noChangeAspect="1"/>
+          </p:cNvPicPr>
+          <p:nvPr/>
+        </p:nvPicPr>
+        <p:blipFill rotWithShape="1">
+          <a:blip r:embed="rId2">
+            <a:alphaModFix amt="60000"/>
+          </a:blip>
+          <a:stretch>
+            <a:fillRect/>
+          </a:stretch>
+        </p:blipFill>
+        <p:spPr>
+          <a:xfrm>
+            <a:off x="10900409" y="151874"/>
+            <a:ext cx="1059181" cy="238316"/>
+          </a:xfrm>
+          <a:prstGeom prst="rect">
+            <a:avLst/>
+          </a:prstGeom>
+        </p:spPr>
+      </p:pic>
+      <p:sp>
+        <p:nvSpPr>
+          <p:cNvPr id="7" name="TextBox 6"/>
+          <p:cNvSpPr txBox="1"/>
+          <p:nvPr/>
+        </p:nvSpPr>
+        <p:spPr>
+          <a:xfrm>
+            <a:off x="320588" y="101755"/>
+            <a:ext cx="1928090" cy="338554"/>
+          </a:xfrm>
+          <a:prstGeom prst="rect">
+            <a:avLst/>
+          </a:prstGeom>
+          <a:noFill/>
+        </p:spPr>
+        <p:txBody>
+          <a:bodyPr wrap="square" anchor="ctr" anchorCtr="0">
+            <a:spAutoFit/>
+          </a:bodyPr>
+          <a:lstStyle/>
+          <a:p>
+            <a:pPr lvl="0">
+              <a:defRPr/>
+            </a:pPr>
+            <a:r>
+              <a:rPr lang="en-US" altLang="ko-KR" sz="1600" b="1">
+                <a:latin typeface="+mj-lt"/>
+              </a:rPr>
+              <a:t>4.</a:t>
+            </a:r>
+            <a:r>
+              <a:rPr lang="ko-KR" altLang="en-US" sz="1600" b="1">
+                <a:latin typeface="+mj-lt"/>
+              </a:rPr>
+              <a:t> 필요한 부분</a:t>
+            </a:r>
+            <a:endParaRPr lang="ko-KR" altLang="en-US" sz="1600" b="1">
+              <a:latin typeface="+mj-lt"/>
+            </a:endParaRPr>
+          </a:p>
+        </p:txBody>
+      </p:sp>
+      <p:graphicFrame>
+        <p:nvGraphicFramePr>
+          <p:cNvPr id="2" name="표 2"/>
+          <p:cNvGraphicFramePr>
+            <a:graphicFrameLocks noGrp="1"/>
+          </p:cNvGraphicFramePr>
+          <p:nvPr/>
+        </p:nvGraphicFramePr>
+        <p:xfrm>
+          <a:off x="320588" y="1692443"/>
+          <a:ext cx="11019778" cy="4838839"/>
+        </p:xfrm>
+        <a:graphic>
+          <a:graphicData uri="http://schemas.openxmlformats.org/drawingml/2006/table">
+            <a:tbl>
+              <a:tblPr firstRow="1" bandRow="1">
+                <a:tableStyleId>{5C22544A-7EE6-4342-B048-85BDC9FD1C3A}</a:tableStyleId>
+              </a:tblPr>
+              <a:tblGrid>
+                <a:gridCol w="439353"/>
+                <a:gridCol w="1740688"/>
+                <a:gridCol w="2078403"/>
+                <a:gridCol w="6761333"/>
+              </a:tblGrid>
+              <a:tr h="302427">
+                <a:tc>
+                  <a:txBody>
+                    <a:bodyPr vert="horz" lIns="91440" tIns="45720" rIns="91440" bIns="45720" anchor="ctr" anchorCtr="0"/>
+                    <a:lstStyle/>
+                    <a:p>
+                      <a:pPr lvl="0" algn="ctr" latinLnBrk="1">
+                        <a:defRPr/>
+                      </a:pPr>
+                      <a:r>
+                        <a:rPr lang="en-US" altLang="ko-KR" sz="1200">
+                          <a:solidFill>
+                            <a:schemeClr val="tx1"/>
+                          </a:solidFill>
+                        </a:rPr>
+                        <a:t>No</a:t>
+                      </a:r>
+                      <a:endParaRPr lang="ko-KR" altLang="en-US" sz="1200">
+                        <a:solidFill>
+                          <a:schemeClr val="tx1"/>
+                        </a:solidFill>
+                      </a:endParaRPr>
+                    </a:p>
+                  </a:txBody>
+                  <a:tcPr marL="91440" marR="91440" anchor="ctr">
+                    <a:solidFill>
+                      <a:schemeClr val="accent1">
+                        <a:lumMod val="40000"/>
+                        <a:lumOff val="60000"/>
+                      </a:schemeClr>
+                    </a:solidFill>
+                  </a:tcPr>
+                </a:tc>
+                <a:tc>
+                  <a:txBody>
+                    <a:bodyPr vert="horz" lIns="91440" tIns="45720" rIns="91440" bIns="45720" anchor="ctr" anchorCtr="0"/>
+                    <a:lstStyle/>
+                    <a:p>
+                      <a:pPr lvl="0" algn="l" latinLnBrk="1">
+                        <a:defRPr/>
+                      </a:pPr>
+                      <a:r>
+                        <a:rPr lang="ko-KR" altLang="en-US" sz="1200">
+                          <a:solidFill>
+                            <a:schemeClr val="tx1"/>
+                          </a:solidFill>
+                        </a:rPr>
+                        <a:t>캐릭터</a:t>
+                      </a:r>
+                      <a:endParaRPr lang="ko-KR" altLang="en-US" sz="1200">
+                        <a:solidFill>
+                          <a:schemeClr val="tx1"/>
+                        </a:solidFill>
+                      </a:endParaRPr>
+                    </a:p>
+                  </a:txBody>
+                  <a:tcPr marL="91440" marR="91440" anchor="ctr">
+                    <a:solidFill>
+                      <a:schemeClr val="accent1">
+                        <a:lumMod val="40000"/>
+                        <a:lumOff val="60000"/>
+                      </a:schemeClr>
+                    </a:solidFill>
+                  </a:tcPr>
+                </a:tc>
+                <a:tc>
+                  <a:txBody>
+                    <a:bodyPr vert="horz" lIns="91440" tIns="45720" rIns="91440" bIns="45720" anchor="ctr" anchorCtr="0"/>
+                    <a:lstStyle/>
+                    <a:p>
+                      <a:pPr lvl="0" algn="l" latinLnBrk="1">
+                        <a:defRPr/>
+                      </a:pPr>
+                      <a:r>
+                        <a:rPr lang="ko-KR" altLang="en-US" sz="1200">
+                          <a:solidFill>
+                            <a:schemeClr val="tx1"/>
+                          </a:solidFill>
+                        </a:rPr>
+                        <a:t>모션</a:t>
+                      </a:r>
+                      <a:endParaRPr lang="ko-KR" altLang="en-US" sz="1200">
+                        <a:solidFill>
+                          <a:schemeClr val="tx1"/>
+                        </a:solidFill>
+                      </a:endParaRPr>
+                    </a:p>
+                  </a:txBody>
+                  <a:tcPr marL="91440" marR="91440" anchor="ctr">
+                    <a:solidFill>
+                      <a:schemeClr val="accent1">
+                        <a:lumMod val="40000"/>
+                        <a:lumOff val="60000"/>
+                      </a:schemeClr>
+                    </a:solidFill>
+                  </a:tcPr>
+                </a:tc>
+                <a:tc>
+                  <a:txBody>
+                    <a:bodyPr vert="horz" lIns="91440" tIns="45720" rIns="91440" bIns="45720" anchor="ctr" anchorCtr="0"/>
+                    <a:lstStyle/>
+                    <a:p>
+                      <a:pPr lvl="0" algn="l" latinLnBrk="1">
+                        <a:defRPr/>
+                      </a:pPr>
+                      <a:r>
+                        <a:rPr lang="ko-KR" altLang="en-US" sz="1200">
+                          <a:solidFill>
+                            <a:schemeClr val="tx1"/>
+                          </a:solidFill>
+                        </a:rPr>
+                        <a:t>내용</a:t>
+                      </a:r>
+                      <a:endParaRPr lang="ko-KR" altLang="en-US" sz="1200">
+                        <a:solidFill>
+                          <a:schemeClr val="tx1"/>
+                        </a:solidFill>
+                      </a:endParaRPr>
+                    </a:p>
+                  </a:txBody>
+                  <a:tcPr marL="91440" marR="91440" anchor="ctr">
+                    <a:solidFill>
+                      <a:schemeClr val="accent1">
+                        <a:lumMod val="40000"/>
+                        <a:lumOff val="60000"/>
+                      </a:schemeClr>
+                    </a:solidFill>
+                  </a:tcPr>
+                </a:tc>
+              </a:tr>
+              <a:tr h="302427">
+                <a:tc>
+                  <a:txBody>
+                    <a:bodyPr vert="horz" lIns="91440" tIns="45720" rIns="91440" bIns="45720" anchor="ctr" anchorCtr="0"/>
+                    <a:lstStyle/>
+                    <a:p>
+                      <a:pPr lvl="0" algn="ctr" latinLnBrk="1">
+                        <a:defRPr/>
+                      </a:pPr>
+                      <a:r>
+                        <a:rPr lang="en-US" altLang="ko-KR" sz="1200"/>
+                        <a:t>1</a:t>
+                      </a:r>
+                      <a:endParaRPr lang="en-US" altLang="ko-KR" sz="1200"/>
+                    </a:p>
+                  </a:txBody>
+                  <a:tcPr marL="91440" marR="91440" anchor="ctr"/>
+                </a:tc>
+                <a:tc>
+                  <a:txBody>
+                    <a:bodyPr vert="horz" lIns="91440" tIns="45720" rIns="91440" bIns="45720" anchor="ctr" anchorCtr="0"/>
+                    <a:lstStyle/>
+                    <a:p>
+                      <a:pPr lvl="0" latinLnBrk="1">
+                        <a:defRPr/>
+                      </a:pPr>
+                      <a:r>
+                        <a:rPr lang="en-US" altLang="ko-KR" sz="1200"/>
+                        <a:t>b</a:t>
+                      </a:r>
+                      <a:endParaRPr lang="en-US" altLang="ko-KR" sz="1200"/>
+                    </a:p>
+                  </a:txBody>
+                  <a:tcPr marL="91440" marR="91440" anchor="ctr"/>
+                </a:tc>
+                <a:tc>
+                  <a:txBody>
+                    <a:bodyPr vert="horz" lIns="91440" tIns="45720" rIns="91440" bIns="45720" anchor="ctr" anchorCtr="0"/>
+                    <a:lstStyle/>
+                    <a:p>
+                      <a:pPr lvl="0" latinLnBrk="1">
+                        <a:defRPr/>
+                      </a:pPr>
+                      <a:r>
+                        <a:rPr lang="ko-KR" altLang="en-US" sz="1200"/>
+                        <a:t>추락사한 모습</a:t>
+                      </a:r>
+                      <a:endParaRPr lang="ko-KR" altLang="en-US" sz="1200"/>
+                    </a:p>
+                  </a:txBody>
+                  <a:tcPr marL="91440" marR="91440" anchor="ctr"/>
+                </a:tc>
+                <a:tc>
+                  <a:txBody>
+                    <a:bodyPr vert="horz" lIns="91440" tIns="45720" rIns="91440" bIns="45720" anchor="ctr" anchorCtr="0"/>
+                    <a:lstStyle/>
+                    <a:p>
+                      <a:pPr lvl="0" latinLnBrk="1">
+                        <a:defRPr/>
+                      </a:pPr>
+                      <a:r>
+                        <a:rPr lang="ko-KR" altLang="en-US" sz="1200"/>
+                        <a:t>피를 흘리며 쓰러져있는 모습</a:t>
+                      </a:r>
+                      <a:endParaRPr lang="ko-KR" altLang="en-US" sz="1200"/>
+                    </a:p>
+                  </a:txBody>
+                  <a:tcPr marL="91440" marR="91440" anchor="ctr"/>
+                </a:tc>
+              </a:tr>
+              <a:tr h="302427">
+                <a:tc>
+                  <a:txBody>
+                    <a:bodyPr vert="horz" lIns="91440" tIns="45720" rIns="91440" bIns="45720" anchor="ctr" anchorCtr="0"/>
+                    <a:lstStyle/>
+                    <a:p>
+                      <a:pPr lvl="0" algn="ctr" latinLnBrk="1">
+                        <a:defRPr/>
+                      </a:pPr>
+                      <a:r>
+                        <a:rPr lang="en-US" altLang="ko-KR" sz="1200"/>
+                        <a:t>2</a:t>
+                      </a:r>
+                      <a:endParaRPr lang="ko-KR" altLang="en-US" sz="1200"/>
+                    </a:p>
+                  </a:txBody>
+                  <a:tcPr marL="91440" marR="91440" anchor="ctr"/>
+                </a:tc>
+                <a:tc>
+                  <a:txBody>
+                    <a:bodyPr vert="horz" lIns="91440" tIns="45720" rIns="91440" bIns="45720" anchor="ctr" anchorCtr="0"/>
+                    <a:lstStyle/>
+                    <a:p>
+                      <a:pPr lvl="0" latinLnBrk="1">
+                        <a:defRPr/>
+                      </a:pPr>
+                      <a:r>
+                        <a:rPr lang="ko-KR" altLang="en-US" sz="1200"/>
+                        <a:t>괴물</a:t>
+                      </a:r>
+                      <a:r>
+                        <a:rPr lang="en-US" altLang="ko-KR" sz="1200"/>
+                        <a:t>(</a:t>
+                      </a:r>
+                      <a:r>
+                        <a:rPr lang="ko-KR" altLang="en-US" sz="1200"/>
+                        <a:t>아버지</a:t>
+                      </a:r>
+                      <a:r>
+                        <a:rPr lang="en-US" altLang="ko-KR" sz="1200"/>
+                        <a:t>)</a:t>
+                      </a:r>
+                      <a:endParaRPr lang="en-US" altLang="ko-KR" sz="1200"/>
+                    </a:p>
+                  </a:txBody>
+                  <a:tcPr marL="91440" marR="91440" anchor="ctr"/>
+                </a:tc>
+                <a:tc>
+                  <a:txBody>
+                    <a:bodyPr vert="horz" lIns="91440" tIns="45720" rIns="91440" bIns="45720" anchor="ctr" anchorCtr="0"/>
+                    <a:lstStyle/>
+                    <a:p>
+                      <a:pPr lvl="0" latinLnBrk="1">
+                        <a:defRPr/>
+                      </a:pPr>
+                      <a:r>
+                        <a:rPr lang="ko-KR" altLang="en-US" sz="1200"/>
+                        <a:t>상자 던지기</a:t>
+                      </a:r>
+                      <a:endParaRPr lang="ko-KR" altLang="en-US" sz="1200"/>
+                    </a:p>
+                  </a:txBody>
+                  <a:tcPr marL="91440" marR="91440" anchor="ctr"/>
+                </a:tc>
+                <a:tc>
+                  <a:txBody>
+                    <a:bodyPr vert="horz" lIns="91440" tIns="45720" rIns="91440" bIns="45720" anchor="ctr" anchorCtr="0"/>
+                    <a:lstStyle/>
+                    <a:p>
+                      <a:pPr lvl="0" latinLnBrk="1">
+                        <a:defRPr/>
+                      </a:pPr>
+                      <a:r>
+                        <a:rPr lang="ko-KR" altLang="en-US" sz="1200"/>
+                        <a:t>아이들이 계단으로 내려가지 못하게 하는 괴물</a:t>
+                      </a:r>
+                      <a:endParaRPr lang="ko-KR" altLang="en-US" sz="1200"/>
+                    </a:p>
+                  </a:txBody>
+                  <a:tcPr marL="91440" marR="91440" anchor="ctr"/>
+                </a:tc>
+              </a:tr>
+              <a:tr h="302427">
+                <a:tc>
+                  <a:txBody>
+                    <a:bodyPr vert="horz" lIns="91440" tIns="45720" rIns="91440" bIns="45720" anchor="ctr" anchorCtr="0"/>
+                    <a:lstStyle/>
+                    <a:p>
+                      <a:pPr lvl="0" algn="ctr" latinLnBrk="1">
+                        <a:defRPr/>
+                      </a:pPr>
+                      <a:r>
+                        <a:rPr lang="en-US" altLang="ko-KR" sz="1200"/>
+                        <a:t>3</a:t>
+                      </a:r>
+                      <a:endParaRPr lang="ko-KR" altLang="en-US" sz="1200"/>
+                    </a:p>
+                  </a:txBody>
+                  <a:tcPr marL="91440" marR="91440" anchor="ctr"/>
+                </a:tc>
+                <a:tc>
+                  <a:txBody>
+                    <a:bodyPr vert="horz" lIns="91440" tIns="45720" rIns="91440" bIns="45720" anchor="ctr" anchorCtr="0"/>
+                    <a:lstStyle/>
+                    <a:p>
+                      <a:pPr lvl="0" latinLnBrk="1">
+                        <a:defRPr/>
+                      </a:pPr>
+                      <a:r>
+                        <a:rPr lang="ko-KR" altLang="en-US" sz="1200"/>
+                        <a:t>괴물</a:t>
+                      </a:r>
+                      <a:r>
+                        <a:rPr lang="en-US" altLang="ko-KR" sz="1200"/>
+                        <a:t>(</a:t>
+                      </a:r>
+                      <a:r>
+                        <a:rPr lang="ko-KR" altLang="en-US" sz="1200"/>
+                        <a:t>아버지</a:t>
+                      </a:r>
+                      <a:r>
+                        <a:rPr lang="en-US" altLang="ko-KR" sz="1200"/>
+                        <a:t>)</a:t>
+                      </a:r>
+                      <a:endParaRPr lang="en-US" altLang="ko-KR" sz="1200"/>
+                    </a:p>
+                  </a:txBody>
+                  <a:tcPr marL="91440" marR="91440" anchor="ctr"/>
+                </a:tc>
+                <a:tc>
+                  <a:txBody>
+                    <a:bodyPr vert="horz" lIns="91440" tIns="45720" rIns="91440" bIns="45720" anchor="ctr" anchorCtr="0"/>
+                    <a:lstStyle/>
+                    <a:p>
+                      <a:pPr lvl="0" latinLnBrk="1">
+                        <a:defRPr/>
+                      </a:pPr>
+                      <a:r>
+                        <a:rPr lang="ko-KR" altLang="en-US" sz="1200"/>
+                        <a:t>멈추는 모션</a:t>
+                      </a:r>
+                      <a:endParaRPr lang="ko-KR" altLang="en-US" sz="1200"/>
+                    </a:p>
+                  </a:txBody>
+                  <a:tcPr marL="91440" marR="91440" anchor="ctr"/>
+                </a:tc>
+                <a:tc>
+                  <a:txBody>
+                    <a:bodyPr vert="horz" lIns="91440" tIns="45720" rIns="91440" bIns="45720" anchor="ctr" anchorCtr="0"/>
+                    <a:lstStyle/>
+                    <a:p>
+                      <a:pPr lvl="0" latinLnBrk="1">
+                        <a:defRPr/>
+                      </a:pPr>
+                      <a:r>
+                        <a:rPr lang="en-US" altLang="ko-KR" sz="1200"/>
+                        <a:t>b</a:t>
+                      </a:r>
+                      <a:r>
+                        <a:rPr lang="ko-KR" altLang="en-US" sz="1200"/>
+                        <a:t>가 계단에서 넘어져 오르골이 틀어졌을 때</a:t>
+                      </a:r>
+                      <a:r>
+                        <a:rPr lang="en-US" altLang="ko-KR" sz="1200"/>
+                        <a:t>,</a:t>
+                      </a:r>
+                      <a:r>
+                        <a:rPr lang="ko-KR" altLang="en-US" sz="1200"/>
+                        <a:t> 괴물이 잠시 멈춘다</a:t>
+                      </a:r>
+                      <a:r>
+                        <a:rPr lang="en-US" altLang="ko-KR" sz="1200"/>
+                        <a:t>.</a:t>
+                      </a:r>
+                      <a:endParaRPr lang="en-US" altLang="ko-KR" sz="1200"/>
+                    </a:p>
+                  </a:txBody>
+                  <a:tcPr marL="91440" marR="91440" anchor="ctr"/>
+                </a:tc>
+              </a:tr>
+              <a:tr h="302427">
+                <a:tc>
+                  <a:txBody>
+                    <a:bodyPr vert="horz" lIns="91440" tIns="45720" rIns="91440" bIns="45720" anchor="ctr" anchorCtr="0"/>
+                    <a:lstStyle/>
+                    <a:p>
+                      <a:pPr lvl="0" algn="ctr" latinLnBrk="1">
+                        <a:defRPr/>
+                      </a:pPr>
+                      <a:r>
+                        <a:rPr lang="en-US" altLang="ko-KR" sz="1200"/>
+                        <a:t>4</a:t>
+                      </a:r>
+                      <a:endParaRPr lang="ko-KR" altLang="en-US" sz="1200"/>
+                    </a:p>
+                  </a:txBody>
+                  <a:tcPr marL="91440" marR="91440" anchor="ctr"/>
+                </a:tc>
+                <a:tc>
+                  <a:txBody>
+                    <a:bodyPr vert="horz" lIns="91440" tIns="45720" rIns="91440" bIns="45720" anchor="ctr" anchorCtr="0"/>
+                    <a:lstStyle/>
+                    <a:p>
+                      <a:pPr lvl="0" latinLnBrk="1">
+                        <a:defRPr/>
+                      </a:pPr>
+                      <a:endParaRPr lang="ko-KR" altLang="en-US" sz="1200"/>
+                    </a:p>
+                  </a:txBody>
+                  <a:tcPr marL="91440" marR="91440" anchor="ctr"/>
+                </a:tc>
+                <a:tc>
+                  <a:txBody>
+                    <a:bodyPr vert="horz" lIns="91440" tIns="45720" rIns="91440" bIns="45720" anchor="ctr" anchorCtr="0"/>
+                    <a:lstStyle/>
+                    <a:p>
+                      <a:pPr lvl="0" latinLnBrk="1">
+                        <a:defRPr/>
+                      </a:pPr>
+                      <a:endParaRPr lang="en-US" altLang="ko-KR" sz="1200"/>
+                    </a:p>
+                  </a:txBody>
+                  <a:tcPr marL="91440" marR="91440" anchor="ctr"/>
+                </a:tc>
+                <a:tc>
+                  <a:txBody>
+                    <a:bodyPr vert="horz" lIns="91440" tIns="45720" rIns="91440" bIns="45720" anchor="ctr" anchorCtr="0"/>
+                    <a:lstStyle/>
+                    <a:p>
+                      <a:pPr lvl="0" latinLnBrk="1">
+                        <a:defRPr/>
+                      </a:pPr>
+                      <a:endParaRPr lang="en-US" altLang="ko-KR" sz="1200"/>
+                    </a:p>
+                  </a:txBody>
+                  <a:tcPr marL="91440" marR="91440" anchor="ctr"/>
+                </a:tc>
+              </a:tr>
+              <a:tr h="302427">
+                <a:tc>
+                  <a:txBody>
+                    <a:bodyPr vert="horz" lIns="91440" tIns="45720" rIns="91440" bIns="45720" anchor="ctr" anchorCtr="0"/>
+                    <a:lstStyle/>
+                    <a:p>
+                      <a:pPr lvl="0" algn="ctr" latinLnBrk="1">
+                        <a:defRPr/>
+                      </a:pPr>
+                      <a:r>
+                        <a:rPr lang="en-US" altLang="ko-KR" sz="1200"/>
+                        <a:t>5</a:t>
+                      </a:r>
+                      <a:endParaRPr lang="ko-KR" altLang="en-US" sz="1200"/>
+                    </a:p>
+                  </a:txBody>
+                  <a:tcPr marL="91440" marR="91440" anchor="ctr"/>
+                </a:tc>
+                <a:tc>
+                  <a:txBody>
+                    <a:bodyPr vert="horz" lIns="91440" tIns="45720" rIns="91440" bIns="45720" anchor="ctr" anchorCtr="0"/>
+                    <a:lstStyle/>
+                    <a:p>
+                      <a:pPr lvl="0" latinLnBrk="1">
+                        <a:defRPr/>
+                      </a:pPr>
+                      <a:endParaRPr lang="ko-KR" altLang="en-US" sz="1200"/>
+                    </a:p>
+                  </a:txBody>
+                  <a:tcPr marL="91440" marR="91440" anchor="ctr"/>
+                </a:tc>
+                <a:tc>
+                  <a:txBody>
+                    <a:bodyPr vert="horz" lIns="91440" tIns="45720" rIns="91440" bIns="45720" anchor="ctr" anchorCtr="0"/>
+                    <a:lstStyle/>
+                    <a:p>
+                      <a:pPr lvl="0" latinLnBrk="1">
+                        <a:defRPr/>
+                      </a:pPr>
+                      <a:endParaRPr lang="en-US" altLang="ko-KR" sz="1200"/>
+                    </a:p>
+                  </a:txBody>
+                  <a:tcPr marL="91440" marR="91440" anchor="ctr"/>
+                </a:tc>
+                <a:tc>
+                  <a:txBody>
+                    <a:bodyPr vert="horz" lIns="91440" tIns="45720" rIns="91440" bIns="45720" anchor="ctr" anchorCtr="0"/>
+                    <a:lstStyle/>
+                    <a:p>
+                      <a:pPr lvl="0" latinLnBrk="1">
+                        <a:defRPr/>
+                      </a:pPr>
+                      <a:endParaRPr lang="en-US" altLang="ko-KR" sz="1200"/>
+                    </a:p>
+                  </a:txBody>
+                  <a:tcPr marL="91440" marR="91440" anchor="ctr"/>
+                </a:tc>
+              </a:tr>
+              <a:tr h="302427">
+                <a:tc>
+                  <a:txBody>
+                    <a:bodyPr vert="horz" lIns="91440" tIns="45720" rIns="91440" bIns="45720" anchor="ctr" anchorCtr="0"/>
+                    <a:lstStyle/>
+                    <a:p>
+                      <a:pPr lvl="0" algn="ctr" latinLnBrk="1">
+                        <a:defRPr/>
+                      </a:pPr>
+                      <a:r>
+                        <a:rPr lang="en-US" altLang="ko-KR" sz="1200"/>
+                        <a:t>6</a:t>
+                      </a:r>
+                      <a:endParaRPr lang="ko-KR" altLang="en-US" sz="1200"/>
+                    </a:p>
+                  </a:txBody>
+                  <a:tcPr marL="91440" marR="91440" anchor="ctr"/>
+                </a:tc>
+                <a:tc>
+                  <a:txBody>
+                    <a:bodyPr vert="horz" lIns="91440" tIns="45720" rIns="91440" bIns="45720" anchor="ctr" anchorCtr="0"/>
+                    <a:lstStyle/>
+                    <a:p>
+                      <a:pPr lvl="0" latinLnBrk="1">
+                        <a:defRPr/>
+                      </a:pPr>
+                      <a:endParaRPr lang="ko-KR" altLang="en-US" sz="1200"/>
+                    </a:p>
+                  </a:txBody>
+                  <a:tcPr marL="91440" marR="91440" anchor="ctr"/>
+                </a:tc>
+                <a:tc>
+                  <a:txBody>
+                    <a:bodyPr vert="horz" lIns="91440" tIns="45720" rIns="91440" bIns="45720" anchor="ctr" anchorCtr="0"/>
+                    <a:lstStyle/>
+                    <a:p>
+                      <a:pPr lvl="0" latinLnBrk="1">
+                        <a:defRPr/>
+                      </a:pPr>
+                      <a:endParaRPr lang="en-US" altLang="ko-KR" sz="1200"/>
+                    </a:p>
+                  </a:txBody>
+                  <a:tcPr marL="91440" marR="91440" anchor="ctr"/>
+                </a:tc>
+                <a:tc>
+                  <a:txBody>
+                    <a:bodyPr vert="horz" lIns="91440" tIns="45720" rIns="91440" bIns="45720" anchor="ctr" anchorCtr="0"/>
+                    <a:lstStyle/>
+                    <a:p>
+                      <a:pPr lvl="0" latinLnBrk="1">
+                        <a:defRPr/>
+                      </a:pPr>
+                      <a:endParaRPr lang="ko-KR" altLang="en-US" sz="1200"/>
+                    </a:p>
+                  </a:txBody>
+                  <a:tcPr marL="91440" marR="91440" anchor="ctr"/>
+                </a:tc>
+              </a:tr>
+              <a:tr h="302427">
+                <a:tc>
+                  <a:txBody>
+                    <a:bodyPr vert="horz" lIns="91440" tIns="45720" rIns="91440" bIns="45720" anchor="ctr" anchorCtr="0"/>
+                    <a:lstStyle/>
+                    <a:p>
+                      <a:pPr lvl="0" algn="ctr" latinLnBrk="1">
+                        <a:defRPr/>
+                      </a:pPr>
+                      <a:r>
+                        <a:rPr lang="en-US" altLang="ko-KR" sz="1200"/>
+                        <a:t>7</a:t>
+                      </a:r>
+                      <a:endParaRPr lang="ko-KR" altLang="en-US" sz="1200"/>
+                    </a:p>
+                  </a:txBody>
+                  <a:tcPr marL="91440" marR="91440" anchor="ctr"/>
+                </a:tc>
+                <a:tc>
+                  <a:txBody>
+                    <a:bodyPr vert="horz" lIns="91440" tIns="45720" rIns="91440" bIns="45720" anchor="ctr" anchorCtr="0"/>
+                    <a:lstStyle/>
+                    <a:p>
+                      <a:pPr lvl="0" latinLnBrk="1">
+                        <a:defRPr/>
+                      </a:pPr>
+                      <a:endParaRPr lang="ko-KR" altLang="en-US" sz="1200"/>
+                    </a:p>
+                  </a:txBody>
+                  <a:tcPr marL="91440" marR="91440" anchor="ctr"/>
+                </a:tc>
+                <a:tc>
+                  <a:txBody>
+                    <a:bodyPr vert="horz" lIns="91440" tIns="45720" rIns="91440" bIns="45720" anchor="ctr" anchorCtr="0"/>
+                    <a:lstStyle/>
+                    <a:p>
+                      <a:pPr lvl="0" latinLnBrk="1">
+                        <a:defRPr/>
+                      </a:pPr>
+                      <a:endParaRPr lang="en-US" altLang="ko-KR" sz="1200"/>
+                    </a:p>
+                  </a:txBody>
+                  <a:tcPr marL="91440" marR="91440" anchor="ctr"/>
+                </a:tc>
+                <a:tc>
+                  <a:txBody>
+                    <a:bodyPr vert="horz" lIns="91440" tIns="45720" rIns="91440" bIns="45720" anchor="ctr" anchorCtr="0"/>
+                    <a:lstStyle/>
+                    <a:p>
+                      <a:pPr lvl="0" latinLnBrk="1">
+                        <a:defRPr/>
+                      </a:pPr>
+                      <a:endParaRPr lang="en-US" altLang="ko-KR" sz="1200"/>
+                    </a:p>
+                  </a:txBody>
+                  <a:tcPr marL="91440" marR="91440" anchor="ctr"/>
+                </a:tc>
+              </a:tr>
+              <a:tr h="302427">
+                <a:tc>
+                  <a:txBody>
+                    <a:bodyPr vert="horz" lIns="91440" tIns="45720" rIns="91440" bIns="45720" anchor="ctr" anchorCtr="0"/>
+                    <a:lstStyle/>
+                    <a:p>
+                      <a:pPr lvl="0" algn="ctr" latinLnBrk="1">
+                        <a:defRPr/>
+                      </a:pPr>
+                      <a:r>
+                        <a:rPr lang="en-US" altLang="ko-KR" sz="1200"/>
+                        <a:t>8</a:t>
+                      </a:r>
+                      <a:endParaRPr lang="ko-KR" altLang="en-US" sz="1200"/>
+                    </a:p>
+                  </a:txBody>
+                  <a:tcPr marL="91440" marR="91440" anchor="ctr"/>
+                </a:tc>
+                <a:tc>
+                  <a:txBody>
+                    <a:bodyPr vert="horz" lIns="91440" tIns="45720" rIns="91440" bIns="45720" anchor="ctr" anchorCtr="0"/>
+                    <a:lstStyle/>
+                    <a:p>
+                      <a:pPr lvl="0" latinLnBrk="1">
+                        <a:defRPr/>
+                      </a:pPr>
+                      <a:endParaRPr lang="ko-KR" altLang="en-US" sz="1200"/>
+                    </a:p>
+                  </a:txBody>
+                  <a:tcPr marL="91440" marR="91440" anchor="ctr"/>
+                </a:tc>
+                <a:tc>
+                  <a:txBody>
+                    <a:bodyPr vert="horz" lIns="91440" tIns="45720" rIns="91440" bIns="45720" anchor="ctr" anchorCtr="0"/>
+                    <a:lstStyle/>
+                    <a:p>
+                      <a:pPr lvl="0" latinLnBrk="1">
+                        <a:defRPr/>
+                      </a:pPr>
+                      <a:endParaRPr lang="en-US" altLang="ko-KR" sz="1200"/>
+                    </a:p>
+                  </a:txBody>
+                  <a:tcPr marL="91440" marR="91440" anchor="ctr"/>
+                </a:tc>
+                <a:tc>
+                  <a:txBody>
+                    <a:bodyPr vert="horz" lIns="91440" tIns="45720" rIns="91440" bIns="45720" anchor="ctr" anchorCtr="0"/>
+                    <a:lstStyle/>
+                    <a:p>
+                      <a:pPr lvl="0" latinLnBrk="1">
+                        <a:defRPr/>
+                      </a:pPr>
+                      <a:endParaRPr lang="ko-KR" altLang="en-US" sz="1200"/>
+                    </a:p>
+                  </a:txBody>
+                  <a:tcPr marL="91440" marR="91440" anchor="ctr"/>
+                </a:tc>
+              </a:tr>
+              <a:tr h="302427">
+                <a:tc>
+                  <a:txBody>
+                    <a:bodyPr vert="horz" lIns="91440" tIns="45720" rIns="91440" bIns="45720" anchor="ctr" anchorCtr="0"/>
+                    <a:lstStyle/>
+                    <a:p>
+                      <a:pPr lvl="0" algn="ctr" latinLnBrk="1">
+                        <a:defRPr/>
+                      </a:pPr>
+                      <a:r>
+                        <a:rPr lang="en-US" altLang="ko-KR" sz="1200"/>
+                        <a:t>9</a:t>
+                      </a:r>
+                      <a:endParaRPr lang="ko-KR" altLang="en-US" sz="1200"/>
+                    </a:p>
+                  </a:txBody>
+                  <a:tcPr marL="91440" marR="91440" anchor="ctr"/>
+                </a:tc>
+                <a:tc>
+                  <a:txBody>
+                    <a:bodyPr vert="horz" lIns="91440" tIns="45720" rIns="91440" bIns="45720" anchor="ctr" anchorCtr="0"/>
+                    <a:lstStyle/>
+                    <a:p>
+                      <a:pPr lvl="0" latinLnBrk="1">
+                        <a:defRPr/>
+                      </a:pPr>
+                      <a:endParaRPr lang="ko-KR" altLang="en-US" sz="1200"/>
+                    </a:p>
+                  </a:txBody>
+                  <a:tcPr marL="91440" marR="91440" anchor="ctr"/>
+                </a:tc>
+                <a:tc>
+                  <a:txBody>
+                    <a:bodyPr vert="horz" lIns="91440" tIns="45720" rIns="91440" bIns="45720" anchor="ctr" anchorCtr="0"/>
+                    <a:lstStyle/>
+                    <a:p>
+                      <a:pPr lvl="0" latinLnBrk="1">
+                        <a:defRPr/>
+                      </a:pPr>
+                      <a:endParaRPr lang="en-US" altLang="ko-KR" sz="1200"/>
+                    </a:p>
+                  </a:txBody>
+                  <a:tcPr marL="91440" marR="91440" anchor="ctr"/>
+                </a:tc>
+                <a:tc>
+                  <a:txBody>
+                    <a:bodyPr vert="horz" lIns="91440" tIns="45720" rIns="91440" bIns="45720" anchor="ctr" anchorCtr="0"/>
+                    <a:lstStyle/>
+                    <a:p>
+                      <a:pPr lvl="0" latinLnBrk="1">
+                        <a:defRPr/>
+                      </a:pPr>
+                      <a:endParaRPr lang="ko-KR" altLang="en-US" sz="1200"/>
+                    </a:p>
+                  </a:txBody>
+                  <a:tcPr marL="91440" marR="91440" anchor="ctr"/>
+                </a:tc>
+              </a:tr>
+              <a:tr h="302427">
+                <a:tc>
+                  <a:txBody>
+                    <a:bodyPr vert="horz" lIns="91440" tIns="45720" rIns="91440" bIns="45720" anchor="ctr" anchorCtr="0"/>
+                    <a:lstStyle/>
+                    <a:p>
+                      <a:pPr lvl="0" algn="ctr" latinLnBrk="1">
+                        <a:defRPr/>
+                      </a:pPr>
+                      <a:r>
+                        <a:rPr lang="en-US" altLang="ko-KR" sz="1200"/>
+                        <a:t>10</a:t>
+                      </a:r>
+                      <a:endParaRPr lang="ko-KR" altLang="en-US" sz="1200"/>
+                    </a:p>
+                  </a:txBody>
+                  <a:tcPr marL="91440" marR="91440" anchor="ctr"/>
+                </a:tc>
+                <a:tc>
+                  <a:txBody>
+                    <a:bodyPr vert="horz" lIns="91440" tIns="45720" rIns="91440" bIns="45720" anchor="ctr" anchorCtr="0"/>
+                    <a:lstStyle/>
+                    <a:p>
+                      <a:pPr lvl="0" latinLnBrk="1">
+                        <a:defRPr/>
+                      </a:pPr>
+                      <a:endParaRPr lang="ko-KR" altLang="en-US" sz="1200"/>
+                    </a:p>
+                  </a:txBody>
+                  <a:tcPr marL="91440" marR="91440" anchor="ctr"/>
+                </a:tc>
+                <a:tc>
+                  <a:txBody>
+                    <a:bodyPr vert="horz" lIns="91440" tIns="45720" rIns="91440" bIns="45720" anchor="ctr" anchorCtr="0"/>
+                    <a:lstStyle/>
+                    <a:p>
+                      <a:pPr lvl="0" latinLnBrk="1">
+                        <a:defRPr/>
+                      </a:pPr>
+                      <a:endParaRPr lang="en-US" altLang="ko-KR" sz="1200"/>
+                    </a:p>
+                  </a:txBody>
+                  <a:tcPr marL="91440" marR="91440" anchor="ctr"/>
+                </a:tc>
+                <a:tc>
+                  <a:txBody>
+                    <a:bodyPr vert="horz" lIns="91440" tIns="45720" rIns="91440" bIns="45720" anchor="ctr" anchorCtr="0"/>
+                    <a:lstStyle/>
+                    <a:p>
+                      <a:pPr lvl="0" latinLnBrk="1">
+                        <a:defRPr/>
+                      </a:pPr>
+                      <a:endParaRPr lang="en-US" altLang="ko-KR" sz="1200"/>
+                    </a:p>
+                  </a:txBody>
+                  <a:tcPr marL="91440" marR="91440" anchor="ctr"/>
+                </a:tc>
+              </a:tr>
+              <a:tr h="302427">
+                <a:tc>
+                  <a:txBody>
+                    <a:bodyPr vert="horz" lIns="91440" tIns="45720" rIns="91440" bIns="45720" anchor="ctr" anchorCtr="0"/>
+                    <a:lstStyle/>
+                    <a:p>
+                      <a:pPr lvl="0" algn="ctr" latinLnBrk="1">
+                        <a:defRPr/>
+                      </a:pPr>
+                      <a:r>
+                        <a:rPr lang="en-US" altLang="ko-KR" sz="1200"/>
+                        <a:t>11</a:t>
+                      </a:r>
+                      <a:endParaRPr lang="ko-KR" altLang="en-US" sz="1200"/>
+                    </a:p>
+                  </a:txBody>
+                  <a:tcPr marL="91440" marR="91440" anchor="ctr"/>
+                </a:tc>
+                <a:tc>
+                  <a:txBody>
+                    <a:bodyPr vert="horz" lIns="91440" tIns="45720" rIns="91440" bIns="45720" anchor="ctr" anchorCtr="0"/>
+                    <a:lstStyle/>
+                    <a:p>
+                      <a:pPr lvl="0" latinLnBrk="1">
+                        <a:defRPr/>
+                      </a:pPr>
+                      <a:endParaRPr lang="ko-KR" altLang="en-US" sz="1200"/>
+                    </a:p>
+                  </a:txBody>
+                  <a:tcPr marL="91440" marR="91440" anchor="ctr"/>
+                </a:tc>
+                <a:tc>
+                  <a:txBody>
+                    <a:bodyPr vert="horz" lIns="91440" tIns="45720" rIns="91440" bIns="45720" anchor="ctr" anchorCtr="0"/>
+                    <a:lstStyle/>
+                    <a:p>
+                      <a:pPr lvl="0" latinLnBrk="1">
+                        <a:defRPr/>
+                      </a:pPr>
+                      <a:endParaRPr lang="ko-KR" altLang="en-US" sz="1200"/>
+                    </a:p>
+                  </a:txBody>
+                  <a:tcPr marL="91440" marR="91440" anchor="ctr"/>
+                </a:tc>
+                <a:tc>
+                  <a:txBody>
+                    <a:bodyPr vert="horz" lIns="91440" tIns="45720" rIns="91440" bIns="45720" anchor="ctr" anchorCtr="0"/>
+                    <a:lstStyle/>
+                    <a:p>
+                      <a:pPr lvl="0" latinLnBrk="1">
+                        <a:defRPr/>
+                      </a:pPr>
+                      <a:endParaRPr lang="ko-KR" altLang="en-US" sz="1200"/>
+                    </a:p>
+                  </a:txBody>
+                  <a:tcPr marL="91440" marR="91440" anchor="ctr"/>
+                </a:tc>
+              </a:tr>
+              <a:tr h="302427">
+                <a:tc>
+                  <a:txBody>
+                    <a:bodyPr vert="horz" lIns="91440" tIns="45720" rIns="91440" bIns="45720" anchor="ctr" anchorCtr="0"/>
+                    <a:lstStyle/>
+                    <a:p>
+                      <a:pPr lvl="0" algn="ctr" latinLnBrk="1">
+                        <a:defRPr/>
+                      </a:pPr>
+                      <a:r>
+                        <a:rPr lang="en-US" altLang="ko-KR" sz="1200"/>
+                        <a:t>12</a:t>
+                      </a:r>
+                      <a:endParaRPr lang="ko-KR" altLang="en-US" sz="1200"/>
+                    </a:p>
+                  </a:txBody>
+                  <a:tcPr marL="91440" marR="91440" anchor="ctr"/>
+                </a:tc>
+                <a:tc>
+                  <a:txBody>
+                    <a:bodyPr vert="horz" lIns="91440" tIns="45720" rIns="91440" bIns="45720" anchor="ctr" anchorCtr="0"/>
+                    <a:lstStyle/>
+                    <a:p>
+                      <a:pPr lvl="0" latinLnBrk="1">
+                        <a:defRPr/>
+                      </a:pPr>
+                      <a:endParaRPr lang="ko-KR" altLang="en-US" sz="1200"/>
+                    </a:p>
+                  </a:txBody>
+                  <a:tcPr marL="91440" marR="91440" anchor="ctr"/>
+                </a:tc>
+                <a:tc>
+                  <a:txBody>
+                    <a:bodyPr vert="horz" lIns="91440" tIns="45720" rIns="91440" bIns="45720" anchor="ctr" anchorCtr="0"/>
+                    <a:lstStyle/>
+                    <a:p>
+                      <a:pPr lvl="0" latinLnBrk="1">
+                        <a:defRPr/>
+                      </a:pPr>
+                      <a:endParaRPr lang="ko-KR" altLang="en-US" sz="1200"/>
+                    </a:p>
+                  </a:txBody>
+                  <a:tcPr marL="91440" marR="91440" anchor="ctr"/>
+                </a:tc>
+                <a:tc>
+                  <a:txBody>
+                    <a:bodyPr vert="horz" lIns="91440" tIns="45720" rIns="91440" bIns="45720" anchor="ctr" anchorCtr="0"/>
+                    <a:lstStyle/>
+                    <a:p>
+                      <a:pPr lvl="0" latinLnBrk="1">
+                        <a:defRPr/>
+                      </a:pPr>
+                      <a:endParaRPr lang="ko-KR" altLang="en-US" sz="1200"/>
+                    </a:p>
+                  </a:txBody>
+                  <a:tcPr marL="91440" marR="91440" anchor="ctr"/>
+                </a:tc>
+              </a:tr>
+              <a:tr h="302427">
+                <a:tc>
+                  <a:txBody>
+                    <a:bodyPr vert="horz" lIns="91440" tIns="45720" rIns="91440" bIns="45720" anchor="ctr" anchorCtr="0"/>
+                    <a:lstStyle/>
+                    <a:p>
+                      <a:pPr lvl="0" algn="ctr" latinLnBrk="1">
+                        <a:defRPr/>
+                      </a:pPr>
+                      <a:r>
+                        <a:rPr lang="en-US" altLang="ko-KR" sz="1200"/>
+                        <a:t>13</a:t>
+                      </a:r>
+                      <a:endParaRPr lang="ko-KR" altLang="en-US" sz="1200"/>
+                    </a:p>
+                  </a:txBody>
+                  <a:tcPr marL="91440" marR="91440" anchor="ctr"/>
+                </a:tc>
+                <a:tc>
+                  <a:txBody>
+                    <a:bodyPr vert="horz" lIns="91440" tIns="45720" rIns="91440" bIns="45720" anchor="ctr" anchorCtr="0"/>
+                    <a:lstStyle/>
+                    <a:p>
+                      <a:pPr lvl="0" latinLnBrk="1">
+                        <a:defRPr/>
+                      </a:pPr>
+                      <a:endParaRPr lang="ko-KR" altLang="en-US" sz="1200"/>
+                    </a:p>
+                  </a:txBody>
+                  <a:tcPr marL="91440" marR="91440" anchor="ctr"/>
+                </a:tc>
+                <a:tc>
+                  <a:txBody>
+                    <a:bodyPr vert="horz" lIns="91440" tIns="45720" rIns="91440" bIns="45720" anchor="ctr" anchorCtr="0"/>
+                    <a:lstStyle/>
+                    <a:p>
+                      <a:pPr lvl="0" latinLnBrk="1">
+                        <a:defRPr/>
+                      </a:pPr>
+                      <a:endParaRPr lang="ko-KR" altLang="en-US" sz="1200"/>
+                    </a:p>
+                  </a:txBody>
+                  <a:tcPr marL="91440" marR="91440" anchor="ctr"/>
+                </a:tc>
+                <a:tc>
+                  <a:txBody>
+                    <a:bodyPr vert="horz" lIns="91440" tIns="45720" rIns="91440" bIns="45720" anchor="ctr" anchorCtr="0"/>
+                    <a:lstStyle/>
+                    <a:p>
+                      <a:pPr lvl="0" latinLnBrk="1">
+                        <a:defRPr/>
+                      </a:pPr>
+                      <a:endParaRPr lang="ko-KR" altLang="en-US" sz="1200"/>
+                    </a:p>
+                  </a:txBody>
+                  <a:tcPr marL="91440" marR="91440" anchor="ctr"/>
+                </a:tc>
+              </a:tr>
+              <a:tr h="302427">
+                <a:tc>
+                  <a:txBody>
+                    <a:bodyPr vert="horz" lIns="91440" tIns="45720" rIns="91440" bIns="45720" anchor="ctr" anchorCtr="0"/>
+                    <a:lstStyle/>
+                    <a:p>
+                      <a:pPr lvl="0" algn="ctr" latinLnBrk="1">
+                        <a:defRPr/>
+                      </a:pPr>
+                      <a:r>
+                        <a:rPr lang="en-US" altLang="ko-KR" sz="1200"/>
+                        <a:t>14</a:t>
+                      </a:r>
+                      <a:endParaRPr lang="ko-KR" altLang="en-US" sz="1200"/>
+                    </a:p>
+                  </a:txBody>
+                  <a:tcPr marL="91440" marR="91440" anchor="ctr"/>
+                </a:tc>
+                <a:tc>
+                  <a:txBody>
+                    <a:bodyPr vert="horz" lIns="91440" tIns="45720" rIns="91440" bIns="45720" anchor="ctr" anchorCtr="0"/>
+                    <a:lstStyle/>
+                    <a:p>
+                      <a:pPr lvl="0" latinLnBrk="1">
+                        <a:defRPr/>
+                      </a:pPr>
+                      <a:endParaRPr lang="ko-KR" altLang="en-US" sz="1200"/>
+                    </a:p>
+                  </a:txBody>
+                  <a:tcPr marL="91440" marR="91440" anchor="ctr"/>
+                </a:tc>
+                <a:tc>
+                  <a:txBody>
+                    <a:bodyPr vert="horz" lIns="91440" tIns="45720" rIns="91440" bIns="45720" anchor="ctr" anchorCtr="0"/>
+                    <a:lstStyle/>
+                    <a:p>
+                      <a:pPr lvl="0" latinLnBrk="1">
+                        <a:defRPr/>
+                      </a:pPr>
+                      <a:endParaRPr lang="ko-KR" altLang="en-US" sz="1200"/>
+                    </a:p>
+                  </a:txBody>
+                  <a:tcPr marL="91440" marR="91440" anchor="ctr"/>
+                </a:tc>
+                <a:tc>
+                  <a:txBody>
+                    <a:bodyPr vert="horz" lIns="91440" tIns="45720" rIns="91440" bIns="45720" anchor="ctr" anchorCtr="0"/>
+                    <a:lstStyle/>
+                    <a:p>
+                      <a:pPr lvl="0" latinLnBrk="1">
+                        <a:defRPr/>
+                      </a:pPr>
+                      <a:endParaRPr lang="ko-KR" altLang="en-US" sz="1200"/>
+                    </a:p>
+                  </a:txBody>
+                  <a:tcPr marL="91440" marR="91440" anchor="ctr"/>
+                </a:tc>
+              </a:tr>
+              <a:tr h="302427">
+                <a:tc>
+                  <a:txBody>
+                    <a:bodyPr vert="horz" lIns="91440" tIns="45720" rIns="91440" bIns="45720" anchor="ctr" anchorCtr="0"/>
+                    <a:lstStyle/>
+                    <a:p>
+                      <a:pPr lvl="0" algn="ctr" latinLnBrk="1">
+                        <a:defRPr/>
+                      </a:pPr>
+                      <a:r>
+                        <a:rPr lang="en-US" altLang="ko-KR" sz="1200"/>
+                        <a:t>15</a:t>
+                      </a:r>
+                      <a:endParaRPr lang="ko-KR" altLang="en-US" sz="1200"/>
+                    </a:p>
+                  </a:txBody>
+                  <a:tcPr marL="91440" marR="91440" anchor="ctr"/>
+                </a:tc>
+                <a:tc>
+                  <a:txBody>
+                    <a:bodyPr vert="horz" lIns="91440" tIns="45720" rIns="91440" bIns="45720" anchor="ctr" anchorCtr="0"/>
+                    <a:lstStyle/>
+                    <a:p>
+                      <a:pPr lvl="0" latinLnBrk="1">
+                        <a:defRPr/>
+                      </a:pPr>
+                      <a:endParaRPr lang="ko-KR" altLang="en-US" sz="1200"/>
+                    </a:p>
+                  </a:txBody>
+                  <a:tcPr marL="91440" marR="91440" anchor="ctr"/>
+                </a:tc>
+                <a:tc>
+                  <a:txBody>
+                    <a:bodyPr vert="horz" lIns="91440" tIns="45720" rIns="91440" bIns="45720" anchor="ctr" anchorCtr="0"/>
+                    <a:lstStyle/>
+                    <a:p>
+                      <a:pPr lvl="0" latinLnBrk="1">
+                        <a:defRPr/>
+                      </a:pPr>
+                      <a:endParaRPr lang="ko-KR" altLang="en-US" sz="1200"/>
+                    </a:p>
+                  </a:txBody>
+                  <a:tcPr marL="91440" marR="91440" anchor="ctr"/>
+                </a:tc>
+                <a:tc>
+                  <a:txBody>
+                    <a:bodyPr vert="horz" lIns="91440" tIns="45720" rIns="91440" bIns="45720" anchor="ctr" anchorCtr="0"/>
+                    <a:lstStyle/>
+                    <a:p>
+                      <a:pPr lvl="0" latinLnBrk="1">
+                        <a:defRPr/>
+                      </a:pPr>
+                      <a:endParaRPr lang="ko-KR" altLang="en-US" sz="1200"/>
+                    </a:p>
+                  </a:txBody>
+                  <a:tcPr marL="91440" marR="91440" anchor="ctr"/>
+                </a:tc>
+              </a:tr>
+            </a:tbl>
+          </a:graphicData>
+        </a:graphic>
+      </p:graphicFrame>
+      <p:sp>
+        <p:nvSpPr>
+          <p:cNvPr id="8" name="TextBox 7"/>
+          <p:cNvSpPr txBox="1"/>
+          <p:nvPr/>
+        </p:nvSpPr>
+        <p:spPr>
+          <a:xfrm>
+            <a:off x="341521" y="825820"/>
+            <a:ext cx="1928090" cy="261610"/>
+          </a:xfrm>
+          <a:prstGeom prst="rect">
+            <a:avLst/>
+          </a:prstGeom>
+          <a:noFill/>
+        </p:spPr>
+        <p:txBody>
+          <a:bodyPr wrap="square" anchor="ctr" anchorCtr="0">
+            <a:spAutoFit/>
+          </a:bodyPr>
+          <a:lstStyle/>
+          <a:p>
+            <a:pPr lvl="0">
+              <a:defRPr/>
+            </a:pPr>
+            <a:r>
+              <a:rPr lang="en-US" altLang="ko-KR" sz="1100" b="1"/>
+              <a:t>4-3.</a:t>
+            </a:r>
+            <a:r>
+              <a:rPr lang="ko-KR" altLang="en-US" sz="1100" b="1"/>
+              <a:t> 모션</a:t>
+            </a:r>
+            <a:endParaRPr lang="ko-KR" altLang="en-US" sz="1100" b="1"/>
+          </a:p>
+        </p:txBody>
+      </p:sp>
+    </p:spTree>
+    <p:extLst>
+      <p:ext uri="{BB962C8B-B14F-4D97-AF65-F5344CB8AC3E}">
+        <p14:creationId xmlns:p14="http://schemas.microsoft.com/office/powerpoint/2010/main" val="978572040"/>
+      </p:ext>
+    </p:extLst>
+  </p:cSld>
+  <p:clrMapOvr>
+    <a:masterClrMapping/>
+  </p:clrMapOvr>
+</p:sld>
+</file>
+
+<file path=ppt/slides/slide22.xml><?xml version="1.0" encoding="utf-8"?>
 <p:sld xmlns:a="http://schemas.openxmlformats.org/drawingml/2006/main" xmlns:r="http://schemas.openxmlformats.org/officeDocument/2006/relationships" xmlns:p="http://schemas.openxmlformats.org/presentationml/2006/main">
   <p:cSld>
     <p:spTree>
@@ -6952,285 +11999,6 @@
 </p:sld>
 </file>
 
-<file path=ppt/slides/slide2.xml><?xml version="1.0" encoding="utf-8"?>
-<p:sld xmlns:r="http://schemas.openxmlformats.org/officeDocument/2006/relationships" xmlns:c="http://schemas.openxmlformats.org/drawingml/2006/chart" xmlns:a="http://schemas.openxmlformats.org/drawingml/2006/main" xmlns:dgm="http://schemas.openxmlformats.org/drawingml/2006/diagram" xmlns:dsp="http://schemas.microsoft.com/office/drawing/2008/diagram" xmlns:p="http://schemas.openxmlformats.org/presentationml/2006/main">
-  <p:cSld>
-    <p:spTree>
-      <p:nvGrpSpPr>
-        <p:cNvPr id="1" name=""/>
-        <p:cNvGrpSpPr/>
-        <p:nvPr/>
-      </p:nvGrpSpPr>
-      <p:grpSpPr>
-        <a:xfrm>
-          <a:off x="0" y="0"/>
-          <a:ext cx="0" cy="0"/>
-          <a:chOff x="0" y="0"/>
-          <a:chExt cx="0" cy="0"/>
-        </a:xfrm>
-      </p:grpSpPr>
-      <p:sp>
-        <p:nvSpPr>
-          <p:cNvPr id="6" name="직사각형 5">
-            <a:extLst>
-              <a:ext uri="{FF2B5EF4-FFF2-40B4-BE49-F238E27FC236}">
-                <a16:creationId xmlns:a16="http://schemas.microsoft.com/office/drawing/2014/main" id="{4F8E4DE1-876B-41F1-B152-6C1D61438F86}"/>
-              </a:ext>
-            </a:extLst>
-          </p:cNvPr>
-          <p:cNvSpPr/>
-          <p:nvPr/>
-        </p:nvSpPr>
-        <p:spPr>
-          <a:xfrm rot="16200000" flipV="1">
-            <a:off x="6789421" y="1455420"/>
-            <a:ext cx="6858002" cy="3947163"/>
-          </a:xfrm>
-          <a:prstGeom prst="rect">
-            <a:avLst/>
-          </a:prstGeom>
-          <a:solidFill>
-            <a:schemeClr val="accent5">
-              <a:lumMod val="20000"/>
-              <a:lumOff val="80000"/>
-            </a:schemeClr>
-          </a:solidFill>
-          <a:ln>
-            <a:noFill/>
-          </a:ln>
-        </p:spPr>
-        <p:style>
-          <a:lnRef idx="2">
-            <a:schemeClr val="accent1">
-              <a:shade val="50000"/>
-            </a:schemeClr>
-          </a:lnRef>
-          <a:fillRef idx="1">
-            <a:schemeClr val="accent1"/>
-          </a:fillRef>
-          <a:effectRef idx="0">
-            <a:schemeClr val="accent1"/>
-          </a:effectRef>
-          <a:fontRef idx="minor">
-            <a:schemeClr val="lt1"/>
-          </a:fontRef>
-        </p:style>
-        <p:txBody>
-          <a:bodyPr rtlCol="0" anchor="ctr"/>
-          <a:lstStyle/>
-          <a:p>
-            <a:pPr algn="ctr"/>
-            <a:endParaRPr lang="ko-KR" altLang="en-US"/>
-          </a:p>
-        </p:txBody>
-      </p:sp>
-      <p:sp>
-        <p:nvSpPr>
-          <p:cNvPr id="5" name="직사각형 4">
-            <a:extLst>
-              <a:ext uri="{FF2B5EF4-FFF2-40B4-BE49-F238E27FC236}">
-                <a16:creationId xmlns:a16="http://schemas.microsoft.com/office/drawing/2014/main" id="{7FA934C4-C944-48E9-897A-E273897F1B6C}"/>
-              </a:ext>
-            </a:extLst>
-          </p:cNvPr>
-          <p:cNvSpPr/>
-          <p:nvPr/>
-        </p:nvSpPr>
-        <p:spPr>
-          <a:xfrm rot="16200000" flipV="1">
-            <a:off x="-1455420" y="1455419"/>
-            <a:ext cx="6858002" cy="3947163"/>
-          </a:xfrm>
-          <a:prstGeom prst="rect">
-            <a:avLst/>
-          </a:prstGeom>
-          <a:solidFill>
-            <a:schemeClr val="accent5">
-              <a:lumMod val="20000"/>
-              <a:lumOff val="80000"/>
-            </a:schemeClr>
-          </a:solidFill>
-          <a:ln>
-            <a:noFill/>
-          </a:ln>
-        </p:spPr>
-        <p:style>
-          <a:lnRef idx="2">
-            <a:schemeClr val="accent1">
-              <a:shade val="50000"/>
-            </a:schemeClr>
-          </a:lnRef>
-          <a:fillRef idx="1">
-            <a:schemeClr val="accent1"/>
-          </a:fillRef>
-          <a:effectRef idx="0">
-            <a:schemeClr val="accent1"/>
-          </a:effectRef>
-          <a:fontRef idx="minor">
-            <a:schemeClr val="lt1"/>
-          </a:fontRef>
-        </p:style>
-        <p:txBody>
-          <a:bodyPr rtlCol="0" anchor="ctr"/>
-          <a:lstStyle/>
-          <a:p>
-            <a:pPr algn="ctr"/>
-            <a:endParaRPr lang="ko-KR" altLang="en-US"/>
-          </a:p>
-        </p:txBody>
-      </p:sp>
-      <p:pic>
-        <p:nvPicPr>
-          <p:cNvPr id="4" name="그림 3">
-            <a:extLst>
-              <a:ext uri="{FF2B5EF4-FFF2-40B4-BE49-F238E27FC236}">
-                <a16:creationId xmlns:a16="http://schemas.microsoft.com/office/drawing/2014/main" id="{1E0EBE06-6210-4646-9E67-03926FDDD252}"/>
-              </a:ext>
-            </a:extLst>
-          </p:cNvPr>
-          <p:cNvPicPr>
-            <a:picLocks noChangeAspect="1"/>
-          </p:cNvPicPr>
-          <p:nvPr/>
-        </p:nvPicPr>
-        <p:blipFill>
-          <a:blip r:embed="rId2">
-            <a:alphaModFix amt="60000"/>
-            <a:extLst>
-              <a:ext uri="{28A0092B-C50C-407E-A947-70E740481C1C}">
-                <a14:useLocalDpi xmlns:a14="http://schemas.microsoft.com/office/drawing/2010/main" val="0"/>
-              </a:ext>
-            </a:extLst>
-          </a:blip>
-          <a:stretch>
-            <a:fillRect/>
-          </a:stretch>
-        </p:blipFill>
-        <p:spPr>
-          <a:xfrm>
-            <a:off x="5566409" y="6476474"/>
-            <a:ext cx="1059181" cy="238316"/>
-          </a:xfrm>
-          <a:prstGeom prst="rect">
-            <a:avLst/>
-          </a:prstGeom>
-        </p:spPr>
-      </p:pic>
-      <p:sp>
-        <p:nvSpPr>
-          <p:cNvPr id="7" name="TextBox 6"/>
-          <p:cNvSpPr txBox="1"/>
-          <p:nvPr/>
-        </p:nvSpPr>
-        <p:spPr>
-          <a:xfrm>
-            <a:off x="5105402" y="2751078"/>
-            <a:ext cx="1981198" cy="1323717"/>
-          </a:xfrm>
-          <a:prstGeom prst="rect">
-            <a:avLst/>
-          </a:prstGeom>
-          <a:noFill/>
-        </p:spPr>
-        <p:txBody>
-          <a:bodyPr wrap="square">
-            <a:spAutoFit/>
-          </a:bodyPr>
-          <a:lstStyle/>
-          <a:p>
-            <a:pPr marL="342900" lvl="0" indent="-342900">
-              <a:lnSpc>
-                <a:spcPct val="150000"/>
-              </a:lnSpc>
-              <a:buAutoNum type="arabicPeriod"/>
-              <a:defRPr/>
-            </a:pPr>
-            <a:r>
-              <a:rPr lang="ko-KR" altLang="en-US" b="1"/>
-              <a:t>스토리 </a:t>
-            </a:r>
-            <a:endParaRPr lang="ko-KR" altLang="en-US" b="1"/>
-          </a:p>
-          <a:p>
-            <a:pPr marL="342900" lvl="0" indent="-342900">
-              <a:lnSpc>
-                <a:spcPct val="150000"/>
-              </a:lnSpc>
-              <a:buAutoNum type="arabicPeriod"/>
-              <a:defRPr/>
-            </a:pPr>
-            <a:r>
-              <a:rPr lang="ko-KR" altLang="en-US" b="1"/>
-              <a:t>캐릭터 설정</a:t>
-            </a:r>
-            <a:endParaRPr lang="ko-KR" altLang="en-US" b="1"/>
-          </a:p>
-          <a:p>
-            <a:pPr marL="342900" lvl="0" indent="-342900">
-              <a:lnSpc>
-                <a:spcPct val="150000"/>
-              </a:lnSpc>
-              <a:buAutoNum type="arabicPeriod"/>
-              <a:defRPr/>
-            </a:pPr>
-            <a:r>
-              <a:rPr lang="ko-KR" altLang="en-US" b="1"/>
-              <a:t>배경요소 설정</a:t>
-            </a:r>
-            <a:endParaRPr lang="ko-KR" altLang="en-US" b="1"/>
-          </a:p>
-        </p:txBody>
-      </p:sp>
-      <p:sp>
-        <p:nvSpPr>
-          <p:cNvPr id="8" name="TextBox 7">
-            <a:extLst>
-              <a:ext uri="{FF2B5EF4-FFF2-40B4-BE49-F238E27FC236}">
-                <a16:creationId xmlns:a16="http://schemas.microsoft.com/office/drawing/2014/main" id="{15016BD1-1D96-41DE-8FEB-B4896A193A10}"/>
-              </a:ext>
-            </a:extLst>
-          </p:cNvPr>
-          <p:cNvSpPr txBox="1"/>
-          <p:nvPr/>
-        </p:nvSpPr>
-        <p:spPr>
-          <a:xfrm>
-            <a:off x="1438912" y="3198166"/>
-            <a:ext cx="1069338" cy="461665"/>
-          </a:xfrm>
-          <a:prstGeom prst="rect">
-            <a:avLst/>
-          </a:prstGeom>
-          <a:noFill/>
-        </p:spPr>
-        <p:txBody>
-          <a:bodyPr wrap="square" rtlCol="0">
-            <a:spAutoFit/>
-          </a:bodyPr>
-          <a:lstStyle/>
-          <a:p>
-            <a:pPr algn="ctr"/>
-            <a:r>
-              <a:rPr lang="ko-KR" altLang="en-US" sz="2400" b="1" dirty="0"/>
-              <a:t>목차</a:t>
-            </a:r>
-            <a:endParaRPr lang="en-US" altLang="ko-KR" sz="2400" b="1" dirty="0"/>
-          </a:p>
-        </p:txBody>
-      </p:sp>
-    </p:spTree>
-    <p:extLst>
-      <p:ext uri="{BB962C8B-B14F-4D97-AF65-F5344CB8AC3E}">
-        <p14:creationId xmlns:p14="http://schemas.microsoft.com/office/powerpoint/2010/main" val="2589037712"/>
-      </p:ext>
-    </p:extLst>
-  </p:cSld>
-  <p:clrMapOvr>
-    <a:masterClrMapping/>
-  </p:clrMapOvr>
-</p:sld>
-</file>
-
 <file path=ppt/slides/slide3.xml><?xml version="1.0" encoding="utf-8"?>
 <p:sld xmlns:r="http://schemas.openxmlformats.org/officeDocument/2006/relationships" xmlns:c="http://schemas.openxmlformats.org/drawingml/2006/chart" xmlns:a="http://schemas.openxmlformats.org/drawingml/2006/main" xmlns:dgm="http://schemas.openxmlformats.org/drawingml/2006/diagram" xmlns:dsp="http://schemas.microsoft.com/office/drawing/2008/diagram" xmlns:p="http://schemas.openxmlformats.org/presentationml/2006/main">
   <p:cSld>
@@ -8433,6 +13201,10 @@
                       <a:pPr lvl="0" latinLnBrk="1">
                         <a:defRPr/>
                       </a:pPr>
+                      <a:r>
+                        <a:rPr lang="ko-KR" altLang="en-US" sz="1200"/>
+                        <a:t>송나름</a:t>
+                      </a:r>
                       <a:endParaRPr lang="ko-KR" altLang="en-US" sz="1200"/>
                     </a:p>
                   </a:txBody>
@@ -8446,6 +13218,59 @@
                       <a:pPr lvl="0" latinLnBrk="1">
                         <a:defRPr/>
                       </a:pPr>
+                      <a:r>
+                        <a:rPr lang="en-US" altLang="ko-KR" sz="1200"/>
+                        <a:t>2024-01-27</a:t>
+                      </a:r>
+                      <a:endParaRPr lang="en-US" altLang="ko-KR" sz="1200"/>
+                    </a:p>
+                  </a:txBody>
+                  <a:tcPr marL="91440" marR="91440" anchor="ctr"/>
+                </a:tc>
+                <a:tc>
+                  <a:txBody>
+                    <a:bodyPr vert="horz" lIns="91440" tIns="45720" rIns="91440" bIns="45720" anchor="ctr" anchorCtr="0"/>
+                    <a:lstStyle/>
+                    <a:p>
+                      <a:pPr lvl="0" latinLnBrk="1">
+                        <a:defRPr/>
+                      </a:pPr>
+                      <a:r>
+                        <a:rPr lang="ko-KR" altLang="en-US" sz="1200"/>
+                        <a:t>목차</a:t>
+                      </a:r>
+                      <a:r>
+                        <a:rPr lang="en-US" altLang="ko-KR" sz="1200"/>
+                        <a:t>_</a:t>
+                      </a:r>
+                      <a:r>
+                        <a:rPr lang="ko-KR" altLang="en-US" sz="1200"/>
+                        <a:t>필요한 부분 추가</a:t>
+                      </a:r>
+                      <a:r>
+                        <a:rPr lang="en-US" altLang="ko-KR" sz="1200"/>
+                        <a:t>,</a:t>
+                      </a:r>
+                      <a:r>
+                        <a:rPr lang="ko-KR" altLang="en-US" sz="1200"/>
+                        <a:t> 배경요소</a:t>
+                      </a:r>
+                      <a:r>
+                        <a:rPr lang="en-US" altLang="ko-KR" sz="1200"/>
+                        <a:t>-</a:t>
+                      </a:r>
+                      <a:r>
+                        <a:rPr lang="ko-KR" altLang="en-US" sz="1200"/>
+                        <a:t>화장실</a:t>
+                      </a:r>
+                      <a:r>
+                        <a:rPr lang="en-US" altLang="ko-KR" sz="1200"/>
+                        <a:t>,</a:t>
+                      </a:r>
+                      <a:r>
+                        <a:rPr lang="ko-KR" altLang="en-US" sz="1200"/>
+                        <a:t> 주방 추가</a:t>
+                      </a:r>
                       <a:endParaRPr lang="ko-KR" altLang="en-US" sz="1200"/>
                     </a:p>
                   </a:txBody>
@@ -8459,20 +13284,11 @@
                       <a:pPr lvl="0" latinLnBrk="1">
                         <a:defRPr/>
                       </a:pPr>
-                      <a:endParaRPr lang="ko-KR" altLang="en-US" sz="1200"/>
-                    </a:p>
-                  </a:txBody>
-                  <a:tcPr marL="91440" marR="91440" anchor="ctr"/>
-                </a:tc>
-                <a:tc>
-                  <a:txBody>
-                    <a:bodyPr vert="horz" lIns="91440" tIns="45720" rIns="91440" bIns="45720" anchor="ctr" anchorCtr="0"/>
-                    <a:lstStyle/>
-                    <a:p>
-                      <a:pPr lvl="0" latinLnBrk="1">
-                        <a:defRPr/>
-                      </a:pPr>
-                      <a:endParaRPr lang="ko-KR" altLang="en-US" sz="1200"/>
+                      <a:r>
+                        <a:rPr lang="en-US" altLang="ko-KR" sz="1200"/>
+                        <a:t>0.8</a:t>
+                      </a:r>
+                      <a:endParaRPr lang="en-US" altLang="ko-KR" sz="1200"/>
                     </a:p>
                   </a:txBody>
                   <a:tcPr marL="91440" marR="91440" anchor="ctr"/>
@@ -10351,7 +15167,7 @@
         </p:nvGraphicFramePr>
         <p:xfrm>
           <a:off x="341521" y="1297471"/>
-          <a:ext cx="4475224" cy="5242815"/>
+          <a:ext cx="4475224" cy="4197435"/>
         </p:xfrm>
         <a:graphic>
           <a:graphicData uri="http://schemas.openxmlformats.org/drawingml/2006/table">
@@ -10363,7 +15179,7 @@
                 <a:gridCol w="470863"/>
                 <a:gridCol w="4004361"/>
               </a:tblGrid>
-              <a:tr h="226788">
+              <a:tr h="208680">
                 <a:tc>
                   <a:txBody>
                     <a:bodyPr vert="horz" lIns="91440" tIns="45720" rIns="91440" bIns="45720" anchor="ctr" anchorCtr="0"/>
@@ -10597,7 +15413,7 @@
                   </a:tcPr>
                 </a:tc>
               </a:tr>
-              <a:tr h="777658">
+              <a:tr h="615035">
                 <a:tc>
                   <a:txBody>
                     <a:bodyPr vert="horz" lIns="91440" tIns="45720" rIns="91440" bIns="45720" anchor="ctr" anchorCtr="0"/>
@@ -10853,7 +15669,7 @@
                   </a:tcPr>
                 </a:tc>
               </a:tr>
-              <a:tr h="1172831">
+              <a:tr h="927570">
                 <a:tc>
                   <a:txBody>
                     <a:bodyPr vert="horz" lIns="91440" tIns="45720" rIns="91440" bIns="45720" anchor="ctr" anchorCtr="0"/>
@@ -11229,7 +16045,7 @@
                   </a:tcPr>
                 </a:tc>
               </a:tr>
-              <a:tr h="3048486">
+              <a:tr h="2410990">
                 <a:tc>
                   <a:txBody>
                     <a:bodyPr vert="horz" lIns="91440" tIns="45720" rIns="91440" bIns="45720" anchor="ctr" anchorCtr="0"/>
@@ -11365,7 +16181,7 @@
                             <a:schemeClr val="tx1"/>
                           </a:solidFill>
                         </a:rPr>
-                        <a:t> 어릴적 가족과 함께 간 놀이공원에서 부모님께서 사주신 오르골을 아낀다</a:t>
+                        <a:t> 어릴적 생일선물로 받은 오르골을 아낀다</a:t>
                       </a:r>
                       <a:r>
                         <a:rPr lang="en-US" altLang="ko-KR" sz="1000" b="0">
@@ -11548,72 +16364,6 @@
                           </a:solidFill>
                         </a:rPr>
                         <a:t>와 함께 노는 것</a:t>
-                      </a:r>
-                      <a:r>
-                        <a:rPr lang="en-US" altLang="ko-KR" sz="1000" b="0">
-                          <a:solidFill>
-                            <a:schemeClr val="tx1"/>
-                          </a:solidFill>
-                        </a:rPr>
-                        <a:t>.</a:t>
-                      </a:r>
-                      <a:endParaRPr lang="en-US" altLang="ko-KR" sz="1000" b="0">
-                        <a:solidFill>
-                          <a:schemeClr val="tx1"/>
-                        </a:solidFill>
-                      </a:endParaRPr>
-                    </a:p>
-                    <a:p>
-                      <a:pPr lvl="0" latinLnBrk="1">
-                        <a:defRPr/>
-                      </a:pPr>
-                      <a:r>
-                        <a:rPr lang="en-US" altLang="ko-KR" sz="1000" b="0">
-                          <a:solidFill>
-                            <a:schemeClr val="tx1"/>
-                          </a:solidFill>
-                        </a:rPr>
-                        <a:t>-</a:t>
-                      </a:r>
-                      <a:r>
-                        <a:rPr lang="ko-KR" altLang="en-US" sz="1000" b="0">
-                          <a:solidFill>
-                            <a:schemeClr val="tx1"/>
-                          </a:solidFill>
-                        </a:rPr>
-                        <a:t> </a:t>
-                      </a:r>
-                      <a:r>
-                        <a:rPr lang="en-US" altLang="ko-KR" sz="1000" b="0">
-                          <a:solidFill>
-                            <a:schemeClr val="tx1"/>
-                          </a:solidFill>
-                        </a:rPr>
-                        <a:t>tv</a:t>
-                      </a:r>
-                      <a:r>
-                        <a:rPr lang="ko-KR" altLang="en-US" sz="1000" b="0">
-                          <a:solidFill>
-                            <a:schemeClr val="tx1"/>
-                          </a:solidFill>
-                        </a:rPr>
-                        <a:t>에서 나오는 애니메이션을 보며</a:t>
-                      </a:r>
-                      <a:r>
-                        <a:rPr lang="en-US" altLang="ko-KR" sz="1000" b="0">
-                          <a:solidFill>
-                            <a:schemeClr val="tx1"/>
-                          </a:solidFill>
-                        </a:rPr>
-                        <a:t>,</a:t>
-                      </a:r>
-                      <a:r>
-                        <a:rPr lang="ko-KR" altLang="en-US" sz="1000" b="0">
-                          <a:solidFill>
-                            <a:schemeClr val="tx1"/>
-                          </a:solidFill>
-                        </a:rPr>
-                        <a:t> 매번 같은 나이로 살아가는 캐릭터를 부러워 함</a:t>
                       </a:r>
                       <a:r>
                         <a:rPr lang="en-US" altLang="ko-KR" sz="1000" b="0">
@@ -12072,7 +16822,7 @@
         </p:nvGraphicFramePr>
         <p:xfrm>
           <a:off x="320587" y="1320747"/>
-          <a:ext cx="4328686" cy="4781913"/>
+          <a:ext cx="4328686" cy="4185292"/>
         </p:xfrm>
         <a:graphic>
           <a:graphicData uri="http://schemas.openxmlformats.org/drawingml/2006/table">
@@ -12786,7 +17536,7 @@
                   </a:tcPr>
                 </a:tc>
               </a:tr>
-              <a:tr h="2673661">
+              <a:tr h="2077040">
                 <a:tc>
                   <a:txBody>
                     <a:bodyPr vert="horz" lIns="91440" tIns="45720" rIns="91440" bIns="45720" anchor="ctr" anchorCtr="0"/>
@@ -12973,40 +17723,6 @@
                           </a:solidFill>
                         </a:rPr>
                         <a:t>에 비해 어른스럽다</a:t>
-                      </a:r>
-                      <a:r>
-                        <a:rPr lang="en-US" altLang="ko-KR" sz="1000" b="0">
-                          <a:solidFill>
-                            <a:schemeClr val="tx1"/>
-                          </a:solidFill>
-                        </a:rPr>
-                        <a:t>.</a:t>
-                      </a:r>
-                      <a:endParaRPr lang="en-US" altLang="ko-KR" sz="1000" b="0">
-                        <a:solidFill>
-                          <a:schemeClr val="tx1"/>
-                        </a:solidFill>
-                      </a:endParaRPr>
-                    </a:p>
-                    <a:p>
-                      <a:pPr lvl="0" latinLnBrk="1">
-                        <a:defRPr/>
-                      </a:pPr>
-                      <a:r>
-                        <a:rPr lang="en-US" altLang="ko-KR" sz="1000" b="0">
-                          <a:solidFill>
-                            <a:schemeClr val="tx1"/>
-                          </a:solidFill>
-                        </a:rPr>
-                        <a:t>-</a:t>
-                      </a:r>
-                      <a:r>
-                        <a:rPr lang="ko-KR" altLang="en-US" sz="1000" b="0">
-                          <a:solidFill>
-                            <a:schemeClr val="tx1"/>
-                          </a:solidFill>
-                        </a:rPr>
-                        <a:t> 감정적이다</a:t>
                       </a:r>
                       <a:r>
                         <a:rPr lang="en-US" altLang="ko-KR" sz="1000" b="0">

--- a/Doc/Story/캐릭터 설정_v1.02.pptx
+++ b/Doc/Story/캐릭터 설정_v1.02.pptx
@@ -10599,7 +10599,7 @@
         </p:nvGraphicFramePr>
         <p:xfrm>
           <a:off x="320588" y="1692443"/>
-          <a:ext cx="11019778" cy="4838839"/>
+          <a:ext cx="11019777" cy="4838832"/>
         </p:xfrm>
         <a:graphic>
           <a:graphicData uri="http://schemas.openxmlformats.org/drawingml/2006/table">
@@ -11019,6 +11019,27 @@
                       <a:pPr lvl="0" latinLnBrk="1">
                         <a:defRPr/>
                       </a:pPr>
+                      <a:r>
+                        <a:rPr lang="en-US" altLang="ko-KR" sz="1200"/>
+                        <a:t>a</a:t>
+                      </a:r>
+                      <a:endParaRPr lang="en-US" altLang="ko-KR" sz="1200"/>
+                    </a:p>
+                  </a:txBody>
+                  <a:tcPr marL="91440" marR="91440" anchor="ctr"/>
+                </a:tc>
+                <a:tc>
+                  <a:txBody>
+                    <a:bodyPr vert="horz" lIns="91440" tIns="45720" rIns="91440" bIns="45720" anchor="ctr" anchorCtr="0"/>
+                    <a:lstStyle/>
+                    <a:p>
+                      <a:pPr lvl="0" latinLnBrk="1">
+                        <a:defRPr/>
+                      </a:pPr>
+                      <a:r>
+                        <a:rPr lang="ko-KR" altLang="en-US" sz="1200"/>
+                        <a:t>이불에서 나오는 모습</a:t>
+                      </a:r>
                       <a:endParaRPr lang="ko-KR" altLang="en-US" sz="1200"/>
                     </a:p>
                   </a:txBody>
@@ -11032,20 +11053,11 @@
                       <a:pPr lvl="0" latinLnBrk="1">
                         <a:defRPr/>
                       </a:pPr>
-                      <a:endParaRPr lang="en-US" altLang="ko-KR" sz="1200"/>
-                    </a:p>
-                  </a:txBody>
-                  <a:tcPr marL="91440" marR="91440" anchor="ctr"/>
-                </a:tc>
-                <a:tc>
-                  <a:txBody>
-                    <a:bodyPr vert="horz" lIns="91440" tIns="45720" rIns="91440" bIns="45720" anchor="ctr" anchorCtr="0"/>
-                    <a:lstStyle/>
-                    <a:p>
-                      <a:pPr lvl="0" latinLnBrk="1">
-                        <a:defRPr/>
-                      </a:pPr>
-                      <a:endParaRPr lang="en-US" altLang="ko-KR" sz="1200"/>
+                      <a:r>
+                        <a:rPr lang="ko-KR" altLang="en-US" sz="1200"/>
+                        <a:t>초반 시작 때 이불에서 나오는 모습</a:t>
+                      </a:r>
+                      <a:endParaRPr lang="ko-KR" altLang="en-US" sz="1200"/>
                     </a:p>
                   </a:txBody>
                   <a:tcPr marL="91440" marR="91440" anchor="ctr"/>
@@ -13320,6 +13332,10 @@
                       <a:pPr lvl="0" latinLnBrk="1">
                         <a:defRPr/>
                       </a:pPr>
+                      <a:r>
+                        <a:rPr lang="ko-KR" altLang="en-US" sz="1200"/>
+                        <a:t>송나름</a:t>
+                      </a:r>
                       <a:endParaRPr lang="ko-KR" altLang="en-US" sz="1200"/>
                     </a:p>
                   </a:txBody>
@@ -13333,19 +13349,27 @@
                       <a:pPr lvl="0" latinLnBrk="1">
                         <a:defRPr/>
                       </a:pPr>
-                      <a:endParaRPr lang="ko-KR" altLang="en-US" sz="1200"/>
-                    </a:p>
-                  </a:txBody>
-                  <a:tcPr marL="91440" marR="91440" anchor="ctr"/>
-                </a:tc>
-                <a:tc>
-                  <a:txBody>
-                    <a:bodyPr vert="horz" lIns="91440" tIns="45720" rIns="91440" bIns="45720" anchor="ctr" anchorCtr="0"/>
-                    <a:lstStyle/>
-                    <a:p>
-                      <a:pPr lvl="0" latinLnBrk="1">
-                        <a:defRPr/>
-                      </a:pPr>
+                      <a:r>
+                        <a:rPr lang="en-US" altLang="ko-KR" sz="1200"/>
+                        <a:t>2024-03-04</a:t>
+                      </a:r>
+                      <a:endParaRPr lang="en-US" altLang="ko-KR" sz="1200"/>
+                    </a:p>
+                  </a:txBody>
+                  <a:tcPr marL="91440" marR="91440" anchor="ctr"/>
+                </a:tc>
+                <a:tc>
+                  <a:txBody>
+                    <a:bodyPr vert="horz" lIns="91440" tIns="45720" rIns="91440" bIns="45720" anchor="ctr" anchorCtr="0"/>
+                    <a:lstStyle/>
+                    <a:p>
+                      <a:pPr lvl="0" latinLnBrk="1">
+                        <a:defRPr/>
+                      </a:pPr>
+                      <a:r>
+                        <a:rPr lang="ko-KR" altLang="en-US" sz="1200"/>
+                        <a:t>캐릭터 표정 추가</a:t>
+                      </a:r>
                       <a:endParaRPr lang="ko-KR" altLang="en-US" sz="1200"/>
                     </a:p>
                   </a:txBody>
@@ -15940,46 +15964,6 @@
                         <a:buNone/>
                         <a:defRPr/>
                       </a:pPr>
-                      <a:r>
-                        <a:rPr lang="en-US" altLang="ko-KR" sz="1000" b="0">
-                          <a:solidFill>
-                            <a:schemeClr val="tx1"/>
-                          </a:solidFill>
-                        </a:rPr>
-                        <a:t>+</a:t>
-                      </a:r>
-                      <a:r>
-                        <a:rPr lang="ko-KR" altLang="en-US" sz="1000" b="0">
-                          <a:solidFill>
-                            <a:schemeClr val="tx1"/>
-                          </a:solidFill>
-                        </a:rPr>
-                        <a:t> 가능하시다면 혹시 옷 색깔을 조금 더 밝게</a:t>
-                      </a:r>
-                      <a:r>
-                        <a:rPr lang="en-US" altLang="ko-KR" sz="1000" b="0">
-                          <a:solidFill>
-                            <a:schemeClr val="tx1"/>
-                          </a:solidFill>
-                        </a:rPr>
-                        <a:t>?</a:t>
-                      </a:r>
-                      <a:r>
-                        <a:rPr lang="ko-KR" altLang="en-US" sz="1000" b="0">
-                          <a:solidFill>
-                            <a:schemeClr val="tx1"/>
-                          </a:solidFill>
-                        </a:rPr>
-                        <a:t> 해주실 수 있을까욥</a:t>
-                      </a:r>
-                      <a:r>
-                        <a:rPr lang="en-US" altLang="ko-KR" sz="1000" b="0">
-                          <a:solidFill>
-                            <a:schemeClr val="tx1"/>
-                          </a:solidFill>
-                        </a:rPr>
-                        <a:t>....?</a:t>
-                      </a:r>
                       <a:endParaRPr lang="en-US" altLang="ko-KR" sz="1000" b="0">
                         <a:solidFill>
                           <a:schemeClr val="tx1"/>
@@ -16604,7 +16588,7 @@
       </p:sp>
       <p:pic>
         <p:nvPicPr>
-          <p:cNvPr id="24" name="그림 23"/>
+          <p:cNvPr id="25" name="그림 24"/>
           <p:cNvPicPr>
             <a:picLocks noChangeAspect="1"/>
           </p:cNvPicPr>
@@ -16612,15 +16596,110 @@
         </p:nvPicPr>
         <p:blipFill rotWithShape="1">
           <a:blip r:embed="rId3"/>
-          <a:srcRect l="13620" t="23240" r="38460" b="13620"/>
           <a:stretch>
             <a:fillRect/>
           </a:stretch>
         </p:blipFill>
         <p:spPr>
           <a:xfrm>
-            <a:off x="5679685" y="2292296"/>
-            <a:ext cx="2183106" cy="2876784"/>
+            <a:off x="6096000" y="956686"/>
+            <a:ext cx="2733989" cy="2733989"/>
+          </a:xfrm>
+          <a:prstGeom prst="rect">
+            <a:avLst/>
+          </a:prstGeom>
+        </p:spPr>
+      </p:pic>
+      <p:pic>
+        <p:nvPicPr>
+          <p:cNvPr id="27" name="그림 26"/>
+          <p:cNvPicPr>
+            <a:picLocks noChangeAspect="1"/>
+          </p:cNvPicPr>
+          <p:nvPr/>
+        </p:nvPicPr>
+        <p:blipFill rotWithShape="1">
+          <a:blip r:embed="rId4"/>
+          <a:stretch>
+            <a:fillRect/>
+          </a:stretch>
+        </p:blipFill>
+        <p:spPr>
+          <a:xfrm>
+            <a:off x="7209691" y="3230126"/>
+            <a:ext cx="2535114" cy="2535114"/>
+          </a:xfrm>
+          <a:prstGeom prst="rect">
+            <a:avLst/>
+          </a:prstGeom>
+        </p:spPr>
+      </p:pic>
+      <p:pic>
+        <p:nvPicPr>
+          <p:cNvPr id="28" name="그림 27"/>
+          <p:cNvPicPr>
+            <a:picLocks noChangeAspect="1"/>
+          </p:cNvPicPr>
+          <p:nvPr/>
+        </p:nvPicPr>
+        <p:blipFill rotWithShape="1">
+          <a:blip r:embed="rId5"/>
+          <a:stretch>
+            <a:fillRect/>
+          </a:stretch>
+        </p:blipFill>
+        <p:spPr>
+          <a:xfrm>
+            <a:off x="8926285" y="3198726"/>
+            <a:ext cx="2616760" cy="2616760"/>
+          </a:xfrm>
+          <a:prstGeom prst="rect">
+            <a:avLst/>
+          </a:prstGeom>
+        </p:spPr>
+      </p:pic>
+      <p:pic>
+        <p:nvPicPr>
+          <p:cNvPr id="29" name="그림 28"/>
+          <p:cNvPicPr>
+            <a:picLocks noChangeAspect="1"/>
+          </p:cNvPicPr>
+          <p:nvPr/>
+        </p:nvPicPr>
+        <p:blipFill rotWithShape="1">
+          <a:blip r:embed="rId6"/>
+          <a:stretch>
+            <a:fillRect/>
+          </a:stretch>
+        </p:blipFill>
+        <p:spPr>
+          <a:xfrm>
+            <a:off x="8036589" y="977620"/>
+            <a:ext cx="2597919" cy="2597919"/>
+          </a:xfrm>
+          <a:prstGeom prst="rect">
+            <a:avLst/>
+          </a:prstGeom>
+        </p:spPr>
+      </p:pic>
+      <p:pic>
+        <p:nvPicPr>
+          <p:cNvPr id="30" name="그림 29"/>
+          <p:cNvPicPr>
+            <a:picLocks noChangeAspect="1"/>
+          </p:cNvPicPr>
+          <p:nvPr/>
+        </p:nvPicPr>
+        <p:blipFill rotWithShape="1">
+          <a:blip r:embed="rId7"/>
+          <a:stretch>
+            <a:fillRect/>
+          </a:stretch>
+        </p:blipFill>
+        <p:spPr>
+          <a:xfrm>
+            <a:off x="5550242" y="3166418"/>
+            <a:ext cx="2584621" cy="2584621"/>
           </a:xfrm>
           <a:prstGeom prst="rect">
             <a:avLst/>
@@ -18142,7 +18221,7 @@
       </p:sp>
       <p:pic>
         <p:nvPicPr>
-          <p:cNvPr id="23" name="그림 22"/>
+          <p:cNvPr id="24" name="그림 23"/>
           <p:cNvPicPr>
             <a:picLocks noChangeAspect="1"/>
           </p:cNvPicPr>
@@ -18156,8 +18235,104 @@
         </p:blipFill>
         <p:spPr>
           <a:xfrm>
-            <a:off x="3630194" y="895897"/>
-            <a:ext cx="5418215" cy="5418215"/>
+            <a:off x="6096000" y="707939"/>
+            <a:ext cx="2991365" cy="2991365"/>
+          </a:xfrm>
+          <a:prstGeom prst="rect">
+            <a:avLst/>
+          </a:prstGeom>
+        </p:spPr>
+      </p:pic>
+      <p:pic>
+        <p:nvPicPr>
+          <p:cNvPr id="25" name="그림 24"/>
+          <p:cNvPicPr>
+            <a:picLocks noChangeAspect="1"/>
+          </p:cNvPicPr>
+          <p:nvPr/>
+        </p:nvPicPr>
+        <p:blipFill rotWithShape="1">
+          <a:blip r:embed="rId4"/>
+          <a:stretch>
+            <a:fillRect/>
+          </a:stretch>
+        </p:blipFill>
+        <p:spPr>
+          <a:xfrm>
+            <a:off x="5344297" y="3192161"/>
+            <a:ext cx="2803439" cy="2803439"/>
+          </a:xfrm>
+          <a:prstGeom prst="rect">
+            <a:avLst/>
+          </a:prstGeom>
+        </p:spPr>
+      </p:pic>
+      <p:pic>
+        <p:nvPicPr>
+          <p:cNvPr id="26" name="그림 25"/>
+          <p:cNvPicPr>
+            <a:picLocks noChangeAspect="1"/>
+          </p:cNvPicPr>
+          <p:nvPr/>
+        </p:nvPicPr>
+        <p:blipFill rotWithShape="1">
+          <a:blip r:embed="rId5"/>
+          <a:stretch>
+            <a:fillRect/>
+          </a:stretch>
+        </p:blipFill>
+        <p:spPr>
+          <a:xfrm>
+            <a:off x="7468114" y="3429000"/>
+            <a:ext cx="2636108" cy="2636108"/>
+          </a:xfrm>
+          <a:prstGeom prst="rect">
+            <a:avLst/>
+          </a:prstGeom>
+        </p:spPr>
+      </p:pic>
+      <p:pic>
+        <p:nvPicPr>
+          <p:cNvPr id="27" name="그림 26"/>
+          <p:cNvPicPr>
+            <a:picLocks noChangeAspect="1"/>
+          </p:cNvPicPr>
+          <p:nvPr/>
+        </p:nvPicPr>
+        <p:blipFill rotWithShape="1">
+          <a:blip r:embed="rId6"/>
+          <a:stretch>
+            <a:fillRect/>
+          </a:stretch>
+        </p:blipFill>
+        <p:spPr>
+          <a:xfrm>
+            <a:off x="8176054" y="759425"/>
+            <a:ext cx="2957899" cy="2957899"/>
+          </a:xfrm>
+          <a:prstGeom prst="rect">
+            <a:avLst/>
+          </a:prstGeom>
+        </p:spPr>
+      </p:pic>
+      <p:pic>
+        <p:nvPicPr>
+          <p:cNvPr id="28" name="그림 27"/>
+          <p:cNvPicPr>
+            <a:picLocks noChangeAspect="1"/>
+          </p:cNvPicPr>
+          <p:nvPr/>
+        </p:nvPicPr>
+        <p:blipFill rotWithShape="1">
+          <a:blip r:embed="rId7"/>
+          <a:stretch>
+            <a:fillRect/>
+          </a:stretch>
+        </p:blipFill>
+        <p:spPr>
+          <a:xfrm>
+            <a:off x="9411731" y="3429000"/>
+            <a:ext cx="2636107" cy="2636107"/>
           </a:xfrm>
           <a:prstGeom prst="rect">
             <a:avLst/>
